--- a/TeamProject_misc/180609_Prototype.pptx
+++ b/TeamProject_misc/180609_Prototype.pptx
@@ -117,6 +117,27 @@
 </p:presentation>
 </file>
 
+<file path=ppt/changesInfos/changesInfo1.xml><?xml version="1.0" encoding="utf-8"?>
+<pc:chgInfo xmlns:a="http://schemas.openxmlformats.org/drawingml/2006/main" xmlns:r="http://schemas.openxmlformats.org/officeDocument/2006/relationships" xmlns:ac="http://schemas.microsoft.com/office/drawing/2013/main/command" xmlns:pc="http://schemas.microsoft.com/office/powerpoint/2013/main/command">
+  <pc:docChgLst>
+    <pc:chgData name="Dodam Shin" userId="059de923-26fe-4ce0-a96f-a73b4934ab20" providerId="ADAL" clId="{06C5D141-CE88-47F7-B74B-2D9A88F8CB81}"/>
+    <pc:docChg chg="modSld">
+      <pc:chgData name="Dodam Shin" userId="059de923-26fe-4ce0-a96f-a73b4934ab20" providerId="ADAL" clId="{06C5D141-CE88-47F7-B74B-2D9A88F8CB81}" dt="2018-06-11T18:19:33.251" v="19" actId="20577"/>
+      <pc:docMkLst>
+        <pc:docMk/>
+      </pc:docMkLst>
+      <pc:sldChg chg="modNotesTx">
+        <pc:chgData name="Dodam Shin" userId="059de923-26fe-4ce0-a96f-a73b4934ab20" providerId="ADAL" clId="{06C5D141-CE88-47F7-B74B-2D9A88F8CB81}" dt="2018-06-11T18:19:33.251" v="19" actId="20577"/>
+        <pc:sldMkLst>
+          <pc:docMk/>
+          <pc:sldMk cId="456251582" sldId="258"/>
+        </pc:sldMkLst>
+      </pc:sldChg>
+    </pc:docChg>
+  </pc:docChgLst>
+</pc:chgInfo>
+</file>
+
 <file path=ppt/notesMasters/notesMaster1.xml><?xml version="1.0" encoding="utf-8"?>
 <p:notesMaster xmlns:a="http://schemas.openxmlformats.org/drawingml/2006/main" xmlns:r="http://schemas.openxmlformats.org/officeDocument/2006/relationships" xmlns:p="http://schemas.openxmlformats.org/presentationml/2006/main">
   <p:cSld>
@@ -199,7 +220,7 @@
           <a:p>
             <a:fld id="{E952B368-1D0C-714B-B01C-F371A3E34EDF}" type="datetimeFigureOut">
               <a:rPr kumimoji="1" lang="zh-TW" altLang="en-US" smtClean="0"/>
-              <a:t>2018/6/9</a:t>
+              <a:t>2018/6/11</a:t>
             </a:fld>
             <a:endParaRPr kumimoji="1" lang="zh-TW" altLang="en-US"/>
           </a:p>
@@ -466,6 +487,93 @@
 </p:notesMaster>
 </file>
 
+<file path=ppt/notesSlides/notesSlide1.xml><?xml version="1.0" encoding="utf-8"?>
+<p:notes xmlns:a="http://schemas.openxmlformats.org/drawingml/2006/main" xmlns:r="http://schemas.openxmlformats.org/officeDocument/2006/relationships" xmlns:p="http://schemas.openxmlformats.org/presentationml/2006/main">
+  <p:cSld>
+    <p:spTree>
+      <p:nvGrpSpPr>
+        <p:cNvPr id="1" name=""/>
+        <p:cNvGrpSpPr/>
+        <p:nvPr/>
+      </p:nvGrpSpPr>
+      <p:grpSpPr>
+        <a:xfrm>
+          <a:off x="0" y="0"/>
+          <a:ext cx="0" cy="0"/>
+          <a:chOff x="0" y="0"/>
+          <a:chExt cx="0" cy="0"/>
+        </a:xfrm>
+      </p:grpSpPr>
+      <p:sp>
+        <p:nvSpPr>
+          <p:cNvPr id="2" name="Slide Image Placeholder 1"/>
+          <p:cNvSpPr>
+            <a:spLocks noGrp="1" noRot="1" noChangeAspect="1"/>
+          </p:cNvSpPr>
+          <p:nvPr>
+            <p:ph type="sldImg"/>
+          </p:nvPr>
+        </p:nvSpPr>
+        <p:spPr/>
+      </p:sp>
+      <p:sp>
+        <p:nvSpPr>
+          <p:cNvPr id="3" name="Notes Placeholder 2"/>
+          <p:cNvSpPr>
+            <a:spLocks noGrp="1"/>
+          </p:cNvSpPr>
+          <p:nvPr>
+            <p:ph type="body" idx="1"/>
+          </p:nvPr>
+        </p:nvSpPr>
+        <p:spPr/>
+        <p:txBody>
+          <a:bodyPr/>
+          <a:lstStyle/>
+          <a:p>
+            <a:r>
+              <a:rPr lang="en-US"/>
+              <a:t>dfsfdfsdffsdfsfdsfdf</a:t>
+            </a:r>
+          </a:p>
+        </p:txBody>
+      </p:sp>
+      <p:sp>
+        <p:nvSpPr>
+          <p:cNvPr id="4" name="Slide Number Placeholder 3"/>
+          <p:cNvSpPr>
+            <a:spLocks noGrp="1"/>
+          </p:cNvSpPr>
+          <p:nvPr>
+            <p:ph type="sldNum" sz="quarter" idx="10"/>
+          </p:nvPr>
+        </p:nvSpPr>
+        <p:spPr/>
+        <p:txBody>
+          <a:bodyPr/>
+          <a:lstStyle/>
+          <a:p>
+            <a:fld id="{E865E8ED-D063-A94F-9D0A-8CE6B3321181}" type="slidenum">
+              <a:rPr kumimoji="1" lang="zh-TW" altLang="en-US" smtClean="0"/>
+              <a:t>3</a:t>
+            </a:fld>
+            <a:endParaRPr kumimoji="1" lang="zh-TW" altLang="en-US"/>
+          </a:p>
+        </p:txBody>
+      </p:sp>
+    </p:spTree>
+    <p:extLst>
+      <p:ext uri="{BB962C8B-B14F-4D97-AF65-F5344CB8AC3E}">
+        <p14:creationId xmlns:p14="http://schemas.microsoft.com/office/powerpoint/2010/main" val="857823652"/>
+      </p:ext>
+    </p:extLst>
+  </p:cSld>
+  <p:clrMapOvr>
+    <a:masterClrMapping/>
+  </p:clrMapOvr>
+</p:notes>
+</file>
+
 <file path=ppt/slideLayouts/slideLayout1.xml><?xml version="1.0" encoding="utf-8"?>
 <p:sldLayout xmlns:a="http://schemas.openxmlformats.org/drawingml/2006/main" xmlns:r="http://schemas.openxmlformats.org/officeDocument/2006/relationships" xmlns:p="http://schemas.openxmlformats.org/presentationml/2006/main" type="title" preserve="1">
   <p:cSld name="標題投影片">
@@ -595,7 +703,7 @@
           <a:p>
             <a:fld id="{A120C8FA-7581-0E47-B04A-0C0A7FBBEB47}" type="datetimeFigureOut">
               <a:rPr kumimoji="1" lang="zh-TW" altLang="en-US" smtClean="0"/>
-              <a:t>2018/6/9</a:t>
+              <a:t>2018/6/11</a:t>
             </a:fld>
             <a:endParaRPr kumimoji="1" lang="zh-TW" altLang="en-US"/>
           </a:p>
@@ -763,7 +871,7 @@
           <a:p>
             <a:fld id="{A120C8FA-7581-0E47-B04A-0C0A7FBBEB47}" type="datetimeFigureOut">
               <a:rPr kumimoji="1" lang="zh-TW" altLang="en-US" smtClean="0"/>
-              <a:t>2018/6/9</a:t>
+              <a:t>2018/6/11</a:t>
             </a:fld>
             <a:endParaRPr kumimoji="1" lang="zh-TW" altLang="en-US"/>
           </a:p>
@@ -941,7 +1049,7 @@
           <a:p>
             <a:fld id="{A120C8FA-7581-0E47-B04A-0C0A7FBBEB47}" type="datetimeFigureOut">
               <a:rPr kumimoji="1" lang="zh-TW" altLang="en-US" smtClean="0"/>
-              <a:t>2018/6/9</a:t>
+              <a:t>2018/6/11</a:t>
             </a:fld>
             <a:endParaRPr kumimoji="1" lang="zh-TW" altLang="en-US"/>
           </a:p>
@@ -1109,7 +1217,7 @@
           <a:p>
             <a:fld id="{A120C8FA-7581-0E47-B04A-0C0A7FBBEB47}" type="datetimeFigureOut">
               <a:rPr kumimoji="1" lang="zh-TW" altLang="en-US" smtClean="0"/>
-              <a:t>2018/6/9</a:t>
+              <a:t>2018/6/11</a:t>
             </a:fld>
             <a:endParaRPr kumimoji="1" lang="zh-TW" altLang="en-US"/>
           </a:p>
@@ -1354,7 +1462,7 @@
           <a:p>
             <a:fld id="{A120C8FA-7581-0E47-B04A-0C0A7FBBEB47}" type="datetimeFigureOut">
               <a:rPr kumimoji="1" lang="zh-TW" altLang="en-US" smtClean="0"/>
-              <a:t>2018/6/9</a:t>
+              <a:t>2018/6/11</a:t>
             </a:fld>
             <a:endParaRPr kumimoji="1" lang="zh-TW" altLang="en-US"/>
           </a:p>
@@ -1583,7 +1691,7 @@
           <a:p>
             <a:fld id="{A120C8FA-7581-0E47-B04A-0C0A7FBBEB47}" type="datetimeFigureOut">
               <a:rPr kumimoji="1" lang="zh-TW" altLang="en-US" smtClean="0"/>
-              <a:t>2018/6/9</a:t>
+              <a:t>2018/6/11</a:t>
             </a:fld>
             <a:endParaRPr kumimoji="1" lang="zh-TW" altLang="en-US"/>
           </a:p>
@@ -1947,7 +2055,7 @@
           <a:p>
             <a:fld id="{A120C8FA-7581-0E47-B04A-0C0A7FBBEB47}" type="datetimeFigureOut">
               <a:rPr kumimoji="1" lang="zh-TW" altLang="en-US" smtClean="0"/>
-              <a:t>2018/6/9</a:t>
+              <a:t>2018/6/11</a:t>
             </a:fld>
             <a:endParaRPr kumimoji="1" lang="zh-TW" altLang="en-US"/>
           </a:p>
@@ -2064,7 +2172,7 @@
           <a:p>
             <a:fld id="{A120C8FA-7581-0E47-B04A-0C0A7FBBEB47}" type="datetimeFigureOut">
               <a:rPr kumimoji="1" lang="zh-TW" altLang="en-US" smtClean="0"/>
-              <a:t>2018/6/9</a:t>
+              <a:t>2018/6/11</a:t>
             </a:fld>
             <a:endParaRPr kumimoji="1" lang="zh-TW" altLang="en-US"/>
           </a:p>
@@ -2159,7 +2267,7 @@
           <a:p>
             <a:fld id="{A120C8FA-7581-0E47-B04A-0C0A7FBBEB47}" type="datetimeFigureOut">
               <a:rPr kumimoji="1" lang="zh-TW" altLang="en-US" smtClean="0"/>
-              <a:t>2018/6/9</a:t>
+              <a:t>2018/6/11</a:t>
             </a:fld>
             <a:endParaRPr kumimoji="1" lang="zh-TW" altLang="en-US"/>
           </a:p>
@@ -2434,7 +2542,7 @@
           <a:p>
             <a:fld id="{A120C8FA-7581-0E47-B04A-0C0A7FBBEB47}" type="datetimeFigureOut">
               <a:rPr kumimoji="1" lang="zh-TW" altLang="en-US" smtClean="0"/>
-              <a:t>2018/6/9</a:t>
+              <a:t>2018/6/11</a:t>
             </a:fld>
             <a:endParaRPr kumimoji="1" lang="zh-TW" altLang="en-US"/>
           </a:p>
@@ -2686,7 +2794,7 @@
           <a:p>
             <a:fld id="{A120C8FA-7581-0E47-B04A-0C0A7FBBEB47}" type="datetimeFigureOut">
               <a:rPr kumimoji="1" lang="zh-TW" altLang="en-US" smtClean="0"/>
-              <a:t>2018/6/9</a:t>
+              <a:t>2018/6/11</a:t>
             </a:fld>
             <a:endParaRPr kumimoji="1" lang="zh-TW" altLang="en-US"/>
           </a:p>
@@ -2897,7 +3005,7 @@
           <a:p>
             <a:fld id="{A120C8FA-7581-0E47-B04A-0C0A7FBBEB47}" type="datetimeFigureOut">
               <a:rPr kumimoji="1" lang="zh-TW" altLang="en-US" smtClean="0"/>
-              <a:t>2018/6/9</a:t>
+              <a:t>2018/6/11</a:t>
             </a:fld>
             <a:endParaRPr kumimoji="1" lang="zh-TW" altLang="en-US"/>
           </a:p>

--- a/TeamProject_misc/180609_Prototype.pptx
+++ b/TeamProject_misc/180609_Prototype.pptx
@@ -5,12 +5,15 @@
     <p:sldMasterId id="2147483648" r:id="rId1"/>
   </p:sldMasterIdLst>
   <p:notesMasterIdLst>
-    <p:notesMasterId r:id="rId5"/>
+    <p:notesMasterId r:id="rId8"/>
   </p:notesMasterIdLst>
   <p:sldIdLst>
     <p:sldId id="256" r:id="rId2"/>
     <p:sldId id="257" r:id="rId3"/>
     <p:sldId id="258" r:id="rId4"/>
+    <p:sldId id="259" r:id="rId5"/>
+    <p:sldId id="260" r:id="rId6"/>
+    <p:sldId id="261" r:id="rId7"/>
   </p:sldIdLst>
   <p:sldSz cx="12192000" cy="6858000"/>
   <p:notesSz cx="6858000" cy="9144000"/>
@@ -117,21 +120,658 @@
 </p:presentation>
 </file>
 
+<file path=ppt/revisionInfo.xml><?xml version="1.0" encoding="utf-8"?>
+<p1510:revInfo xmlns:a="http://schemas.openxmlformats.org/drawingml/2006/main" xmlns:r="http://schemas.openxmlformats.org/officeDocument/2006/relationships" xmlns:p1510="http://schemas.microsoft.com/office/powerpoint/2015/10/main">
+  <p1510:revLst>
+    <p1510:client id="{06C5D141-CE88-47F7-B74B-2D9A88F8CB81}" v="394" dt="2018-06-15T15:58:45.109"/>
+  </p1510:revLst>
+</p1510:revInfo>
+</file>
+
 <file path=ppt/changesInfos/changesInfo1.xml><?xml version="1.0" encoding="utf-8"?>
 <pc:chgInfo xmlns:a="http://schemas.openxmlformats.org/drawingml/2006/main" xmlns:r="http://schemas.openxmlformats.org/officeDocument/2006/relationships" xmlns:ac="http://schemas.microsoft.com/office/drawing/2013/main/command" xmlns:pc="http://schemas.microsoft.com/office/powerpoint/2013/main/command">
   <pc:docChgLst>
     <pc:chgData name="Dodam Shin" userId="059de923-26fe-4ce0-a96f-a73b4934ab20" providerId="ADAL" clId="{06C5D141-CE88-47F7-B74B-2D9A88F8CB81}"/>
-    <pc:docChg chg="modSld">
-      <pc:chgData name="Dodam Shin" userId="059de923-26fe-4ce0-a96f-a73b4934ab20" providerId="ADAL" clId="{06C5D141-CE88-47F7-B74B-2D9A88F8CB81}" dt="2018-06-11T18:19:33.251" v="19" actId="20577"/>
+    <pc:docChg chg="undo custSel addSld modSld">
+      <pc:chgData name="Dodam Shin" userId="059de923-26fe-4ce0-a96f-a73b4934ab20" providerId="ADAL" clId="{06C5D141-CE88-47F7-B74B-2D9A88F8CB81}" dt="2018-06-15T15:58:45.109" v="413" actId="20577"/>
       <pc:docMkLst>
         <pc:docMk/>
       </pc:docMkLst>
-      <pc:sldChg chg="modNotesTx">
-        <pc:chgData name="Dodam Shin" userId="059de923-26fe-4ce0-a96f-a73b4934ab20" providerId="ADAL" clId="{06C5D141-CE88-47F7-B74B-2D9A88F8CB81}" dt="2018-06-11T18:19:33.251" v="19" actId="20577"/>
+      <pc:sldChg chg="modSp modNotesTx">
+        <pc:chgData name="Dodam Shin" userId="059de923-26fe-4ce0-a96f-a73b4934ab20" providerId="ADAL" clId="{06C5D141-CE88-47F7-B74B-2D9A88F8CB81}" dt="2018-06-15T15:56:06.189" v="360" actId="20577"/>
         <pc:sldMkLst>
           <pc:docMk/>
           <pc:sldMk cId="456251582" sldId="258"/>
         </pc:sldMkLst>
+        <pc:spChg chg="mod">
+          <ac:chgData name="Dodam Shin" userId="059de923-26fe-4ce0-a96f-a73b4934ab20" providerId="ADAL" clId="{06C5D141-CE88-47F7-B74B-2D9A88F8CB81}" dt="2018-06-15T04:50:37.479" v="85" actId="14100"/>
+          <ac:spMkLst>
+            <pc:docMk/>
+            <pc:sldMk cId="456251582" sldId="258"/>
+            <ac:spMk id="44" creationId="{00000000-0000-0000-0000-000000000000}"/>
+          </ac:spMkLst>
+        </pc:spChg>
+        <pc:spChg chg="mod">
+          <ac:chgData name="Dodam Shin" userId="059de923-26fe-4ce0-a96f-a73b4934ab20" providerId="ADAL" clId="{06C5D141-CE88-47F7-B74B-2D9A88F8CB81}" dt="2018-06-15T15:56:06.189" v="360" actId="20577"/>
+          <ac:spMkLst>
+            <pc:docMk/>
+            <pc:sldMk cId="456251582" sldId="258"/>
+            <ac:spMk id="45" creationId="{00000000-0000-0000-0000-000000000000}"/>
+          </ac:spMkLst>
+        </pc:spChg>
+        <pc:spChg chg="mod">
+          <ac:chgData name="Dodam Shin" userId="059de923-26fe-4ce0-a96f-a73b4934ab20" providerId="ADAL" clId="{06C5D141-CE88-47F7-B74B-2D9A88F8CB81}" dt="2018-06-15T04:50:41.128" v="86" actId="14100"/>
+          <ac:spMkLst>
+            <pc:docMk/>
+            <pc:sldMk cId="456251582" sldId="258"/>
+            <ac:spMk id="48" creationId="{00000000-0000-0000-0000-000000000000}"/>
+          </ac:spMkLst>
+        </pc:spChg>
+        <pc:spChg chg="mod">
+          <ac:chgData name="Dodam Shin" userId="059de923-26fe-4ce0-a96f-a73b4934ab20" providerId="ADAL" clId="{06C5D141-CE88-47F7-B74B-2D9A88F8CB81}" dt="2018-06-15T04:50:20.316" v="80" actId="14100"/>
+          <ac:spMkLst>
+            <pc:docMk/>
+            <pc:sldMk cId="456251582" sldId="258"/>
+            <ac:spMk id="51" creationId="{00000000-0000-0000-0000-000000000000}"/>
+          </ac:spMkLst>
+        </pc:spChg>
+        <pc:spChg chg="mod">
+          <ac:chgData name="Dodam Shin" userId="059de923-26fe-4ce0-a96f-a73b4934ab20" providerId="ADAL" clId="{06C5D141-CE88-47F7-B74B-2D9A88F8CB81}" dt="2018-06-15T04:50:43.631" v="87" actId="14100"/>
+          <ac:spMkLst>
+            <pc:docMk/>
+            <pc:sldMk cId="456251582" sldId="258"/>
+            <ac:spMk id="62" creationId="{00000000-0000-0000-0000-000000000000}"/>
+          </ac:spMkLst>
+        </pc:spChg>
+        <pc:spChg chg="mod">
+          <ac:chgData name="Dodam Shin" userId="059de923-26fe-4ce0-a96f-a73b4934ab20" providerId="ADAL" clId="{06C5D141-CE88-47F7-B74B-2D9A88F8CB81}" dt="2018-06-15T04:50:22.973" v="81" actId="14100"/>
+          <ac:spMkLst>
+            <pc:docMk/>
+            <pc:sldMk cId="456251582" sldId="258"/>
+            <ac:spMk id="65" creationId="{00000000-0000-0000-0000-000000000000}"/>
+          </ac:spMkLst>
+        </pc:spChg>
+        <pc:spChg chg="mod">
+          <ac:chgData name="Dodam Shin" userId="059de923-26fe-4ce0-a96f-a73b4934ab20" providerId="ADAL" clId="{06C5D141-CE88-47F7-B74B-2D9A88F8CB81}" dt="2018-06-15T04:50:30.629" v="84" actId="14100"/>
+          <ac:spMkLst>
+            <pc:docMk/>
+            <pc:sldMk cId="456251582" sldId="258"/>
+            <ac:spMk id="67" creationId="{00000000-0000-0000-0000-000000000000}"/>
+          </ac:spMkLst>
+        </pc:spChg>
+        <pc:spChg chg="mod">
+          <ac:chgData name="Dodam Shin" userId="059de923-26fe-4ce0-a96f-a73b4934ab20" providerId="ADAL" clId="{06C5D141-CE88-47F7-B74B-2D9A88F8CB81}" dt="2018-06-15T04:50:27.620" v="83" actId="14100"/>
+          <ac:spMkLst>
+            <pc:docMk/>
+            <pc:sldMk cId="456251582" sldId="258"/>
+            <ac:spMk id="86" creationId="{00000000-0000-0000-0000-000000000000}"/>
+          </ac:spMkLst>
+        </pc:spChg>
+      </pc:sldChg>
+      <pc:sldChg chg="addSp delSp modSp add">
+        <pc:chgData name="Dodam Shin" userId="059de923-26fe-4ce0-a96f-a73b4934ab20" providerId="ADAL" clId="{06C5D141-CE88-47F7-B74B-2D9A88F8CB81}" dt="2018-06-15T15:58:18.367" v="388" actId="1076"/>
+        <pc:sldMkLst>
+          <pc:docMk/>
+          <pc:sldMk cId="101755471" sldId="259"/>
+        </pc:sldMkLst>
+        <pc:spChg chg="mod">
+          <ac:chgData name="Dodam Shin" userId="059de923-26fe-4ce0-a96f-a73b4934ab20" providerId="ADAL" clId="{06C5D141-CE88-47F7-B74B-2D9A88F8CB81}" dt="2018-06-15T04:51:31.809" v="94" actId="208"/>
+          <ac:spMkLst>
+            <pc:docMk/>
+            <pc:sldMk cId="101755471" sldId="259"/>
+            <ac:spMk id="7" creationId="{00000000-0000-0000-0000-000000000000}"/>
+          </ac:spMkLst>
+        </pc:spChg>
+        <pc:spChg chg="mod">
+          <ac:chgData name="Dodam Shin" userId="059de923-26fe-4ce0-a96f-a73b4934ab20" providerId="ADAL" clId="{06C5D141-CE88-47F7-B74B-2D9A88F8CB81}" dt="2018-06-15T04:57:15.408" v="97" actId="1076"/>
+          <ac:spMkLst>
+            <pc:docMk/>
+            <pc:sldMk cId="101755471" sldId="259"/>
+            <ac:spMk id="9" creationId="{00000000-0000-0000-0000-000000000000}"/>
+          </ac:spMkLst>
+        </pc:spChg>
+        <pc:spChg chg="mod">
+          <ac:chgData name="Dodam Shin" userId="059de923-26fe-4ce0-a96f-a73b4934ab20" providerId="ADAL" clId="{06C5D141-CE88-47F7-B74B-2D9A88F8CB81}" dt="2018-06-15T04:57:31.654" v="101" actId="1076"/>
+          <ac:spMkLst>
+            <pc:docMk/>
+            <pc:sldMk cId="101755471" sldId="259"/>
+            <ac:spMk id="11" creationId="{00000000-0000-0000-0000-000000000000}"/>
+          </ac:spMkLst>
+        </pc:spChg>
+        <pc:spChg chg="del">
+          <ac:chgData name="Dodam Shin" userId="059de923-26fe-4ce0-a96f-a73b4934ab20" providerId="ADAL" clId="{06C5D141-CE88-47F7-B74B-2D9A88F8CB81}" dt="2018-06-15T04:57:22.538" v="98" actId="478"/>
+          <ac:spMkLst>
+            <pc:docMk/>
+            <pc:sldMk cId="101755471" sldId="259"/>
+            <ac:spMk id="44" creationId="{00000000-0000-0000-0000-000000000000}"/>
+          </ac:spMkLst>
+        </pc:spChg>
+        <pc:spChg chg="del">
+          <ac:chgData name="Dodam Shin" userId="059de923-26fe-4ce0-a96f-a73b4934ab20" providerId="ADAL" clId="{06C5D141-CE88-47F7-B74B-2D9A88F8CB81}" dt="2018-06-15T04:57:22.538" v="98" actId="478"/>
+          <ac:spMkLst>
+            <pc:docMk/>
+            <pc:sldMk cId="101755471" sldId="259"/>
+            <ac:spMk id="45" creationId="{00000000-0000-0000-0000-000000000000}"/>
+          </ac:spMkLst>
+        </pc:spChg>
+        <pc:spChg chg="del">
+          <ac:chgData name="Dodam Shin" userId="059de923-26fe-4ce0-a96f-a73b4934ab20" providerId="ADAL" clId="{06C5D141-CE88-47F7-B74B-2D9A88F8CB81}" dt="2018-06-15T04:57:22.538" v="98" actId="478"/>
+          <ac:spMkLst>
+            <pc:docMk/>
+            <pc:sldMk cId="101755471" sldId="259"/>
+            <ac:spMk id="46" creationId="{00000000-0000-0000-0000-000000000000}"/>
+          </ac:spMkLst>
+        </pc:spChg>
+        <pc:spChg chg="del">
+          <ac:chgData name="Dodam Shin" userId="059de923-26fe-4ce0-a96f-a73b4934ab20" providerId="ADAL" clId="{06C5D141-CE88-47F7-B74B-2D9A88F8CB81}" dt="2018-06-15T04:57:22.538" v="98" actId="478"/>
+          <ac:spMkLst>
+            <pc:docMk/>
+            <pc:sldMk cId="101755471" sldId="259"/>
+            <ac:spMk id="47" creationId="{00000000-0000-0000-0000-000000000000}"/>
+          </ac:spMkLst>
+        </pc:spChg>
+        <pc:spChg chg="del">
+          <ac:chgData name="Dodam Shin" userId="059de923-26fe-4ce0-a96f-a73b4934ab20" providerId="ADAL" clId="{06C5D141-CE88-47F7-B74B-2D9A88F8CB81}" dt="2018-06-15T04:57:22.538" v="98" actId="478"/>
+          <ac:spMkLst>
+            <pc:docMk/>
+            <pc:sldMk cId="101755471" sldId="259"/>
+            <ac:spMk id="48" creationId="{00000000-0000-0000-0000-000000000000}"/>
+          </ac:spMkLst>
+        </pc:spChg>
+        <pc:spChg chg="del">
+          <ac:chgData name="Dodam Shin" userId="059de923-26fe-4ce0-a96f-a73b4934ab20" providerId="ADAL" clId="{06C5D141-CE88-47F7-B74B-2D9A88F8CB81}" dt="2018-06-15T04:57:22.538" v="98" actId="478"/>
+          <ac:spMkLst>
+            <pc:docMk/>
+            <pc:sldMk cId="101755471" sldId="259"/>
+            <ac:spMk id="49" creationId="{00000000-0000-0000-0000-000000000000}"/>
+          </ac:spMkLst>
+        </pc:spChg>
+        <pc:spChg chg="del">
+          <ac:chgData name="Dodam Shin" userId="059de923-26fe-4ce0-a96f-a73b4934ab20" providerId="ADAL" clId="{06C5D141-CE88-47F7-B74B-2D9A88F8CB81}" dt="2018-06-15T04:57:22.538" v="98" actId="478"/>
+          <ac:spMkLst>
+            <pc:docMk/>
+            <pc:sldMk cId="101755471" sldId="259"/>
+            <ac:spMk id="50" creationId="{00000000-0000-0000-0000-000000000000}"/>
+          </ac:spMkLst>
+        </pc:spChg>
+        <pc:spChg chg="del">
+          <ac:chgData name="Dodam Shin" userId="059de923-26fe-4ce0-a96f-a73b4934ab20" providerId="ADAL" clId="{06C5D141-CE88-47F7-B74B-2D9A88F8CB81}" dt="2018-06-15T04:57:36.913" v="102" actId="478"/>
+          <ac:spMkLst>
+            <pc:docMk/>
+            <pc:sldMk cId="101755471" sldId="259"/>
+            <ac:spMk id="51" creationId="{00000000-0000-0000-0000-000000000000}"/>
+          </ac:spMkLst>
+        </pc:spChg>
+        <pc:spChg chg="del">
+          <ac:chgData name="Dodam Shin" userId="059de923-26fe-4ce0-a96f-a73b4934ab20" providerId="ADAL" clId="{06C5D141-CE88-47F7-B74B-2D9A88F8CB81}" dt="2018-06-15T04:57:26.940" v="99" actId="478"/>
+          <ac:spMkLst>
+            <pc:docMk/>
+            <pc:sldMk cId="101755471" sldId="259"/>
+            <ac:spMk id="52" creationId="{00000000-0000-0000-0000-000000000000}"/>
+          </ac:spMkLst>
+        </pc:spChg>
+        <pc:spChg chg="mod">
+          <ac:chgData name="Dodam Shin" userId="059de923-26fe-4ce0-a96f-a73b4934ab20" providerId="ADAL" clId="{06C5D141-CE88-47F7-B74B-2D9A88F8CB81}" dt="2018-06-15T04:51:36.277" v="95" actId="2085"/>
+          <ac:spMkLst>
+            <pc:docMk/>
+            <pc:sldMk cId="101755471" sldId="259"/>
+            <ac:spMk id="57" creationId="{00000000-0000-0000-0000-000000000000}"/>
+          </ac:spMkLst>
+        </pc:spChg>
+        <pc:spChg chg="del">
+          <ac:chgData name="Dodam Shin" userId="059de923-26fe-4ce0-a96f-a73b4934ab20" providerId="ADAL" clId="{06C5D141-CE88-47F7-B74B-2D9A88F8CB81}" dt="2018-06-15T04:57:22.538" v="98" actId="478"/>
+          <ac:spMkLst>
+            <pc:docMk/>
+            <pc:sldMk cId="101755471" sldId="259"/>
+            <ac:spMk id="59" creationId="{00000000-0000-0000-0000-000000000000}"/>
+          </ac:spMkLst>
+        </pc:spChg>
+        <pc:spChg chg="del">
+          <ac:chgData name="Dodam Shin" userId="059de923-26fe-4ce0-a96f-a73b4934ab20" providerId="ADAL" clId="{06C5D141-CE88-47F7-B74B-2D9A88F8CB81}" dt="2018-06-15T04:57:26.940" v="99" actId="478"/>
+          <ac:spMkLst>
+            <pc:docMk/>
+            <pc:sldMk cId="101755471" sldId="259"/>
+            <ac:spMk id="60" creationId="{00000000-0000-0000-0000-000000000000}"/>
+          </ac:spMkLst>
+        </pc:spChg>
+        <pc:spChg chg="del">
+          <ac:chgData name="Dodam Shin" userId="059de923-26fe-4ce0-a96f-a73b4934ab20" providerId="ADAL" clId="{06C5D141-CE88-47F7-B74B-2D9A88F8CB81}" dt="2018-06-15T04:57:22.538" v="98" actId="478"/>
+          <ac:spMkLst>
+            <pc:docMk/>
+            <pc:sldMk cId="101755471" sldId="259"/>
+            <ac:spMk id="61" creationId="{00000000-0000-0000-0000-000000000000}"/>
+          </ac:spMkLst>
+        </pc:spChg>
+        <pc:spChg chg="del">
+          <ac:chgData name="Dodam Shin" userId="059de923-26fe-4ce0-a96f-a73b4934ab20" providerId="ADAL" clId="{06C5D141-CE88-47F7-B74B-2D9A88F8CB81}" dt="2018-06-15T04:57:22.538" v="98" actId="478"/>
+          <ac:spMkLst>
+            <pc:docMk/>
+            <pc:sldMk cId="101755471" sldId="259"/>
+            <ac:spMk id="62" creationId="{00000000-0000-0000-0000-000000000000}"/>
+          </ac:spMkLst>
+        </pc:spChg>
+        <pc:spChg chg="del">
+          <ac:chgData name="Dodam Shin" userId="059de923-26fe-4ce0-a96f-a73b4934ab20" providerId="ADAL" clId="{06C5D141-CE88-47F7-B74B-2D9A88F8CB81}" dt="2018-06-15T04:57:22.538" v="98" actId="478"/>
+          <ac:spMkLst>
+            <pc:docMk/>
+            <pc:sldMk cId="101755471" sldId="259"/>
+            <ac:spMk id="63" creationId="{00000000-0000-0000-0000-000000000000}"/>
+          </ac:spMkLst>
+        </pc:spChg>
+        <pc:spChg chg="del">
+          <ac:chgData name="Dodam Shin" userId="059de923-26fe-4ce0-a96f-a73b4934ab20" providerId="ADAL" clId="{06C5D141-CE88-47F7-B74B-2D9A88F8CB81}" dt="2018-06-15T04:57:22.538" v="98" actId="478"/>
+          <ac:spMkLst>
+            <pc:docMk/>
+            <pc:sldMk cId="101755471" sldId="259"/>
+            <ac:spMk id="64" creationId="{00000000-0000-0000-0000-000000000000}"/>
+          </ac:spMkLst>
+        </pc:spChg>
+        <pc:spChg chg="del">
+          <ac:chgData name="Dodam Shin" userId="059de923-26fe-4ce0-a96f-a73b4934ab20" providerId="ADAL" clId="{06C5D141-CE88-47F7-B74B-2D9A88F8CB81}" dt="2018-06-15T04:57:22.538" v="98" actId="478"/>
+          <ac:spMkLst>
+            <pc:docMk/>
+            <pc:sldMk cId="101755471" sldId="259"/>
+            <ac:spMk id="65" creationId="{00000000-0000-0000-0000-000000000000}"/>
+          </ac:spMkLst>
+        </pc:spChg>
+        <pc:spChg chg="del">
+          <ac:chgData name="Dodam Shin" userId="059de923-26fe-4ce0-a96f-a73b4934ab20" providerId="ADAL" clId="{06C5D141-CE88-47F7-B74B-2D9A88F8CB81}" dt="2018-06-15T04:57:22.538" v="98" actId="478"/>
+          <ac:spMkLst>
+            <pc:docMk/>
+            <pc:sldMk cId="101755471" sldId="259"/>
+            <ac:spMk id="66" creationId="{00000000-0000-0000-0000-000000000000}"/>
+          </ac:spMkLst>
+        </pc:spChg>
+        <pc:spChg chg="del">
+          <ac:chgData name="Dodam Shin" userId="059de923-26fe-4ce0-a96f-a73b4934ab20" providerId="ADAL" clId="{06C5D141-CE88-47F7-B74B-2D9A88F8CB81}" dt="2018-06-15T04:57:22.538" v="98" actId="478"/>
+          <ac:spMkLst>
+            <pc:docMk/>
+            <pc:sldMk cId="101755471" sldId="259"/>
+            <ac:spMk id="67" creationId="{00000000-0000-0000-0000-000000000000}"/>
+          </ac:spMkLst>
+        </pc:spChg>
+        <pc:spChg chg="add del mod">
+          <ac:chgData name="Dodam Shin" userId="059de923-26fe-4ce0-a96f-a73b4934ab20" providerId="ADAL" clId="{06C5D141-CE88-47F7-B74B-2D9A88F8CB81}" dt="2018-06-15T04:51:09.235" v="92" actId="478"/>
+          <ac:spMkLst>
+            <pc:docMk/>
+            <pc:sldMk cId="101755471" sldId="259"/>
+            <ac:spMk id="68" creationId="{10B0940D-5461-49B7-85AD-4AAF7ACD5379}"/>
+          </ac:spMkLst>
+        </pc:spChg>
+        <pc:spChg chg="del">
+          <ac:chgData name="Dodam Shin" userId="059de923-26fe-4ce0-a96f-a73b4934ab20" providerId="ADAL" clId="{06C5D141-CE88-47F7-B74B-2D9A88F8CB81}" dt="2018-06-15T04:57:22.538" v="98" actId="478"/>
+          <ac:spMkLst>
+            <pc:docMk/>
+            <pc:sldMk cId="101755471" sldId="259"/>
+            <ac:spMk id="69" creationId="{00000000-0000-0000-0000-000000000000}"/>
+          </ac:spMkLst>
+        </pc:spChg>
+        <pc:spChg chg="del">
+          <ac:chgData name="Dodam Shin" userId="059de923-26fe-4ce0-a96f-a73b4934ab20" providerId="ADAL" clId="{06C5D141-CE88-47F7-B74B-2D9A88F8CB81}" dt="2018-06-15T04:57:22.538" v="98" actId="478"/>
+          <ac:spMkLst>
+            <pc:docMk/>
+            <pc:sldMk cId="101755471" sldId="259"/>
+            <ac:spMk id="70" creationId="{00000000-0000-0000-0000-000000000000}"/>
+          </ac:spMkLst>
+        </pc:spChg>
+        <pc:spChg chg="add mod">
+          <ac:chgData name="Dodam Shin" userId="059de923-26fe-4ce0-a96f-a73b4934ab20" providerId="ADAL" clId="{06C5D141-CE88-47F7-B74B-2D9A88F8CB81}" dt="2018-06-15T04:59:30.255" v="108" actId="207"/>
+          <ac:spMkLst>
+            <pc:docMk/>
+            <pc:sldMk cId="101755471" sldId="259"/>
+            <ac:spMk id="71" creationId="{3C916FEB-4A1A-411D-9073-8090938AF5D5}"/>
+          </ac:spMkLst>
+        </pc:spChg>
+        <pc:spChg chg="add mod">
+          <ac:chgData name="Dodam Shin" userId="059de923-26fe-4ce0-a96f-a73b4934ab20" providerId="ADAL" clId="{06C5D141-CE88-47F7-B74B-2D9A88F8CB81}" dt="2018-06-15T04:59:33.508" v="109" actId="207"/>
+          <ac:spMkLst>
+            <pc:docMk/>
+            <pc:sldMk cId="101755471" sldId="259"/>
+            <ac:spMk id="72" creationId="{927BA69A-2920-42D3-A9AE-5654F259DCB2}"/>
+          </ac:spMkLst>
+        </pc:spChg>
+        <pc:spChg chg="add del">
+          <ac:chgData name="Dodam Shin" userId="059de923-26fe-4ce0-a96f-a73b4934ab20" providerId="ADAL" clId="{06C5D141-CE88-47F7-B74B-2D9A88F8CB81}" dt="2018-06-15T04:59:39.931" v="111"/>
+          <ac:spMkLst>
+            <pc:docMk/>
+            <pc:sldMk cId="101755471" sldId="259"/>
+            <ac:spMk id="73" creationId="{3AE688D8-52D9-4408-B337-369EB45EB117}"/>
+          </ac:spMkLst>
+        </pc:spChg>
+        <pc:spChg chg="add mod">
+          <ac:chgData name="Dodam Shin" userId="059de923-26fe-4ce0-a96f-a73b4934ab20" providerId="ADAL" clId="{06C5D141-CE88-47F7-B74B-2D9A88F8CB81}" dt="2018-06-15T15:58:18.367" v="388" actId="1076"/>
+          <ac:spMkLst>
+            <pc:docMk/>
+            <pc:sldMk cId="101755471" sldId="259"/>
+            <ac:spMk id="78" creationId="{975C9725-6B4B-45B5-AE07-579412B67E7B}"/>
+          </ac:spMkLst>
+        </pc:spChg>
+        <pc:spChg chg="add mod">
+          <ac:chgData name="Dodam Shin" userId="059de923-26fe-4ce0-a96f-a73b4934ab20" providerId="ADAL" clId="{06C5D141-CE88-47F7-B74B-2D9A88F8CB81}" dt="2018-06-15T14:14:00.588" v="179" actId="1076"/>
+          <ac:spMkLst>
+            <pc:docMk/>
+            <pc:sldMk cId="101755471" sldId="259"/>
+            <ac:spMk id="79" creationId="{53A57AE2-1026-48D7-AF14-0DCC89DD6870}"/>
+          </ac:spMkLst>
+        </pc:spChg>
+        <pc:spChg chg="del">
+          <ac:chgData name="Dodam Shin" userId="059de923-26fe-4ce0-a96f-a73b4934ab20" providerId="ADAL" clId="{06C5D141-CE88-47F7-B74B-2D9A88F8CB81}" dt="2018-06-15T04:57:22.538" v="98" actId="478"/>
+          <ac:spMkLst>
+            <pc:docMk/>
+            <pc:sldMk cId="101755471" sldId="259"/>
+            <ac:spMk id="80" creationId="{00000000-0000-0000-0000-000000000000}"/>
+          </ac:spMkLst>
+        </pc:spChg>
+        <pc:spChg chg="del">
+          <ac:chgData name="Dodam Shin" userId="059de923-26fe-4ce0-a96f-a73b4934ab20" providerId="ADAL" clId="{06C5D141-CE88-47F7-B74B-2D9A88F8CB81}" dt="2018-06-15T04:57:22.538" v="98" actId="478"/>
+          <ac:spMkLst>
+            <pc:docMk/>
+            <pc:sldMk cId="101755471" sldId="259"/>
+            <ac:spMk id="81" creationId="{00000000-0000-0000-0000-000000000000}"/>
+          </ac:spMkLst>
+        </pc:spChg>
+        <pc:spChg chg="del">
+          <ac:chgData name="Dodam Shin" userId="059de923-26fe-4ce0-a96f-a73b4934ab20" providerId="ADAL" clId="{06C5D141-CE88-47F7-B74B-2D9A88F8CB81}" dt="2018-06-15T04:57:22.538" v="98" actId="478"/>
+          <ac:spMkLst>
+            <pc:docMk/>
+            <pc:sldMk cId="101755471" sldId="259"/>
+            <ac:spMk id="82" creationId="{00000000-0000-0000-0000-000000000000}"/>
+          </ac:spMkLst>
+        </pc:spChg>
+        <pc:spChg chg="del">
+          <ac:chgData name="Dodam Shin" userId="059de923-26fe-4ce0-a96f-a73b4934ab20" providerId="ADAL" clId="{06C5D141-CE88-47F7-B74B-2D9A88F8CB81}" dt="2018-06-15T04:57:22.538" v="98" actId="478"/>
+          <ac:spMkLst>
+            <pc:docMk/>
+            <pc:sldMk cId="101755471" sldId="259"/>
+            <ac:spMk id="83" creationId="{00000000-0000-0000-0000-000000000000}"/>
+          </ac:spMkLst>
+        </pc:spChg>
+        <pc:spChg chg="del">
+          <ac:chgData name="Dodam Shin" userId="059de923-26fe-4ce0-a96f-a73b4934ab20" providerId="ADAL" clId="{06C5D141-CE88-47F7-B74B-2D9A88F8CB81}" dt="2018-06-15T04:57:22.538" v="98" actId="478"/>
+          <ac:spMkLst>
+            <pc:docMk/>
+            <pc:sldMk cId="101755471" sldId="259"/>
+            <ac:spMk id="84" creationId="{00000000-0000-0000-0000-000000000000}"/>
+          </ac:spMkLst>
+        </pc:spChg>
+        <pc:spChg chg="add mod">
+          <ac:chgData name="Dodam Shin" userId="059de923-26fe-4ce0-a96f-a73b4934ab20" providerId="ADAL" clId="{06C5D141-CE88-47F7-B74B-2D9A88F8CB81}" dt="2018-06-15T14:14:18.183" v="183" actId="1076"/>
+          <ac:spMkLst>
+            <pc:docMk/>
+            <pc:sldMk cId="101755471" sldId="259"/>
+            <ac:spMk id="85" creationId="{BF8C3C17-E69A-4424-BF35-9950FA19A39D}"/>
+          </ac:spMkLst>
+        </pc:spChg>
+        <pc:spChg chg="del">
+          <ac:chgData name="Dodam Shin" userId="059de923-26fe-4ce0-a96f-a73b4934ab20" providerId="ADAL" clId="{06C5D141-CE88-47F7-B74B-2D9A88F8CB81}" dt="2018-06-15T04:57:22.538" v="98" actId="478"/>
+          <ac:spMkLst>
+            <pc:docMk/>
+            <pc:sldMk cId="101755471" sldId="259"/>
+            <ac:spMk id="86" creationId="{00000000-0000-0000-0000-000000000000}"/>
+          </ac:spMkLst>
+        </pc:spChg>
+        <pc:spChg chg="add mod">
+          <ac:chgData name="Dodam Shin" userId="059de923-26fe-4ce0-a96f-a73b4934ab20" providerId="ADAL" clId="{06C5D141-CE88-47F7-B74B-2D9A88F8CB81}" dt="2018-06-15T14:14:05.009" v="180" actId="1076"/>
+          <ac:spMkLst>
+            <pc:docMk/>
+            <pc:sldMk cId="101755471" sldId="259"/>
+            <ac:spMk id="87" creationId="{68C5FCF2-84B6-412C-B49F-DC587DF0A90A}"/>
+          </ac:spMkLst>
+        </pc:spChg>
+        <pc:spChg chg="add del mod">
+          <ac:chgData name="Dodam Shin" userId="059de923-26fe-4ce0-a96f-a73b4934ab20" providerId="ADAL" clId="{06C5D141-CE88-47F7-B74B-2D9A88F8CB81}" dt="2018-06-15T14:14:23.218" v="184" actId="1076"/>
+          <ac:spMkLst>
+            <pc:docMk/>
+            <pc:sldMk cId="101755471" sldId="259"/>
+            <ac:spMk id="88" creationId="{44F2B33F-0572-4A9E-A07B-4E0D8CD1C846}"/>
+          </ac:spMkLst>
+        </pc:spChg>
+        <pc:spChg chg="add mod">
+          <ac:chgData name="Dodam Shin" userId="059de923-26fe-4ce0-a96f-a73b4934ab20" providerId="ADAL" clId="{06C5D141-CE88-47F7-B74B-2D9A88F8CB81}" dt="2018-06-15T14:14:29.832" v="187" actId="14100"/>
+          <ac:spMkLst>
+            <pc:docMk/>
+            <pc:sldMk cId="101755471" sldId="259"/>
+            <ac:spMk id="89" creationId="{5AF59149-8E21-4AF9-9E13-CEEC96032A8C}"/>
+          </ac:spMkLst>
+        </pc:spChg>
+        <pc:spChg chg="add mod">
+          <ac:chgData name="Dodam Shin" userId="059de923-26fe-4ce0-a96f-a73b4934ab20" providerId="ADAL" clId="{06C5D141-CE88-47F7-B74B-2D9A88F8CB81}" dt="2018-06-15T14:14:48.661" v="199" actId="14100"/>
+          <ac:spMkLst>
+            <pc:docMk/>
+            <pc:sldMk cId="101755471" sldId="259"/>
+            <ac:spMk id="90" creationId="{BF1D03BD-D09A-4B5F-BF51-15BB63C61086}"/>
+          </ac:spMkLst>
+        </pc:spChg>
+      </pc:sldChg>
+      <pc:sldChg chg="modSp add">
+        <pc:chgData name="Dodam Shin" userId="059de923-26fe-4ce0-a96f-a73b4934ab20" providerId="ADAL" clId="{06C5D141-CE88-47F7-B74B-2D9A88F8CB81}" dt="2018-06-15T15:57:57.476" v="361" actId="14100"/>
+        <pc:sldMkLst>
+          <pc:docMk/>
+          <pc:sldMk cId="3963243065" sldId="260"/>
+        </pc:sldMkLst>
+        <pc:spChg chg="mod">
+          <ac:chgData name="Dodam Shin" userId="059de923-26fe-4ce0-a96f-a73b4934ab20" providerId="ADAL" clId="{06C5D141-CE88-47F7-B74B-2D9A88F8CB81}" dt="2018-06-15T14:15:48.670" v="212" actId="2085"/>
+          <ac:spMkLst>
+            <pc:docMk/>
+            <pc:sldMk cId="3963243065" sldId="260"/>
+            <ac:spMk id="5" creationId="{00000000-0000-0000-0000-000000000000}"/>
+          </ac:spMkLst>
+        </pc:spChg>
+        <pc:spChg chg="mod">
+          <ac:chgData name="Dodam Shin" userId="059de923-26fe-4ce0-a96f-a73b4934ab20" providerId="ADAL" clId="{06C5D141-CE88-47F7-B74B-2D9A88F8CB81}" dt="2018-06-15T14:15:59.595" v="214" actId="1582"/>
+          <ac:spMkLst>
+            <pc:docMk/>
+            <pc:sldMk cId="3963243065" sldId="260"/>
+            <ac:spMk id="13" creationId="{00000000-0000-0000-0000-000000000000}"/>
+          </ac:spMkLst>
+        </pc:spChg>
+        <pc:spChg chg="mod">
+          <ac:chgData name="Dodam Shin" userId="059de923-26fe-4ce0-a96f-a73b4934ab20" providerId="ADAL" clId="{06C5D141-CE88-47F7-B74B-2D9A88F8CB81}" dt="2018-06-15T15:57:57.476" v="361" actId="14100"/>
+          <ac:spMkLst>
+            <pc:docMk/>
+            <pc:sldMk cId="3963243065" sldId="260"/>
+            <ac:spMk id="14" creationId="{00000000-0000-0000-0000-000000000000}"/>
+          </ac:spMkLst>
+        </pc:spChg>
+      </pc:sldChg>
+      <pc:sldChg chg="addSp delSp modSp add">
+        <pc:chgData name="Dodam Shin" userId="059de923-26fe-4ce0-a96f-a73b4934ab20" providerId="ADAL" clId="{06C5D141-CE88-47F7-B74B-2D9A88F8CB81}" dt="2018-06-15T15:58:45.109" v="413" actId="20577"/>
+        <pc:sldMkLst>
+          <pc:docMk/>
+          <pc:sldMk cId="2073469290" sldId="261"/>
+        </pc:sldMkLst>
+        <pc:spChg chg="del mod">
+          <ac:chgData name="Dodam Shin" userId="059de923-26fe-4ce0-a96f-a73b4934ab20" providerId="ADAL" clId="{06C5D141-CE88-47F7-B74B-2D9A88F8CB81}" dt="2018-06-15T14:23:50.467" v="217" actId="478"/>
+          <ac:spMkLst>
+            <pc:docMk/>
+            <pc:sldMk cId="2073469290" sldId="261"/>
+            <ac:spMk id="36" creationId="{00000000-0000-0000-0000-000000000000}"/>
+          </ac:spMkLst>
+        </pc:spChg>
+        <pc:spChg chg="del">
+          <ac:chgData name="Dodam Shin" userId="059de923-26fe-4ce0-a96f-a73b4934ab20" providerId="ADAL" clId="{06C5D141-CE88-47F7-B74B-2D9A88F8CB81}" dt="2018-06-15T14:23:50.467" v="217" actId="478"/>
+          <ac:spMkLst>
+            <pc:docMk/>
+            <pc:sldMk cId="2073469290" sldId="261"/>
+            <ac:spMk id="37" creationId="{00000000-0000-0000-0000-000000000000}"/>
+          </ac:spMkLst>
+        </pc:spChg>
+        <pc:spChg chg="del">
+          <ac:chgData name="Dodam Shin" userId="059de923-26fe-4ce0-a96f-a73b4934ab20" providerId="ADAL" clId="{06C5D141-CE88-47F7-B74B-2D9A88F8CB81}" dt="2018-06-15T14:23:50.467" v="217" actId="478"/>
+          <ac:spMkLst>
+            <pc:docMk/>
+            <pc:sldMk cId="2073469290" sldId="261"/>
+            <ac:spMk id="38" creationId="{00000000-0000-0000-0000-000000000000}"/>
+          </ac:spMkLst>
+        </pc:spChg>
+        <pc:spChg chg="del">
+          <ac:chgData name="Dodam Shin" userId="059de923-26fe-4ce0-a96f-a73b4934ab20" providerId="ADAL" clId="{06C5D141-CE88-47F7-B74B-2D9A88F8CB81}" dt="2018-06-15T14:23:50.467" v="217" actId="478"/>
+          <ac:spMkLst>
+            <pc:docMk/>
+            <pc:sldMk cId="2073469290" sldId="261"/>
+            <ac:spMk id="39" creationId="{00000000-0000-0000-0000-000000000000}"/>
+          </ac:spMkLst>
+        </pc:spChg>
+        <pc:spChg chg="del">
+          <ac:chgData name="Dodam Shin" userId="059de923-26fe-4ce0-a96f-a73b4934ab20" providerId="ADAL" clId="{06C5D141-CE88-47F7-B74B-2D9A88F8CB81}" dt="2018-06-15T14:23:50.467" v="217" actId="478"/>
+          <ac:spMkLst>
+            <pc:docMk/>
+            <pc:sldMk cId="2073469290" sldId="261"/>
+            <ac:spMk id="40" creationId="{00000000-0000-0000-0000-000000000000}"/>
+          </ac:spMkLst>
+        </pc:spChg>
+        <pc:spChg chg="del">
+          <ac:chgData name="Dodam Shin" userId="059de923-26fe-4ce0-a96f-a73b4934ab20" providerId="ADAL" clId="{06C5D141-CE88-47F7-B74B-2D9A88F8CB81}" dt="2018-06-15T14:23:50.467" v="217" actId="478"/>
+          <ac:spMkLst>
+            <pc:docMk/>
+            <pc:sldMk cId="2073469290" sldId="261"/>
+            <ac:spMk id="44" creationId="{00000000-0000-0000-0000-000000000000}"/>
+          </ac:spMkLst>
+        </pc:spChg>
+        <pc:spChg chg="add mod">
+          <ac:chgData name="Dodam Shin" userId="059de923-26fe-4ce0-a96f-a73b4934ab20" providerId="ADAL" clId="{06C5D141-CE88-47F7-B74B-2D9A88F8CB81}" dt="2018-06-15T14:24:27.258" v="251" actId="20577"/>
+          <ac:spMkLst>
+            <pc:docMk/>
+            <pc:sldMk cId="2073469290" sldId="261"/>
+            <ac:spMk id="47" creationId="{FFCEF8EE-C6B2-4364-B83A-1D4DE6C31991}"/>
+          </ac:spMkLst>
+        </pc:spChg>
+        <pc:spChg chg="add mod">
+          <ac:chgData name="Dodam Shin" userId="059de923-26fe-4ce0-a96f-a73b4934ab20" providerId="ADAL" clId="{06C5D141-CE88-47F7-B74B-2D9A88F8CB81}" dt="2018-06-15T14:31:02.039" v="328" actId="1076"/>
+          <ac:spMkLst>
+            <pc:docMk/>
+            <pc:sldMk cId="2073469290" sldId="261"/>
+            <ac:spMk id="49" creationId="{BB409005-7498-411A-BA7B-517AA63E3629}"/>
+          </ac:spMkLst>
+        </pc:spChg>
+        <pc:spChg chg="add mod">
+          <ac:chgData name="Dodam Shin" userId="059de923-26fe-4ce0-a96f-a73b4934ab20" providerId="ADAL" clId="{06C5D141-CE88-47F7-B74B-2D9A88F8CB81}" dt="2018-06-15T14:31:12.755" v="332" actId="1076"/>
+          <ac:spMkLst>
+            <pc:docMk/>
+            <pc:sldMk cId="2073469290" sldId="261"/>
+            <ac:spMk id="50" creationId="{73FA2C2C-3447-4B06-B703-094FDFFBB5E0}"/>
+          </ac:spMkLst>
+        </pc:spChg>
+        <pc:spChg chg="add del mod">
+          <ac:chgData name="Dodam Shin" userId="059de923-26fe-4ce0-a96f-a73b4934ab20" providerId="ADAL" clId="{06C5D141-CE88-47F7-B74B-2D9A88F8CB81}" dt="2018-06-15T15:55:24.263" v="353" actId="478"/>
+          <ac:spMkLst>
+            <pc:docMk/>
+            <pc:sldMk cId="2073469290" sldId="261"/>
+            <ac:spMk id="51" creationId="{B301D487-CC29-4B3B-9ACB-89E933F5B1D0}"/>
+          </ac:spMkLst>
+        </pc:spChg>
+        <pc:spChg chg="add mod">
+          <ac:chgData name="Dodam Shin" userId="059de923-26fe-4ce0-a96f-a73b4934ab20" providerId="ADAL" clId="{06C5D141-CE88-47F7-B74B-2D9A88F8CB81}" dt="2018-06-15T14:30:35.136" v="319" actId="14100"/>
+          <ac:spMkLst>
+            <pc:docMk/>
+            <pc:sldMk cId="2073469290" sldId="261"/>
+            <ac:spMk id="53" creationId="{8896FF89-6B37-40F6-B4CF-676B4786B42D}"/>
+          </ac:spMkLst>
+        </pc:spChg>
+        <pc:spChg chg="add mod">
+          <ac:chgData name="Dodam Shin" userId="059de923-26fe-4ce0-a96f-a73b4934ab20" providerId="ADAL" clId="{06C5D141-CE88-47F7-B74B-2D9A88F8CB81}" dt="2018-06-15T14:30:28.694" v="318" actId="20577"/>
+          <ac:spMkLst>
+            <pc:docMk/>
+            <pc:sldMk cId="2073469290" sldId="261"/>
+            <ac:spMk id="54" creationId="{A735F1A6-88D4-44F9-9527-C3FF81E8080E}"/>
+          </ac:spMkLst>
+        </pc:spChg>
+        <pc:spChg chg="add mod">
+          <ac:chgData name="Dodam Shin" userId="059de923-26fe-4ce0-a96f-a73b4934ab20" providerId="ADAL" clId="{06C5D141-CE88-47F7-B74B-2D9A88F8CB81}" dt="2018-06-15T15:55:15.028" v="351" actId="1076"/>
+          <ac:spMkLst>
+            <pc:docMk/>
+            <pc:sldMk cId="2073469290" sldId="261"/>
+            <ac:spMk id="55" creationId="{A4833942-63D1-4809-A5B4-4FB8DC6F7C7F}"/>
+          </ac:spMkLst>
+        </pc:spChg>
+        <pc:spChg chg="del">
+          <ac:chgData name="Dodam Shin" userId="059de923-26fe-4ce0-a96f-a73b4934ab20" providerId="ADAL" clId="{06C5D141-CE88-47F7-B74B-2D9A88F8CB81}" dt="2018-06-15T14:23:50.467" v="217" actId="478"/>
+          <ac:spMkLst>
+            <pc:docMk/>
+            <pc:sldMk cId="2073469290" sldId="261"/>
+            <ac:spMk id="56" creationId="{00000000-0000-0000-0000-000000000000}"/>
+          </ac:spMkLst>
+        </pc:spChg>
+        <pc:spChg chg="del">
+          <ac:chgData name="Dodam Shin" userId="059de923-26fe-4ce0-a96f-a73b4934ab20" providerId="ADAL" clId="{06C5D141-CE88-47F7-B74B-2D9A88F8CB81}" dt="2018-06-15T14:23:50.467" v="217" actId="478"/>
+          <ac:spMkLst>
+            <pc:docMk/>
+            <pc:sldMk cId="2073469290" sldId="261"/>
+            <ac:spMk id="57" creationId="{00000000-0000-0000-0000-000000000000}"/>
+          </ac:spMkLst>
+        </pc:spChg>
+        <pc:spChg chg="del">
+          <ac:chgData name="Dodam Shin" userId="059de923-26fe-4ce0-a96f-a73b4934ab20" providerId="ADAL" clId="{06C5D141-CE88-47F7-B74B-2D9A88F8CB81}" dt="2018-06-15T14:23:50.467" v="217" actId="478"/>
+          <ac:spMkLst>
+            <pc:docMk/>
+            <pc:sldMk cId="2073469290" sldId="261"/>
+            <ac:spMk id="58" creationId="{00000000-0000-0000-0000-000000000000}"/>
+          </ac:spMkLst>
+        </pc:spChg>
+        <pc:spChg chg="del">
+          <ac:chgData name="Dodam Shin" userId="059de923-26fe-4ce0-a96f-a73b4934ab20" providerId="ADAL" clId="{06C5D141-CE88-47F7-B74B-2D9A88F8CB81}" dt="2018-06-15T14:23:50.467" v="217" actId="478"/>
+          <ac:spMkLst>
+            <pc:docMk/>
+            <pc:sldMk cId="2073469290" sldId="261"/>
+            <ac:spMk id="59" creationId="{00000000-0000-0000-0000-000000000000}"/>
+          </ac:spMkLst>
+        </pc:spChg>
+        <pc:spChg chg="mod">
+          <ac:chgData name="Dodam Shin" userId="059de923-26fe-4ce0-a96f-a73b4934ab20" providerId="ADAL" clId="{06C5D141-CE88-47F7-B74B-2D9A88F8CB81}" dt="2018-06-15T14:29:36.435" v="262" actId="1076"/>
+          <ac:spMkLst>
+            <pc:docMk/>
+            <pc:sldMk cId="2073469290" sldId="261"/>
+            <ac:spMk id="60" creationId="{00000000-0000-0000-0000-000000000000}"/>
+          </ac:spMkLst>
+        </pc:spChg>
+        <pc:spChg chg="add mod">
+          <ac:chgData name="Dodam Shin" userId="059de923-26fe-4ce0-a96f-a73b4934ab20" providerId="ADAL" clId="{06C5D141-CE88-47F7-B74B-2D9A88F8CB81}" dt="2018-06-15T14:31:05.281" v="329" actId="20577"/>
+          <ac:spMkLst>
+            <pc:docMk/>
+            <pc:sldMk cId="2073469290" sldId="261"/>
+            <ac:spMk id="64" creationId="{4CC0AA48-A8BA-4068-B60D-A91B645089C9}"/>
+          </ac:spMkLst>
+        </pc:spChg>
+        <pc:spChg chg="add mod">
+          <ac:chgData name="Dodam Shin" userId="059de923-26fe-4ce0-a96f-a73b4934ab20" providerId="ADAL" clId="{06C5D141-CE88-47F7-B74B-2D9A88F8CB81}" dt="2018-06-15T15:55:19.268" v="352" actId="1076"/>
+          <ac:spMkLst>
+            <pc:docMk/>
+            <pc:sldMk cId="2073469290" sldId="261"/>
+            <ac:spMk id="65" creationId="{865AF38B-40B5-48C0-A90A-A230E6546B47}"/>
+          </ac:spMkLst>
+        </pc:spChg>
+        <pc:spChg chg="del">
+          <ac:chgData name="Dodam Shin" userId="059de923-26fe-4ce0-a96f-a73b4934ab20" providerId="ADAL" clId="{06C5D141-CE88-47F7-B74B-2D9A88F8CB81}" dt="2018-06-15T14:23:50.467" v="217" actId="478"/>
+          <ac:spMkLst>
+            <pc:docMk/>
+            <pc:sldMk cId="2073469290" sldId="261"/>
+            <ac:spMk id="68" creationId="{00000000-0000-0000-0000-000000000000}"/>
+          </ac:spMkLst>
+        </pc:spChg>
+        <pc:spChg chg="del">
+          <ac:chgData name="Dodam Shin" userId="059de923-26fe-4ce0-a96f-a73b4934ab20" providerId="ADAL" clId="{06C5D141-CE88-47F7-B74B-2D9A88F8CB81}" dt="2018-06-15T14:23:50.467" v="217" actId="478"/>
+          <ac:spMkLst>
+            <pc:docMk/>
+            <pc:sldMk cId="2073469290" sldId="261"/>
+            <ac:spMk id="69" creationId="{00000000-0000-0000-0000-000000000000}"/>
+          </ac:spMkLst>
+        </pc:spChg>
+        <pc:spChg chg="mod">
+          <ac:chgData name="Dodam Shin" userId="059de923-26fe-4ce0-a96f-a73b4934ab20" providerId="ADAL" clId="{06C5D141-CE88-47F7-B74B-2D9A88F8CB81}" dt="2018-06-15T15:58:45.109" v="413" actId="20577"/>
+          <ac:spMkLst>
+            <pc:docMk/>
+            <pc:sldMk cId="2073469290" sldId="261"/>
+            <ac:spMk id="70" creationId="{00000000-0000-0000-0000-000000000000}"/>
+          </ac:spMkLst>
+        </pc:spChg>
+        <pc:spChg chg="del">
+          <ac:chgData name="Dodam Shin" userId="059de923-26fe-4ce0-a96f-a73b4934ab20" providerId="ADAL" clId="{06C5D141-CE88-47F7-B74B-2D9A88F8CB81}" dt="2018-06-15T14:24:17.111" v="247" actId="478"/>
+          <ac:spMkLst>
+            <pc:docMk/>
+            <pc:sldMk cId="2073469290" sldId="261"/>
+            <ac:spMk id="71" creationId="{00000000-0000-0000-0000-000000000000}"/>
+          </ac:spMkLst>
+        </pc:spChg>
       </pc:sldChg>
     </pc:docChg>
   </pc:docChgLst>
@@ -220,7 +860,7 @@
           <a:p>
             <a:fld id="{E952B368-1D0C-714B-B01C-F371A3E34EDF}" type="datetimeFigureOut">
               <a:rPr kumimoji="1" lang="zh-TW" altLang="en-US" smtClean="0"/>
-              <a:t>2018/6/11</a:t>
+              <a:t>2018/6/15</a:t>
             </a:fld>
             <a:endParaRPr kumimoji="1" lang="zh-TW" altLang="en-US"/>
           </a:p>
@@ -574,6 +1214,93 @@
 </p:notes>
 </file>
 
+<file path=ppt/notesSlides/notesSlide2.xml><?xml version="1.0" encoding="utf-8"?>
+<p:notes xmlns:a="http://schemas.openxmlformats.org/drawingml/2006/main" xmlns:r="http://schemas.openxmlformats.org/officeDocument/2006/relationships" xmlns:p="http://schemas.openxmlformats.org/presentationml/2006/main">
+  <p:cSld>
+    <p:spTree>
+      <p:nvGrpSpPr>
+        <p:cNvPr id="1" name=""/>
+        <p:cNvGrpSpPr/>
+        <p:nvPr/>
+      </p:nvGrpSpPr>
+      <p:grpSpPr>
+        <a:xfrm>
+          <a:off x="0" y="0"/>
+          <a:ext cx="0" cy="0"/>
+          <a:chOff x="0" y="0"/>
+          <a:chExt cx="0" cy="0"/>
+        </a:xfrm>
+      </p:grpSpPr>
+      <p:sp>
+        <p:nvSpPr>
+          <p:cNvPr id="2" name="Slide Image Placeholder 1"/>
+          <p:cNvSpPr>
+            <a:spLocks noGrp="1" noRot="1" noChangeAspect="1"/>
+          </p:cNvSpPr>
+          <p:nvPr>
+            <p:ph type="sldImg"/>
+          </p:nvPr>
+        </p:nvSpPr>
+        <p:spPr/>
+      </p:sp>
+      <p:sp>
+        <p:nvSpPr>
+          <p:cNvPr id="3" name="Notes Placeholder 2"/>
+          <p:cNvSpPr>
+            <a:spLocks noGrp="1"/>
+          </p:cNvSpPr>
+          <p:nvPr>
+            <p:ph type="body" idx="1"/>
+          </p:nvPr>
+        </p:nvSpPr>
+        <p:spPr/>
+        <p:txBody>
+          <a:bodyPr/>
+          <a:lstStyle/>
+          <a:p>
+            <a:r>
+              <a:rPr lang="en-US"/>
+              <a:t>dfsfdfsdffsdfsfdsfdf</a:t>
+            </a:r>
+          </a:p>
+        </p:txBody>
+      </p:sp>
+      <p:sp>
+        <p:nvSpPr>
+          <p:cNvPr id="4" name="Slide Number Placeholder 3"/>
+          <p:cNvSpPr>
+            <a:spLocks noGrp="1"/>
+          </p:cNvSpPr>
+          <p:nvPr>
+            <p:ph type="sldNum" sz="quarter" idx="10"/>
+          </p:nvPr>
+        </p:nvSpPr>
+        <p:spPr/>
+        <p:txBody>
+          <a:bodyPr/>
+          <a:lstStyle/>
+          <a:p>
+            <a:fld id="{E865E8ED-D063-A94F-9D0A-8CE6B3321181}" type="slidenum">
+              <a:rPr kumimoji="1" lang="zh-TW" altLang="en-US" smtClean="0"/>
+              <a:t>4</a:t>
+            </a:fld>
+            <a:endParaRPr kumimoji="1" lang="zh-TW" altLang="en-US"/>
+          </a:p>
+        </p:txBody>
+      </p:sp>
+    </p:spTree>
+    <p:extLst>
+      <p:ext uri="{BB962C8B-B14F-4D97-AF65-F5344CB8AC3E}">
+        <p14:creationId xmlns:p14="http://schemas.microsoft.com/office/powerpoint/2010/main" val="1900630410"/>
+      </p:ext>
+    </p:extLst>
+  </p:cSld>
+  <p:clrMapOvr>
+    <a:masterClrMapping/>
+  </p:clrMapOvr>
+</p:notes>
+</file>
+
 <file path=ppt/slideLayouts/slideLayout1.xml><?xml version="1.0" encoding="utf-8"?>
 <p:sldLayout xmlns:a="http://schemas.openxmlformats.org/drawingml/2006/main" xmlns:r="http://schemas.openxmlformats.org/officeDocument/2006/relationships" xmlns:p="http://schemas.openxmlformats.org/presentationml/2006/main" type="title" preserve="1">
   <p:cSld name="標題投影片">
@@ -703,7 +1430,7 @@
           <a:p>
             <a:fld id="{A120C8FA-7581-0E47-B04A-0C0A7FBBEB47}" type="datetimeFigureOut">
               <a:rPr kumimoji="1" lang="zh-TW" altLang="en-US" smtClean="0"/>
-              <a:t>2018/6/11</a:t>
+              <a:t>2018/6/15</a:t>
             </a:fld>
             <a:endParaRPr kumimoji="1" lang="zh-TW" altLang="en-US"/>
           </a:p>
@@ -871,7 +1598,7 @@
           <a:p>
             <a:fld id="{A120C8FA-7581-0E47-B04A-0C0A7FBBEB47}" type="datetimeFigureOut">
               <a:rPr kumimoji="1" lang="zh-TW" altLang="en-US" smtClean="0"/>
-              <a:t>2018/6/11</a:t>
+              <a:t>2018/6/15</a:t>
             </a:fld>
             <a:endParaRPr kumimoji="1" lang="zh-TW" altLang="en-US"/>
           </a:p>
@@ -1049,7 +1776,7 @@
           <a:p>
             <a:fld id="{A120C8FA-7581-0E47-B04A-0C0A7FBBEB47}" type="datetimeFigureOut">
               <a:rPr kumimoji="1" lang="zh-TW" altLang="en-US" smtClean="0"/>
-              <a:t>2018/6/11</a:t>
+              <a:t>2018/6/15</a:t>
             </a:fld>
             <a:endParaRPr kumimoji="1" lang="zh-TW" altLang="en-US"/>
           </a:p>
@@ -1217,7 +1944,7 @@
           <a:p>
             <a:fld id="{A120C8FA-7581-0E47-B04A-0C0A7FBBEB47}" type="datetimeFigureOut">
               <a:rPr kumimoji="1" lang="zh-TW" altLang="en-US" smtClean="0"/>
-              <a:t>2018/6/11</a:t>
+              <a:t>2018/6/15</a:t>
             </a:fld>
             <a:endParaRPr kumimoji="1" lang="zh-TW" altLang="en-US"/>
           </a:p>
@@ -1462,7 +2189,7 @@
           <a:p>
             <a:fld id="{A120C8FA-7581-0E47-B04A-0C0A7FBBEB47}" type="datetimeFigureOut">
               <a:rPr kumimoji="1" lang="zh-TW" altLang="en-US" smtClean="0"/>
-              <a:t>2018/6/11</a:t>
+              <a:t>2018/6/15</a:t>
             </a:fld>
             <a:endParaRPr kumimoji="1" lang="zh-TW" altLang="en-US"/>
           </a:p>
@@ -1691,7 +2418,7 @@
           <a:p>
             <a:fld id="{A120C8FA-7581-0E47-B04A-0C0A7FBBEB47}" type="datetimeFigureOut">
               <a:rPr kumimoji="1" lang="zh-TW" altLang="en-US" smtClean="0"/>
-              <a:t>2018/6/11</a:t>
+              <a:t>2018/6/15</a:t>
             </a:fld>
             <a:endParaRPr kumimoji="1" lang="zh-TW" altLang="en-US"/>
           </a:p>
@@ -2055,7 +2782,7 @@
           <a:p>
             <a:fld id="{A120C8FA-7581-0E47-B04A-0C0A7FBBEB47}" type="datetimeFigureOut">
               <a:rPr kumimoji="1" lang="zh-TW" altLang="en-US" smtClean="0"/>
-              <a:t>2018/6/11</a:t>
+              <a:t>2018/6/15</a:t>
             </a:fld>
             <a:endParaRPr kumimoji="1" lang="zh-TW" altLang="en-US"/>
           </a:p>
@@ -2172,7 +2899,7 @@
           <a:p>
             <a:fld id="{A120C8FA-7581-0E47-B04A-0C0A7FBBEB47}" type="datetimeFigureOut">
               <a:rPr kumimoji="1" lang="zh-TW" altLang="en-US" smtClean="0"/>
-              <a:t>2018/6/11</a:t>
+              <a:t>2018/6/15</a:t>
             </a:fld>
             <a:endParaRPr kumimoji="1" lang="zh-TW" altLang="en-US"/>
           </a:p>
@@ -2267,7 +2994,7 @@
           <a:p>
             <a:fld id="{A120C8FA-7581-0E47-B04A-0C0A7FBBEB47}" type="datetimeFigureOut">
               <a:rPr kumimoji="1" lang="zh-TW" altLang="en-US" smtClean="0"/>
-              <a:t>2018/6/11</a:t>
+              <a:t>2018/6/15</a:t>
             </a:fld>
             <a:endParaRPr kumimoji="1" lang="zh-TW" altLang="en-US"/>
           </a:p>
@@ -2542,7 +3269,7 @@
           <a:p>
             <a:fld id="{A120C8FA-7581-0E47-B04A-0C0A7FBBEB47}" type="datetimeFigureOut">
               <a:rPr kumimoji="1" lang="zh-TW" altLang="en-US" smtClean="0"/>
-              <a:t>2018/6/11</a:t>
+              <a:t>2018/6/15</a:t>
             </a:fld>
             <a:endParaRPr kumimoji="1" lang="zh-TW" altLang="en-US"/>
           </a:p>
@@ -2794,7 +3521,7 @@
           <a:p>
             <a:fld id="{A120C8FA-7581-0E47-B04A-0C0A7FBBEB47}" type="datetimeFigureOut">
               <a:rPr kumimoji="1" lang="zh-TW" altLang="en-US" smtClean="0"/>
-              <a:t>2018/6/11</a:t>
+              <a:t>2018/6/15</a:t>
             </a:fld>
             <a:endParaRPr kumimoji="1" lang="zh-TW" altLang="en-US"/>
           </a:p>
@@ -3005,7 +3732,7 @@
           <a:p>
             <a:fld id="{A120C8FA-7581-0E47-B04A-0C0A7FBBEB47}" type="datetimeFigureOut">
               <a:rPr kumimoji="1" lang="zh-TW" altLang="en-US" smtClean="0"/>
-              <a:t>2018/6/11</a:t>
+              <a:t>2018/6/15</a:t>
             </a:fld>
             <a:endParaRPr kumimoji="1" lang="zh-TW" altLang="en-US"/>
           </a:p>
@@ -9265,7 +9992,7 @@
         <p:spPr>
           <a:xfrm>
             <a:off x="3236610" y="1188960"/>
-            <a:ext cx="6855035" cy="642716"/>
+            <a:ext cx="8054242" cy="642716"/>
           </a:xfrm>
           <a:prstGeom prst="rect">
             <a:avLst/>
@@ -9759,7 +10486,7 @@
         <p:spPr>
           <a:xfrm>
             <a:off x="3305339" y="5122979"/>
-            <a:ext cx="6855035" cy="642716"/>
+            <a:ext cx="7985513" cy="642716"/>
           </a:xfrm>
           <a:prstGeom prst="rect">
             <a:avLst/>
@@ -9951,7 +10678,7 @@
         <p:spPr>
           <a:xfrm>
             <a:off x="3254539" y="2752234"/>
-            <a:ext cx="6855035" cy="642716"/>
+            <a:ext cx="8036313" cy="642716"/>
           </a:xfrm>
           <a:prstGeom prst="rect">
             <a:avLst/>
@@ -10163,7 +10890,7 @@
         <p:spPr>
           <a:xfrm>
             <a:off x="3279939" y="3539634"/>
-            <a:ext cx="6855035" cy="642716"/>
+            <a:ext cx="8010913" cy="642716"/>
           </a:xfrm>
           <a:prstGeom prst="rect">
             <a:avLst/>
@@ -10240,7 +10967,18 @@
                   <a:schemeClr val="bg1"/>
                 </a:solidFill>
               </a:rPr>
-              <a:t>CHILD BIRSDAY _TXT BOX</a:t>
+              <a:t>CHILD BIRTH_DATE </a:t>
+            </a:r>
+            <a:r>
+              <a:rPr kumimoji="1" lang="en-US" altLang="zh-TW" sz="2400" dirty="0">
+                <a:solidFill>
+                  <a:schemeClr val="accent6">
+                    <a:lumMod val="60000"/>
+                    <a:lumOff val="40000"/>
+                  </a:schemeClr>
+                </a:solidFill>
+              </a:rPr>
+              <a:t>(Calendar) </a:t>
             </a:r>
             <a:endParaRPr kumimoji="1" lang="zh-TW" altLang="en-US" sz="2400" dirty="0">
               <a:solidFill>
@@ -10355,7 +11093,7 @@
         <p:spPr>
           <a:xfrm>
             <a:off x="3305339" y="4327034"/>
-            <a:ext cx="6855035" cy="642716"/>
+            <a:ext cx="7985513" cy="642716"/>
           </a:xfrm>
           <a:prstGeom prst="rect">
             <a:avLst/>
@@ -10555,7 +11293,7 @@
         <p:spPr>
           <a:xfrm>
             <a:off x="3254539" y="1954339"/>
-            <a:ext cx="6855035" cy="642716"/>
+            <a:ext cx="8036313" cy="642716"/>
           </a:xfrm>
           <a:prstGeom prst="rect">
             <a:avLst/>
@@ -10818,6 +11556,5977 @@
     <p:extLst>
       <p:ext uri="{BB962C8B-B14F-4D97-AF65-F5344CB8AC3E}">
         <p14:creationId xmlns:p14="http://schemas.microsoft.com/office/powerpoint/2010/main" val="456251582"/>
+      </p:ext>
+    </p:extLst>
+  </p:cSld>
+  <p:clrMapOvr>
+    <a:masterClrMapping/>
+  </p:clrMapOvr>
+</p:sld>
+</file>
+
+<file path=ppt/slides/slide4.xml><?xml version="1.0" encoding="utf-8"?>
+<p:sld xmlns:a="http://schemas.openxmlformats.org/drawingml/2006/main" xmlns:r="http://schemas.openxmlformats.org/officeDocument/2006/relationships" xmlns:p="http://schemas.openxmlformats.org/presentationml/2006/main">
+  <p:cSld>
+    <p:spTree>
+      <p:nvGrpSpPr>
+        <p:cNvPr id="1" name=""/>
+        <p:cNvGrpSpPr/>
+        <p:nvPr/>
+      </p:nvGrpSpPr>
+      <p:grpSpPr>
+        <a:xfrm>
+          <a:off x="0" y="0"/>
+          <a:ext cx="0" cy="0"/>
+          <a:chOff x="0" y="0"/>
+          <a:chExt cx="0" cy="0"/>
+        </a:xfrm>
+      </p:grpSpPr>
+      <p:sp>
+        <p:nvSpPr>
+          <p:cNvPr id="4" name="矩形 3"/>
+          <p:cNvSpPr/>
+          <p:nvPr/>
+        </p:nvSpPr>
+        <p:spPr>
+          <a:xfrm>
+            <a:off x="612721" y="666121"/>
+            <a:ext cx="1847051" cy="319990"/>
+          </a:xfrm>
+          <a:prstGeom prst="rect">
+            <a:avLst/>
+          </a:prstGeom>
+          <a:solidFill>
+            <a:schemeClr val="bg2">
+              <a:lumMod val="75000"/>
+            </a:schemeClr>
+          </a:solidFill>
+          <a:ln>
+            <a:solidFill>
+              <a:schemeClr val="bg1">
+                <a:lumMod val="75000"/>
+              </a:schemeClr>
+            </a:solidFill>
+          </a:ln>
+        </p:spPr>
+        <p:style>
+          <a:lnRef idx="2">
+            <a:schemeClr val="accent1">
+              <a:shade val="50000"/>
+            </a:schemeClr>
+          </a:lnRef>
+          <a:fillRef idx="1">
+            <a:schemeClr val="accent1"/>
+          </a:fillRef>
+          <a:effectRef idx="0">
+            <a:schemeClr val="accent1"/>
+          </a:effectRef>
+          <a:fontRef idx="minor">
+            <a:schemeClr val="lt1"/>
+          </a:fontRef>
+        </p:style>
+        <p:txBody>
+          <a:bodyPr rtlCol="0" anchor="ctr"/>
+          <a:lstStyle/>
+          <a:p>
+            <a:pPr algn="ctr"/>
+            <a:endParaRPr kumimoji="1" lang="zh-TW" altLang="en-US">
+              <a:solidFill>
+                <a:schemeClr val="bg2">
+                  <a:lumMod val="75000"/>
+                </a:schemeClr>
+              </a:solidFill>
+            </a:endParaRPr>
+          </a:p>
+        </p:txBody>
+      </p:sp>
+      <p:sp>
+        <p:nvSpPr>
+          <p:cNvPr id="5" name="矩形 4"/>
+          <p:cNvSpPr/>
+          <p:nvPr/>
+        </p:nvSpPr>
+        <p:spPr>
+          <a:xfrm>
+            <a:off x="627529" y="111538"/>
+            <a:ext cx="2291000" cy="369332"/>
+          </a:xfrm>
+          <a:prstGeom prst="rect">
+            <a:avLst/>
+          </a:prstGeom>
+          <a:solidFill>
+            <a:schemeClr val="tx1">
+              <a:lumMod val="50000"/>
+              <a:lumOff val="50000"/>
+            </a:schemeClr>
+          </a:solidFill>
+          <a:ln>
+            <a:solidFill>
+              <a:schemeClr val="bg2">
+                <a:lumMod val="50000"/>
+              </a:schemeClr>
+            </a:solidFill>
+          </a:ln>
+        </p:spPr>
+        <p:style>
+          <a:lnRef idx="2">
+            <a:schemeClr val="accent1">
+              <a:shade val="50000"/>
+            </a:schemeClr>
+          </a:lnRef>
+          <a:fillRef idx="1">
+            <a:schemeClr val="accent1"/>
+          </a:fillRef>
+          <a:effectRef idx="0">
+            <a:schemeClr val="accent1"/>
+          </a:effectRef>
+          <a:fontRef idx="minor">
+            <a:schemeClr val="lt1"/>
+          </a:fontRef>
+        </p:style>
+        <p:txBody>
+          <a:bodyPr rtlCol="0" anchor="ctr"/>
+          <a:lstStyle/>
+          <a:p>
+            <a:pPr algn="ctr"/>
+            <a:endParaRPr kumimoji="1" lang="zh-TW" altLang="en-US"/>
+          </a:p>
+        </p:txBody>
+      </p:sp>
+      <p:sp>
+        <p:nvSpPr>
+          <p:cNvPr id="6" name="文字方塊 5"/>
+          <p:cNvSpPr txBox="1"/>
+          <p:nvPr/>
+        </p:nvSpPr>
+        <p:spPr>
+          <a:xfrm>
+            <a:off x="1025150" y="111825"/>
+            <a:ext cx="2434138" cy="369332"/>
+          </a:xfrm>
+          <a:prstGeom prst="rect">
+            <a:avLst/>
+          </a:prstGeom>
+          <a:noFill/>
+        </p:spPr>
+        <p:txBody>
+          <a:bodyPr wrap="square" rtlCol="0">
+            <a:spAutoFit/>
+          </a:bodyPr>
+          <a:lstStyle/>
+          <a:p>
+            <a:r>
+              <a:rPr kumimoji="1" lang="en-US" altLang="zh-TW" dirty="0">
+                <a:solidFill>
+                  <a:schemeClr val="bg1"/>
+                </a:solidFill>
+              </a:rPr>
+              <a:t>LOGO</a:t>
+            </a:r>
+            <a:endParaRPr kumimoji="1" lang="zh-TW" altLang="en-US" dirty="0">
+              <a:solidFill>
+                <a:schemeClr val="bg1"/>
+              </a:solidFill>
+            </a:endParaRPr>
+          </a:p>
+        </p:txBody>
+      </p:sp>
+      <p:sp>
+        <p:nvSpPr>
+          <p:cNvPr id="7" name="矩形 6"/>
+          <p:cNvSpPr/>
+          <p:nvPr/>
+        </p:nvSpPr>
+        <p:spPr>
+          <a:xfrm>
+            <a:off x="9156238" y="70696"/>
+            <a:ext cx="2623152" cy="428103"/>
+          </a:xfrm>
+          <a:prstGeom prst="rect">
+            <a:avLst/>
+          </a:prstGeom>
+          <a:solidFill>
+            <a:schemeClr val="bg2">
+              <a:lumMod val="50000"/>
+            </a:schemeClr>
+          </a:solidFill>
+          <a:ln w="76200">
+            <a:solidFill>
+              <a:srgbClr val="FF0000"/>
+            </a:solidFill>
+          </a:ln>
+        </p:spPr>
+        <p:style>
+          <a:lnRef idx="2">
+            <a:schemeClr val="accent1">
+              <a:shade val="50000"/>
+            </a:schemeClr>
+          </a:lnRef>
+          <a:fillRef idx="1">
+            <a:schemeClr val="accent1"/>
+          </a:fillRef>
+          <a:effectRef idx="0">
+            <a:schemeClr val="accent1"/>
+          </a:effectRef>
+          <a:fontRef idx="minor">
+            <a:schemeClr val="lt1"/>
+          </a:fontRef>
+        </p:style>
+        <p:txBody>
+          <a:bodyPr rtlCol="0" anchor="ctr"/>
+          <a:lstStyle/>
+          <a:p>
+            <a:pPr algn="ctr"/>
+            <a:endParaRPr kumimoji="1" lang="zh-TW" altLang="en-US"/>
+          </a:p>
+        </p:txBody>
+      </p:sp>
+      <p:sp>
+        <p:nvSpPr>
+          <p:cNvPr id="8" name="文字方塊 7"/>
+          <p:cNvSpPr txBox="1"/>
+          <p:nvPr/>
+        </p:nvSpPr>
+        <p:spPr>
+          <a:xfrm>
+            <a:off x="10077778" y="88625"/>
+            <a:ext cx="782330" cy="369332"/>
+          </a:xfrm>
+          <a:prstGeom prst="rect">
+            <a:avLst/>
+          </a:prstGeom>
+          <a:noFill/>
+        </p:spPr>
+        <p:txBody>
+          <a:bodyPr wrap="none" rtlCol="0">
+            <a:spAutoFit/>
+          </a:bodyPr>
+          <a:lstStyle/>
+          <a:p>
+            <a:r>
+              <a:rPr kumimoji="1" lang="en-US" altLang="zh-TW" dirty="0">
+                <a:solidFill>
+                  <a:schemeClr val="bg1"/>
+                </a:solidFill>
+              </a:rPr>
+              <a:t>LOGIN</a:t>
+            </a:r>
+            <a:endParaRPr kumimoji="1" lang="zh-TW" altLang="en-US" dirty="0">
+              <a:solidFill>
+                <a:schemeClr val="bg1"/>
+              </a:solidFill>
+            </a:endParaRPr>
+          </a:p>
+        </p:txBody>
+      </p:sp>
+      <p:sp>
+        <p:nvSpPr>
+          <p:cNvPr id="9" name="文字方塊 8"/>
+          <p:cNvSpPr txBox="1"/>
+          <p:nvPr/>
+        </p:nvSpPr>
+        <p:spPr>
+          <a:xfrm>
+            <a:off x="772265" y="643209"/>
+            <a:ext cx="1469954" cy="369332"/>
+          </a:xfrm>
+          <a:prstGeom prst="rect">
+            <a:avLst/>
+          </a:prstGeom>
+          <a:noFill/>
+        </p:spPr>
+        <p:txBody>
+          <a:bodyPr wrap="none" rtlCol="0">
+            <a:spAutoFit/>
+          </a:bodyPr>
+          <a:lstStyle/>
+          <a:p>
+            <a:r>
+              <a:rPr kumimoji="1" lang="en-US" altLang="zh-TW" dirty="0">
+                <a:solidFill>
+                  <a:schemeClr val="bg1"/>
+                </a:solidFill>
+              </a:rPr>
+              <a:t>Navigation #1</a:t>
+            </a:r>
+            <a:endParaRPr kumimoji="1" lang="zh-TW" altLang="en-US" dirty="0">
+              <a:solidFill>
+                <a:schemeClr val="bg1"/>
+              </a:solidFill>
+            </a:endParaRPr>
+          </a:p>
+        </p:txBody>
+      </p:sp>
+      <p:sp>
+        <p:nvSpPr>
+          <p:cNvPr id="10" name="矩形 9"/>
+          <p:cNvSpPr/>
+          <p:nvPr/>
+        </p:nvSpPr>
+        <p:spPr>
+          <a:xfrm>
+            <a:off x="2904040" y="666110"/>
+            <a:ext cx="1847051" cy="319990"/>
+          </a:xfrm>
+          <a:prstGeom prst="rect">
+            <a:avLst/>
+          </a:prstGeom>
+          <a:solidFill>
+            <a:schemeClr val="bg2">
+              <a:lumMod val="75000"/>
+            </a:schemeClr>
+          </a:solidFill>
+          <a:ln>
+            <a:solidFill>
+              <a:schemeClr val="bg1">
+                <a:lumMod val="75000"/>
+              </a:schemeClr>
+            </a:solidFill>
+          </a:ln>
+        </p:spPr>
+        <p:style>
+          <a:lnRef idx="2">
+            <a:schemeClr val="accent1">
+              <a:shade val="50000"/>
+            </a:schemeClr>
+          </a:lnRef>
+          <a:fillRef idx="1">
+            <a:schemeClr val="accent1"/>
+          </a:fillRef>
+          <a:effectRef idx="0">
+            <a:schemeClr val="accent1"/>
+          </a:effectRef>
+          <a:fontRef idx="minor">
+            <a:schemeClr val="lt1"/>
+          </a:fontRef>
+        </p:style>
+        <p:txBody>
+          <a:bodyPr rtlCol="0" anchor="ctr"/>
+          <a:lstStyle/>
+          <a:p>
+            <a:pPr algn="ctr"/>
+            <a:endParaRPr kumimoji="1" lang="zh-TW" altLang="en-US">
+              <a:solidFill>
+                <a:schemeClr val="bg2">
+                  <a:lumMod val="75000"/>
+                </a:schemeClr>
+              </a:solidFill>
+            </a:endParaRPr>
+          </a:p>
+        </p:txBody>
+      </p:sp>
+      <p:sp>
+        <p:nvSpPr>
+          <p:cNvPr id="11" name="文字方塊 10"/>
+          <p:cNvSpPr txBox="1"/>
+          <p:nvPr/>
+        </p:nvSpPr>
+        <p:spPr>
+          <a:xfrm>
+            <a:off x="3063584" y="643198"/>
+            <a:ext cx="1469954" cy="369332"/>
+          </a:xfrm>
+          <a:prstGeom prst="rect">
+            <a:avLst/>
+          </a:prstGeom>
+          <a:noFill/>
+        </p:spPr>
+        <p:txBody>
+          <a:bodyPr wrap="none" rtlCol="0">
+            <a:spAutoFit/>
+          </a:bodyPr>
+          <a:lstStyle/>
+          <a:p>
+            <a:r>
+              <a:rPr kumimoji="1" lang="en-US" altLang="zh-TW" dirty="0">
+                <a:solidFill>
+                  <a:schemeClr val="bg1"/>
+                </a:solidFill>
+              </a:rPr>
+              <a:t>Navigation #2</a:t>
+            </a:r>
+            <a:endParaRPr kumimoji="1" lang="zh-TW" altLang="en-US" dirty="0">
+              <a:solidFill>
+                <a:schemeClr val="bg1"/>
+              </a:solidFill>
+            </a:endParaRPr>
+          </a:p>
+        </p:txBody>
+      </p:sp>
+      <p:sp>
+        <p:nvSpPr>
+          <p:cNvPr id="12" name="矩形 11"/>
+          <p:cNvSpPr/>
+          <p:nvPr/>
+        </p:nvSpPr>
+        <p:spPr>
+          <a:xfrm>
+            <a:off x="5192758" y="657587"/>
+            <a:ext cx="1847051" cy="319990"/>
+          </a:xfrm>
+          <a:prstGeom prst="rect">
+            <a:avLst/>
+          </a:prstGeom>
+          <a:solidFill>
+            <a:schemeClr val="bg2">
+              <a:lumMod val="75000"/>
+            </a:schemeClr>
+          </a:solidFill>
+          <a:ln>
+            <a:solidFill>
+              <a:schemeClr val="bg1">
+                <a:lumMod val="75000"/>
+              </a:schemeClr>
+            </a:solidFill>
+          </a:ln>
+        </p:spPr>
+        <p:style>
+          <a:lnRef idx="2">
+            <a:schemeClr val="accent1">
+              <a:shade val="50000"/>
+            </a:schemeClr>
+          </a:lnRef>
+          <a:fillRef idx="1">
+            <a:schemeClr val="accent1"/>
+          </a:fillRef>
+          <a:effectRef idx="0">
+            <a:schemeClr val="accent1"/>
+          </a:effectRef>
+          <a:fontRef idx="minor">
+            <a:schemeClr val="lt1"/>
+          </a:fontRef>
+        </p:style>
+        <p:txBody>
+          <a:bodyPr rtlCol="0" anchor="ctr"/>
+          <a:lstStyle/>
+          <a:p>
+            <a:pPr algn="ctr"/>
+            <a:endParaRPr kumimoji="1" lang="zh-TW" altLang="en-US">
+              <a:solidFill>
+                <a:schemeClr val="bg2">
+                  <a:lumMod val="75000"/>
+                </a:schemeClr>
+              </a:solidFill>
+            </a:endParaRPr>
+          </a:p>
+        </p:txBody>
+      </p:sp>
+      <p:sp>
+        <p:nvSpPr>
+          <p:cNvPr id="13" name="文字方塊 12"/>
+          <p:cNvSpPr txBox="1"/>
+          <p:nvPr/>
+        </p:nvSpPr>
+        <p:spPr>
+          <a:xfrm>
+            <a:off x="5352302" y="634675"/>
+            <a:ext cx="1469954" cy="369332"/>
+          </a:xfrm>
+          <a:prstGeom prst="rect">
+            <a:avLst/>
+          </a:prstGeom>
+          <a:noFill/>
+        </p:spPr>
+        <p:txBody>
+          <a:bodyPr wrap="none" rtlCol="0">
+            <a:spAutoFit/>
+          </a:bodyPr>
+          <a:lstStyle/>
+          <a:p>
+            <a:r>
+              <a:rPr kumimoji="1" lang="en-US" altLang="zh-TW" dirty="0">
+                <a:solidFill>
+                  <a:schemeClr val="bg1"/>
+                </a:solidFill>
+              </a:rPr>
+              <a:t>Navigation #3</a:t>
+            </a:r>
+            <a:endParaRPr kumimoji="1" lang="zh-TW" altLang="en-US" dirty="0">
+              <a:solidFill>
+                <a:schemeClr val="bg1"/>
+              </a:solidFill>
+            </a:endParaRPr>
+          </a:p>
+        </p:txBody>
+      </p:sp>
+      <p:sp>
+        <p:nvSpPr>
+          <p:cNvPr id="14" name="矩形 13"/>
+          <p:cNvSpPr/>
+          <p:nvPr/>
+        </p:nvSpPr>
+        <p:spPr>
+          <a:xfrm>
+            <a:off x="7699029" y="657587"/>
+            <a:ext cx="1847051" cy="319990"/>
+          </a:xfrm>
+          <a:prstGeom prst="rect">
+            <a:avLst/>
+          </a:prstGeom>
+          <a:solidFill>
+            <a:schemeClr val="bg2">
+              <a:lumMod val="75000"/>
+            </a:schemeClr>
+          </a:solidFill>
+          <a:ln>
+            <a:solidFill>
+              <a:schemeClr val="bg1">
+                <a:lumMod val="75000"/>
+              </a:schemeClr>
+            </a:solidFill>
+          </a:ln>
+        </p:spPr>
+        <p:style>
+          <a:lnRef idx="2">
+            <a:schemeClr val="accent1">
+              <a:shade val="50000"/>
+            </a:schemeClr>
+          </a:lnRef>
+          <a:fillRef idx="1">
+            <a:schemeClr val="accent1"/>
+          </a:fillRef>
+          <a:effectRef idx="0">
+            <a:schemeClr val="accent1"/>
+          </a:effectRef>
+          <a:fontRef idx="minor">
+            <a:schemeClr val="lt1"/>
+          </a:fontRef>
+        </p:style>
+        <p:txBody>
+          <a:bodyPr rtlCol="0" anchor="ctr"/>
+          <a:lstStyle/>
+          <a:p>
+            <a:pPr algn="ctr"/>
+            <a:endParaRPr kumimoji="1" lang="zh-TW" altLang="en-US" b="1">
+              <a:solidFill>
+                <a:schemeClr val="bg2">
+                  <a:lumMod val="75000"/>
+                </a:schemeClr>
+              </a:solidFill>
+            </a:endParaRPr>
+          </a:p>
+        </p:txBody>
+      </p:sp>
+      <p:sp>
+        <p:nvSpPr>
+          <p:cNvPr id="15" name="文字方塊 14"/>
+          <p:cNvSpPr txBox="1"/>
+          <p:nvPr/>
+        </p:nvSpPr>
+        <p:spPr>
+          <a:xfrm>
+            <a:off x="7858573" y="634675"/>
+            <a:ext cx="1497974" cy="369332"/>
+          </a:xfrm>
+          <a:prstGeom prst="rect">
+            <a:avLst/>
+          </a:prstGeom>
+          <a:noFill/>
+        </p:spPr>
+        <p:txBody>
+          <a:bodyPr wrap="none" rtlCol="0">
+            <a:spAutoFit/>
+          </a:bodyPr>
+          <a:lstStyle/>
+          <a:p>
+            <a:r>
+              <a:rPr kumimoji="1" lang="en-US" altLang="zh-TW" b="1" dirty="0">
+                <a:solidFill>
+                  <a:schemeClr val="bg1"/>
+                </a:solidFill>
+              </a:rPr>
+              <a:t>Navigation #4</a:t>
+            </a:r>
+            <a:endParaRPr kumimoji="1" lang="zh-TW" altLang="en-US" b="1" dirty="0">
+              <a:solidFill>
+                <a:schemeClr val="bg1"/>
+              </a:solidFill>
+            </a:endParaRPr>
+          </a:p>
+        </p:txBody>
+      </p:sp>
+      <p:sp>
+        <p:nvSpPr>
+          <p:cNvPr id="16" name="矩形 15"/>
+          <p:cNvSpPr/>
+          <p:nvPr/>
+        </p:nvSpPr>
+        <p:spPr>
+          <a:xfrm>
+            <a:off x="9932339" y="643198"/>
+            <a:ext cx="1847051" cy="319990"/>
+          </a:xfrm>
+          <a:prstGeom prst="rect">
+            <a:avLst/>
+          </a:prstGeom>
+          <a:solidFill>
+            <a:schemeClr val="bg2">
+              <a:lumMod val="75000"/>
+            </a:schemeClr>
+          </a:solidFill>
+          <a:ln>
+            <a:solidFill>
+              <a:schemeClr val="bg1">
+                <a:lumMod val="75000"/>
+              </a:schemeClr>
+            </a:solidFill>
+          </a:ln>
+        </p:spPr>
+        <p:style>
+          <a:lnRef idx="2">
+            <a:schemeClr val="accent1">
+              <a:shade val="50000"/>
+            </a:schemeClr>
+          </a:lnRef>
+          <a:fillRef idx="1">
+            <a:schemeClr val="accent1"/>
+          </a:fillRef>
+          <a:effectRef idx="0">
+            <a:schemeClr val="accent1"/>
+          </a:effectRef>
+          <a:fontRef idx="minor">
+            <a:schemeClr val="lt1"/>
+          </a:fontRef>
+        </p:style>
+        <p:txBody>
+          <a:bodyPr rtlCol="0" anchor="ctr"/>
+          <a:lstStyle/>
+          <a:p>
+            <a:pPr algn="ctr"/>
+            <a:endParaRPr kumimoji="1" lang="zh-TW" altLang="en-US" b="1">
+              <a:solidFill>
+                <a:schemeClr val="bg2">
+                  <a:lumMod val="75000"/>
+                </a:schemeClr>
+              </a:solidFill>
+            </a:endParaRPr>
+          </a:p>
+        </p:txBody>
+      </p:sp>
+      <p:sp>
+        <p:nvSpPr>
+          <p:cNvPr id="17" name="文字方塊 16"/>
+          <p:cNvSpPr txBox="1"/>
+          <p:nvPr/>
+        </p:nvSpPr>
+        <p:spPr>
+          <a:xfrm>
+            <a:off x="10091883" y="620286"/>
+            <a:ext cx="1497974" cy="369332"/>
+          </a:xfrm>
+          <a:prstGeom prst="rect">
+            <a:avLst/>
+          </a:prstGeom>
+          <a:noFill/>
+        </p:spPr>
+        <p:txBody>
+          <a:bodyPr wrap="none" rtlCol="0">
+            <a:spAutoFit/>
+          </a:bodyPr>
+          <a:lstStyle/>
+          <a:p>
+            <a:r>
+              <a:rPr kumimoji="1" lang="en-US" altLang="zh-TW" b="1" dirty="0">
+                <a:solidFill>
+                  <a:schemeClr val="bg1"/>
+                </a:solidFill>
+              </a:rPr>
+              <a:t>Navigation #5</a:t>
+            </a:r>
+            <a:endParaRPr kumimoji="1" lang="zh-TW" altLang="en-US" b="1" dirty="0">
+              <a:solidFill>
+                <a:schemeClr val="bg1"/>
+              </a:solidFill>
+            </a:endParaRPr>
+          </a:p>
+        </p:txBody>
+      </p:sp>
+      <p:sp>
+        <p:nvSpPr>
+          <p:cNvPr id="74" name="矩形 73"/>
+          <p:cNvSpPr/>
+          <p:nvPr/>
+        </p:nvSpPr>
+        <p:spPr>
+          <a:xfrm>
+            <a:off x="612721" y="6610380"/>
+            <a:ext cx="4123750" cy="195712"/>
+          </a:xfrm>
+          <a:prstGeom prst="rect">
+            <a:avLst/>
+          </a:prstGeom>
+          <a:solidFill>
+            <a:schemeClr val="bg2">
+              <a:lumMod val="75000"/>
+            </a:schemeClr>
+          </a:solidFill>
+          <a:ln>
+            <a:solidFill>
+              <a:schemeClr val="bg1">
+                <a:lumMod val="75000"/>
+              </a:schemeClr>
+            </a:solidFill>
+          </a:ln>
+        </p:spPr>
+        <p:style>
+          <a:lnRef idx="2">
+            <a:schemeClr val="accent1">
+              <a:shade val="50000"/>
+            </a:schemeClr>
+          </a:lnRef>
+          <a:fillRef idx="1">
+            <a:schemeClr val="accent1"/>
+          </a:fillRef>
+          <a:effectRef idx="0">
+            <a:schemeClr val="accent1"/>
+          </a:effectRef>
+          <a:fontRef idx="minor">
+            <a:schemeClr val="lt1"/>
+          </a:fontRef>
+        </p:style>
+        <p:txBody>
+          <a:bodyPr rtlCol="0" anchor="ctr"/>
+          <a:lstStyle/>
+          <a:p>
+            <a:pPr algn="ctr"/>
+            <a:endParaRPr kumimoji="1" lang="zh-TW" altLang="en-US">
+              <a:solidFill>
+                <a:schemeClr val="bg2">
+                  <a:lumMod val="75000"/>
+                </a:schemeClr>
+              </a:solidFill>
+            </a:endParaRPr>
+          </a:p>
+        </p:txBody>
+      </p:sp>
+      <p:sp>
+        <p:nvSpPr>
+          <p:cNvPr id="75" name="矩形 74"/>
+          <p:cNvSpPr/>
+          <p:nvPr/>
+        </p:nvSpPr>
+        <p:spPr>
+          <a:xfrm>
+            <a:off x="5032488" y="6616630"/>
+            <a:ext cx="319814" cy="189462"/>
+          </a:xfrm>
+          <a:prstGeom prst="rect">
+            <a:avLst/>
+          </a:prstGeom>
+          <a:solidFill>
+            <a:schemeClr val="bg2">
+              <a:lumMod val="75000"/>
+            </a:schemeClr>
+          </a:solidFill>
+          <a:ln>
+            <a:solidFill>
+              <a:schemeClr val="bg1">
+                <a:lumMod val="75000"/>
+              </a:schemeClr>
+            </a:solidFill>
+          </a:ln>
+        </p:spPr>
+        <p:style>
+          <a:lnRef idx="2">
+            <a:schemeClr val="accent1">
+              <a:shade val="50000"/>
+            </a:schemeClr>
+          </a:lnRef>
+          <a:fillRef idx="1">
+            <a:schemeClr val="accent1"/>
+          </a:fillRef>
+          <a:effectRef idx="0">
+            <a:schemeClr val="accent1"/>
+          </a:effectRef>
+          <a:fontRef idx="minor">
+            <a:schemeClr val="lt1"/>
+          </a:fontRef>
+        </p:style>
+        <p:txBody>
+          <a:bodyPr rtlCol="0" anchor="ctr"/>
+          <a:lstStyle/>
+          <a:p>
+            <a:pPr algn="ctr"/>
+            <a:endParaRPr kumimoji="1" lang="zh-TW" altLang="en-US">
+              <a:solidFill>
+                <a:schemeClr val="bg2">
+                  <a:lumMod val="75000"/>
+                </a:schemeClr>
+              </a:solidFill>
+            </a:endParaRPr>
+          </a:p>
+        </p:txBody>
+      </p:sp>
+      <p:sp>
+        <p:nvSpPr>
+          <p:cNvPr id="76" name="矩形 75"/>
+          <p:cNvSpPr/>
+          <p:nvPr/>
+        </p:nvSpPr>
+        <p:spPr>
+          <a:xfrm>
+            <a:off x="5488412" y="6611192"/>
+            <a:ext cx="319814" cy="189462"/>
+          </a:xfrm>
+          <a:prstGeom prst="rect">
+            <a:avLst/>
+          </a:prstGeom>
+          <a:solidFill>
+            <a:schemeClr val="bg2">
+              <a:lumMod val="75000"/>
+            </a:schemeClr>
+          </a:solidFill>
+          <a:ln>
+            <a:solidFill>
+              <a:schemeClr val="bg1">
+                <a:lumMod val="75000"/>
+              </a:schemeClr>
+            </a:solidFill>
+          </a:ln>
+        </p:spPr>
+        <p:style>
+          <a:lnRef idx="2">
+            <a:schemeClr val="accent1">
+              <a:shade val="50000"/>
+            </a:schemeClr>
+          </a:lnRef>
+          <a:fillRef idx="1">
+            <a:schemeClr val="accent1"/>
+          </a:fillRef>
+          <a:effectRef idx="0">
+            <a:schemeClr val="accent1"/>
+          </a:effectRef>
+          <a:fontRef idx="minor">
+            <a:schemeClr val="lt1"/>
+          </a:fontRef>
+        </p:style>
+        <p:txBody>
+          <a:bodyPr rtlCol="0" anchor="ctr"/>
+          <a:lstStyle/>
+          <a:p>
+            <a:pPr algn="ctr"/>
+            <a:endParaRPr kumimoji="1" lang="zh-TW" altLang="en-US">
+              <a:solidFill>
+                <a:schemeClr val="bg2">
+                  <a:lumMod val="75000"/>
+                </a:schemeClr>
+              </a:solidFill>
+            </a:endParaRPr>
+          </a:p>
+        </p:txBody>
+      </p:sp>
+      <p:sp>
+        <p:nvSpPr>
+          <p:cNvPr id="77" name="矩形 76"/>
+          <p:cNvSpPr/>
+          <p:nvPr/>
+        </p:nvSpPr>
+        <p:spPr>
+          <a:xfrm>
+            <a:off x="5956376" y="6598701"/>
+            <a:ext cx="319814" cy="189462"/>
+          </a:xfrm>
+          <a:prstGeom prst="rect">
+            <a:avLst/>
+          </a:prstGeom>
+          <a:solidFill>
+            <a:schemeClr val="bg2">
+              <a:lumMod val="75000"/>
+            </a:schemeClr>
+          </a:solidFill>
+          <a:ln>
+            <a:solidFill>
+              <a:schemeClr val="bg1">
+                <a:lumMod val="75000"/>
+              </a:schemeClr>
+            </a:solidFill>
+          </a:ln>
+        </p:spPr>
+        <p:style>
+          <a:lnRef idx="2">
+            <a:schemeClr val="accent1">
+              <a:shade val="50000"/>
+            </a:schemeClr>
+          </a:lnRef>
+          <a:fillRef idx="1">
+            <a:schemeClr val="accent1"/>
+          </a:fillRef>
+          <a:effectRef idx="0">
+            <a:schemeClr val="accent1"/>
+          </a:effectRef>
+          <a:fontRef idx="minor">
+            <a:schemeClr val="lt1"/>
+          </a:fontRef>
+        </p:style>
+        <p:txBody>
+          <a:bodyPr rtlCol="0" anchor="ctr"/>
+          <a:lstStyle/>
+          <a:p>
+            <a:pPr algn="ctr"/>
+            <a:endParaRPr kumimoji="1" lang="zh-TW" altLang="en-US">
+              <a:solidFill>
+                <a:schemeClr val="bg2">
+                  <a:lumMod val="75000"/>
+                </a:schemeClr>
+              </a:solidFill>
+            </a:endParaRPr>
+          </a:p>
+        </p:txBody>
+      </p:sp>
+      <p:sp>
+        <p:nvSpPr>
+          <p:cNvPr id="53" name="矩形 52"/>
+          <p:cNvSpPr/>
+          <p:nvPr/>
+        </p:nvSpPr>
+        <p:spPr>
+          <a:xfrm>
+            <a:off x="612721" y="666121"/>
+            <a:ext cx="1847051" cy="319990"/>
+          </a:xfrm>
+          <a:prstGeom prst="rect">
+            <a:avLst/>
+          </a:prstGeom>
+          <a:solidFill>
+            <a:schemeClr val="bg2">
+              <a:lumMod val="75000"/>
+            </a:schemeClr>
+          </a:solidFill>
+          <a:ln w="0">
+            <a:solidFill>
+              <a:schemeClr val="bg1">
+                <a:lumMod val="75000"/>
+              </a:schemeClr>
+            </a:solidFill>
+          </a:ln>
+        </p:spPr>
+        <p:style>
+          <a:lnRef idx="2">
+            <a:schemeClr val="accent1">
+              <a:shade val="50000"/>
+            </a:schemeClr>
+          </a:lnRef>
+          <a:fillRef idx="1">
+            <a:schemeClr val="accent1"/>
+          </a:fillRef>
+          <a:effectRef idx="0">
+            <a:schemeClr val="accent1"/>
+          </a:effectRef>
+          <a:fontRef idx="minor">
+            <a:schemeClr val="lt1"/>
+          </a:fontRef>
+        </p:style>
+        <p:txBody>
+          <a:bodyPr rtlCol="0" anchor="ctr"/>
+          <a:lstStyle/>
+          <a:p>
+            <a:pPr algn="ctr"/>
+            <a:endParaRPr kumimoji="1" lang="zh-TW" altLang="en-US">
+              <a:solidFill>
+                <a:schemeClr val="bg2">
+                  <a:lumMod val="75000"/>
+                </a:schemeClr>
+              </a:solidFill>
+            </a:endParaRPr>
+          </a:p>
+        </p:txBody>
+      </p:sp>
+      <p:sp>
+        <p:nvSpPr>
+          <p:cNvPr id="54" name="文字方塊 53"/>
+          <p:cNvSpPr txBox="1"/>
+          <p:nvPr/>
+        </p:nvSpPr>
+        <p:spPr>
+          <a:xfrm>
+            <a:off x="1137242" y="626598"/>
+            <a:ext cx="750526" cy="369332"/>
+          </a:xfrm>
+          <a:prstGeom prst="rect">
+            <a:avLst/>
+          </a:prstGeom>
+          <a:noFill/>
+        </p:spPr>
+        <p:txBody>
+          <a:bodyPr wrap="none" rtlCol="0">
+            <a:spAutoFit/>
+          </a:bodyPr>
+          <a:lstStyle/>
+          <a:p>
+            <a:r>
+              <a:rPr kumimoji="1" lang="en-US" altLang="zh-TW" dirty="0">
+                <a:solidFill>
+                  <a:schemeClr val="bg1"/>
+                </a:solidFill>
+              </a:rPr>
+              <a:t>Home</a:t>
+            </a:r>
+            <a:endParaRPr kumimoji="1" lang="zh-TW" altLang="en-US" dirty="0">
+              <a:solidFill>
+                <a:schemeClr val="bg1"/>
+              </a:solidFill>
+            </a:endParaRPr>
+          </a:p>
+        </p:txBody>
+      </p:sp>
+      <p:sp>
+        <p:nvSpPr>
+          <p:cNvPr id="55" name="矩形 54"/>
+          <p:cNvSpPr/>
+          <p:nvPr/>
+        </p:nvSpPr>
+        <p:spPr>
+          <a:xfrm>
+            <a:off x="2904040" y="666110"/>
+            <a:ext cx="1847051" cy="319990"/>
+          </a:xfrm>
+          <a:prstGeom prst="rect">
+            <a:avLst/>
+          </a:prstGeom>
+          <a:solidFill>
+            <a:schemeClr val="bg2">
+              <a:lumMod val="75000"/>
+            </a:schemeClr>
+          </a:solidFill>
+          <a:ln>
+            <a:solidFill>
+              <a:schemeClr val="bg1">
+                <a:lumMod val="75000"/>
+              </a:schemeClr>
+            </a:solidFill>
+          </a:ln>
+        </p:spPr>
+        <p:style>
+          <a:lnRef idx="2">
+            <a:schemeClr val="accent1">
+              <a:shade val="50000"/>
+            </a:schemeClr>
+          </a:lnRef>
+          <a:fillRef idx="1">
+            <a:schemeClr val="accent1"/>
+          </a:fillRef>
+          <a:effectRef idx="0">
+            <a:schemeClr val="accent1"/>
+          </a:effectRef>
+          <a:fontRef idx="minor">
+            <a:schemeClr val="lt1"/>
+          </a:fontRef>
+        </p:style>
+        <p:txBody>
+          <a:bodyPr rtlCol="0" anchor="ctr"/>
+          <a:lstStyle/>
+          <a:p>
+            <a:pPr algn="ctr"/>
+            <a:endParaRPr kumimoji="1" lang="zh-TW" altLang="en-US">
+              <a:solidFill>
+                <a:schemeClr val="bg2">
+                  <a:lumMod val="75000"/>
+                </a:schemeClr>
+              </a:solidFill>
+            </a:endParaRPr>
+          </a:p>
+        </p:txBody>
+      </p:sp>
+      <p:sp>
+        <p:nvSpPr>
+          <p:cNvPr id="56" name="文字方塊 55"/>
+          <p:cNvSpPr txBox="1"/>
+          <p:nvPr/>
+        </p:nvSpPr>
+        <p:spPr>
+          <a:xfrm>
+            <a:off x="3311802" y="643198"/>
+            <a:ext cx="1524200" cy="369332"/>
+          </a:xfrm>
+          <a:prstGeom prst="rect">
+            <a:avLst/>
+          </a:prstGeom>
+          <a:noFill/>
+        </p:spPr>
+        <p:txBody>
+          <a:bodyPr wrap="none" rtlCol="0">
+            <a:spAutoFit/>
+          </a:bodyPr>
+          <a:lstStyle/>
+          <a:p>
+            <a:r>
+              <a:rPr kumimoji="1" lang="en-US" altLang="zh-TW" dirty="0">
+                <a:solidFill>
+                  <a:schemeClr val="bg1"/>
+                </a:solidFill>
+              </a:rPr>
+              <a:t>SEARCH Det</a:t>
+            </a:r>
+            <a:r>
+              <a:rPr kumimoji="1" lang="en-US" altLang="zh-CN" dirty="0">
+                <a:solidFill>
+                  <a:schemeClr val="bg1"/>
+                </a:solidFill>
+              </a:rPr>
+              <a:t>ai</a:t>
+            </a:r>
+            <a:r>
+              <a:rPr kumimoji="1" lang="en-US" altLang="zh-TW" dirty="0">
+                <a:solidFill>
+                  <a:schemeClr val="bg1"/>
+                </a:solidFill>
+              </a:rPr>
+              <a:t>l</a:t>
+            </a:r>
+            <a:endParaRPr kumimoji="1" lang="zh-TW" altLang="en-US" dirty="0">
+              <a:solidFill>
+                <a:schemeClr val="bg1"/>
+              </a:solidFill>
+            </a:endParaRPr>
+          </a:p>
+        </p:txBody>
+      </p:sp>
+      <p:sp>
+        <p:nvSpPr>
+          <p:cNvPr id="57" name="矩形 56"/>
+          <p:cNvSpPr/>
+          <p:nvPr/>
+        </p:nvSpPr>
+        <p:spPr>
+          <a:xfrm>
+            <a:off x="5192758" y="657587"/>
+            <a:ext cx="1847051" cy="319990"/>
+          </a:xfrm>
+          <a:prstGeom prst="rect">
+            <a:avLst/>
+          </a:prstGeom>
+          <a:solidFill>
+            <a:schemeClr val="bg2">
+              <a:lumMod val="75000"/>
+            </a:schemeClr>
+          </a:solidFill>
+          <a:ln w="63500">
+            <a:noFill/>
+          </a:ln>
+        </p:spPr>
+        <p:style>
+          <a:lnRef idx="2">
+            <a:schemeClr val="accent1">
+              <a:shade val="50000"/>
+            </a:schemeClr>
+          </a:lnRef>
+          <a:fillRef idx="1">
+            <a:schemeClr val="accent1"/>
+          </a:fillRef>
+          <a:effectRef idx="0">
+            <a:schemeClr val="accent1"/>
+          </a:effectRef>
+          <a:fontRef idx="minor">
+            <a:schemeClr val="lt1"/>
+          </a:fontRef>
+        </p:style>
+        <p:txBody>
+          <a:bodyPr rtlCol="0" anchor="ctr"/>
+          <a:lstStyle/>
+          <a:p>
+            <a:pPr algn="ctr"/>
+            <a:endParaRPr kumimoji="1" lang="zh-TW" altLang="en-US">
+              <a:solidFill>
+                <a:schemeClr val="bg2">
+                  <a:lumMod val="75000"/>
+                </a:schemeClr>
+              </a:solidFill>
+            </a:endParaRPr>
+          </a:p>
+        </p:txBody>
+      </p:sp>
+      <p:sp>
+        <p:nvSpPr>
+          <p:cNvPr id="58" name="文字方塊 57"/>
+          <p:cNvSpPr txBox="1"/>
+          <p:nvPr/>
+        </p:nvSpPr>
+        <p:spPr>
+          <a:xfrm>
+            <a:off x="5556741" y="635955"/>
+            <a:ext cx="1076449" cy="369332"/>
+          </a:xfrm>
+          <a:prstGeom prst="rect">
+            <a:avLst/>
+          </a:prstGeom>
+          <a:noFill/>
+        </p:spPr>
+        <p:txBody>
+          <a:bodyPr wrap="none" rtlCol="0">
+            <a:spAutoFit/>
+          </a:bodyPr>
+          <a:lstStyle/>
+          <a:p>
+            <a:r>
+              <a:rPr kumimoji="1" lang="en-US" altLang="zh-TW" dirty="0">
+                <a:solidFill>
+                  <a:schemeClr val="bg1"/>
+                </a:solidFill>
+              </a:rPr>
+              <a:t>REGISTER</a:t>
+            </a:r>
+            <a:endParaRPr kumimoji="1" lang="zh-TW" altLang="en-US" dirty="0">
+              <a:solidFill>
+                <a:schemeClr val="bg1"/>
+              </a:solidFill>
+            </a:endParaRPr>
+          </a:p>
+        </p:txBody>
+      </p:sp>
+      <p:sp>
+        <p:nvSpPr>
+          <p:cNvPr id="71" name="矩形 58">
+            <a:extLst>
+              <a:ext uri="{FF2B5EF4-FFF2-40B4-BE49-F238E27FC236}">
+                <a16:creationId xmlns:a16="http://schemas.microsoft.com/office/drawing/2014/main" id="{3C916FEB-4A1A-411D-9073-8090938AF5D5}"/>
+              </a:ext>
+            </a:extLst>
+          </p:cNvPr>
+          <p:cNvSpPr/>
+          <p:nvPr/>
+        </p:nvSpPr>
+        <p:spPr>
+          <a:xfrm>
+            <a:off x="612720" y="1331241"/>
+            <a:ext cx="4419767" cy="4788682"/>
+          </a:xfrm>
+          <a:prstGeom prst="rect">
+            <a:avLst/>
+          </a:prstGeom>
+          <a:solidFill>
+            <a:schemeClr val="accent2">
+              <a:lumMod val="40000"/>
+              <a:lumOff val="60000"/>
+            </a:schemeClr>
+          </a:solidFill>
+          <a:ln>
+            <a:solidFill>
+              <a:schemeClr val="bg1">
+                <a:lumMod val="75000"/>
+              </a:schemeClr>
+            </a:solidFill>
+          </a:ln>
+        </p:spPr>
+        <p:style>
+          <a:lnRef idx="2">
+            <a:schemeClr val="accent1">
+              <a:shade val="50000"/>
+            </a:schemeClr>
+          </a:lnRef>
+          <a:fillRef idx="1">
+            <a:schemeClr val="accent1"/>
+          </a:fillRef>
+          <a:effectRef idx="0">
+            <a:schemeClr val="accent1"/>
+          </a:effectRef>
+          <a:fontRef idx="minor">
+            <a:schemeClr val="lt1"/>
+          </a:fontRef>
+        </p:style>
+        <p:txBody>
+          <a:bodyPr rtlCol="0" anchor="ctr"/>
+          <a:lstStyle/>
+          <a:p>
+            <a:pPr algn="ctr"/>
+            <a:endParaRPr kumimoji="1" lang="zh-TW" altLang="en-US">
+              <a:solidFill>
+                <a:schemeClr val="bg2">
+                  <a:lumMod val="75000"/>
+                </a:schemeClr>
+              </a:solidFill>
+            </a:endParaRPr>
+          </a:p>
+        </p:txBody>
+      </p:sp>
+      <p:sp>
+        <p:nvSpPr>
+          <p:cNvPr id="72" name="矩形 58">
+            <a:extLst>
+              <a:ext uri="{FF2B5EF4-FFF2-40B4-BE49-F238E27FC236}">
+                <a16:creationId xmlns:a16="http://schemas.microsoft.com/office/drawing/2014/main" id="{927BA69A-2920-42D3-A9AE-5654F259DCB2}"/>
+              </a:ext>
+            </a:extLst>
+          </p:cNvPr>
+          <p:cNvSpPr/>
+          <p:nvPr/>
+        </p:nvSpPr>
+        <p:spPr>
+          <a:xfrm>
+            <a:off x="5032488" y="1331241"/>
+            <a:ext cx="4419767" cy="4788682"/>
+          </a:xfrm>
+          <a:prstGeom prst="rect">
+            <a:avLst/>
+          </a:prstGeom>
+          <a:solidFill>
+            <a:schemeClr val="accent2">
+              <a:lumMod val="20000"/>
+              <a:lumOff val="80000"/>
+            </a:schemeClr>
+          </a:solidFill>
+          <a:ln>
+            <a:solidFill>
+              <a:schemeClr val="bg1">
+                <a:lumMod val="75000"/>
+              </a:schemeClr>
+            </a:solidFill>
+          </a:ln>
+        </p:spPr>
+        <p:style>
+          <a:lnRef idx="2">
+            <a:schemeClr val="accent1">
+              <a:shade val="50000"/>
+            </a:schemeClr>
+          </a:lnRef>
+          <a:fillRef idx="1">
+            <a:schemeClr val="accent1"/>
+          </a:fillRef>
+          <a:effectRef idx="0">
+            <a:schemeClr val="accent1"/>
+          </a:effectRef>
+          <a:fontRef idx="minor">
+            <a:schemeClr val="lt1"/>
+          </a:fontRef>
+        </p:style>
+        <p:txBody>
+          <a:bodyPr rtlCol="0" anchor="ctr"/>
+          <a:lstStyle/>
+          <a:p>
+            <a:pPr algn="ctr"/>
+            <a:endParaRPr kumimoji="1" lang="zh-TW" altLang="en-US">
+              <a:solidFill>
+                <a:schemeClr val="bg2">
+                  <a:lumMod val="75000"/>
+                </a:schemeClr>
+              </a:solidFill>
+            </a:endParaRPr>
+          </a:p>
+        </p:txBody>
+      </p:sp>
+      <p:sp>
+        <p:nvSpPr>
+          <p:cNvPr id="78" name="文字方塊 55">
+            <a:extLst>
+              <a:ext uri="{FF2B5EF4-FFF2-40B4-BE49-F238E27FC236}">
+                <a16:creationId xmlns:a16="http://schemas.microsoft.com/office/drawing/2014/main" id="{975C9725-6B4B-45B5-AE07-579412B67E7B}"/>
+              </a:ext>
+            </a:extLst>
+          </p:cNvPr>
+          <p:cNvSpPr txBox="1"/>
+          <p:nvPr/>
+        </p:nvSpPr>
+        <p:spPr>
+          <a:xfrm>
+            <a:off x="1977644" y="2813241"/>
+            <a:ext cx="2415451" cy="1538883"/>
+          </a:xfrm>
+          <a:prstGeom prst="rect">
+            <a:avLst/>
+          </a:prstGeom>
+          <a:noFill/>
+        </p:spPr>
+        <p:txBody>
+          <a:bodyPr wrap="square" rtlCol="0">
+            <a:spAutoFit/>
+          </a:bodyPr>
+          <a:lstStyle/>
+          <a:p>
+            <a:r>
+              <a:rPr kumimoji="1" lang="en-US" altLang="zh-TW" sz="3000" dirty="0">
+                <a:solidFill>
+                  <a:schemeClr val="bg1"/>
+                </a:solidFill>
+              </a:rPr>
+              <a:t>IMAGE </a:t>
+            </a:r>
+            <a:r>
+              <a:rPr kumimoji="1" lang="en-US" altLang="zh-TW" sz="3200" dirty="0">
+                <a:solidFill>
+                  <a:schemeClr val="accent6">
+                    <a:lumMod val="60000"/>
+                    <a:lumOff val="40000"/>
+                  </a:schemeClr>
+                </a:solidFill>
+              </a:rPr>
+              <a:t>(Image Button)</a:t>
+            </a:r>
+            <a:endParaRPr kumimoji="1" lang="zh-TW" altLang="en-US" sz="3000" dirty="0">
+              <a:solidFill>
+                <a:schemeClr val="bg1"/>
+              </a:solidFill>
+            </a:endParaRPr>
+          </a:p>
+        </p:txBody>
+      </p:sp>
+      <p:sp>
+        <p:nvSpPr>
+          <p:cNvPr id="79" name="矩形 109">
+            <a:extLst>
+              <a:ext uri="{FF2B5EF4-FFF2-40B4-BE49-F238E27FC236}">
+                <a16:creationId xmlns:a16="http://schemas.microsoft.com/office/drawing/2014/main" id="{53A57AE2-1026-48D7-AF14-0DCC89DD6870}"/>
+              </a:ext>
+            </a:extLst>
+          </p:cNvPr>
+          <p:cNvSpPr/>
+          <p:nvPr/>
+        </p:nvSpPr>
+        <p:spPr>
+          <a:xfrm>
+            <a:off x="5648317" y="2884511"/>
+            <a:ext cx="3247203" cy="777654"/>
+          </a:xfrm>
+          <a:prstGeom prst="rect">
+            <a:avLst/>
+          </a:prstGeom>
+          <a:solidFill>
+            <a:schemeClr val="bg2">
+              <a:lumMod val="75000"/>
+            </a:schemeClr>
+          </a:solidFill>
+          <a:ln>
+            <a:solidFill>
+              <a:schemeClr val="bg1">
+                <a:lumMod val="75000"/>
+              </a:schemeClr>
+            </a:solidFill>
+          </a:ln>
+        </p:spPr>
+        <p:style>
+          <a:lnRef idx="2">
+            <a:schemeClr val="accent1">
+              <a:shade val="50000"/>
+            </a:schemeClr>
+          </a:lnRef>
+          <a:fillRef idx="1">
+            <a:schemeClr val="accent1"/>
+          </a:fillRef>
+          <a:effectRef idx="0">
+            <a:schemeClr val="accent1"/>
+          </a:effectRef>
+          <a:fontRef idx="minor">
+            <a:schemeClr val="lt1"/>
+          </a:fontRef>
+        </p:style>
+        <p:txBody>
+          <a:bodyPr rtlCol="0" anchor="ctr"/>
+          <a:lstStyle/>
+          <a:p>
+            <a:pPr algn="ctr"/>
+            <a:endParaRPr kumimoji="1" lang="zh-TW" altLang="en-US">
+              <a:solidFill>
+                <a:schemeClr val="bg2">
+                  <a:lumMod val="75000"/>
+                </a:schemeClr>
+              </a:solidFill>
+            </a:endParaRPr>
+          </a:p>
+        </p:txBody>
+      </p:sp>
+      <p:sp>
+        <p:nvSpPr>
+          <p:cNvPr id="85" name="矩形 109">
+            <a:extLst>
+              <a:ext uri="{FF2B5EF4-FFF2-40B4-BE49-F238E27FC236}">
+                <a16:creationId xmlns:a16="http://schemas.microsoft.com/office/drawing/2014/main" id="{BF8C3C17-E69A-4424-BF35-9950FA19A39D}"/>
+              </a:ext>
+            </a:extLst>
+          </p:cNvPr>
+          <p:cNvSpPr/>
+          <p:nvPr/>
+        </p:nvSpPr>
+        <p:spPr>
+          <a:xfrm>
+            <a:off x="5618768" y="3778067"/>
+            <a:ext cx="3247203" cy="777654"/>
+          </a:xfrm>
+          <a:prstGeom prst="rect">
+            <a:avLst/>
+          </a:prstGeom>
+          <a:solidFill>
+            <a:schemeClr val="bg2">
+              <a:lumMod val="75000"/>
+            </a:schemeClr>
+          </a:solidFill>
+          <a:ln>
+            <a:solidFill>
+              <a:schemeClr val="bg1">
+                <a:lumMod val="75000"/>
+              </a:schemeClr>
+            </a:solidFill>
+          </a:ln>
+        </p:spPr>
+        <p:style>
+          <a:lnRef idx="2">
+            <a:schemeClr val="accent1">
+              <a:shade val="50000"/>
+            </a:schemeClr>
+          </a:lnRef>
+          <a:fillRef idx="1">
+            <a:schemeClr val="accent1"/>
+          </a:fillRef>
+          <a:effectRef idx="0">
+            <a:schemeClr val="accent1"/>
+          </a:effectRef>
+          <a:fontRef idx="minor">
+            <a:schemeClr val="lt1"/>
+          </a:fontRef>
+        </p:style>
+        <p:txBody>
+          <a:bodyPr rtlCol="0" anchor="ctr"/>
+          <a:lstStyle/>
+          <a:p>
+            <a:pPr algn="ctr"/>
+            <a:endParaRPr kumimoji="1" lang="zh-TW" altLang="en-US">
+              <a:solidFill>
+                <a:schemeClr val="bg2">
+                  <a:lumMod val="75000"/>
+                </a:schemeClr>
+              </a:solidFill>
+            </a:endParaRPr>
+          </a:p>
+        </p:txBody>
+      </p:sp>
+      <p:sp>
+        <p:nvSpPr>
+          <p:cNvPr id="87" name="文字方塊 55">
+            <a:extLst>
+              <a:ext uri="{FF2B5EF4-FFF2-40B4-BE49-F238E27FC236}">
+                <a16:creationId xmlns:a16="http://schemas.microsoft.com/office/drawing/2014/main" id="{68C5FCF2-84B6-412C-B49F-DC587DF0A90A}"/>
+              </a:ext>
+            </a:extLst>
+          </p:cNvPr>
+          <p:cNvSpPr txBox="1"/>
+          <p:nvPr/>
+        </p:nvSpPr>
+        <p:spPr>
+          <a:xfrm>
+            <a:off x="6820483" y="2969421"/>
+            <a:ext cx="843775" cy="553998"/>
+          </a:xfrm>
+          <a:prstGeom prst="rect">
+            <a:avLst/>
+          </a:prstGeom>
+          <a:noFill/>
+        </p:spPr>
+        <p:txBody>
+          <a:bodyPr wrap="square" rtlCol="0">
+            <a:spAutoFit/>
+          </a:bodyPr>
+          <a:lstStyle/>
+          <a:p>
+            <a:r>
+              <a:rPr kumimoji="1" lang="en-US" altLang="zh-TW" sz="3000" dirty="0">
+                <a:solidFill>
+                  <a:schemeClr val="bg1"/>
+                </a:solidFill>
+              </a:rPr>
+              <a:t>ID</a:t>
+            </a:r>
+            <a:endParaRPr kumimoji="1" lang="zh-TW" altLang="en-US" sz="3000" dirty="0">
+              <a:solidFill>
+                <a:schemeClr val="bg1"/>
+              </a:solidFill>
+            </a:endParaRPr>
+          </a:p>
+        </p:txBody>
+      </p:sp>
+      <p:sp>
+        <p:nvSpPr>
+          <p:cNvPr id="88" name="文字方塊 55">
+            <a:extLst>
+              <a:ext uri="{FF2B5EF4-FFF2-40B4-BE49-F238E27FC236}">
+                <a16:creationId xmlns:a16="http://schemas.microsoft.com/office/drawing/2014/main" id="{44F2B33F-0572-4A9E-A07B-4E0D8CD1C846}"/>
+              </a:ext>
+            </a:extLst>
+          </p:cNvPr>
+          <p:cNvSpPr txBox="1"/>
+          <p:nvPr/>
+        </p:nvSpPr>
+        <p:spPr>
+          <a:xfrm>
+            <a:off x="6680357" y="3997530"/>
+            <a:ext cx="843775" cy="553998"/>
+          </a:xfrm>
+          <a:prstGeom prst="rect">
+            <a:avLst/>
+          </a:prstGeom>
+          <a:noFill/>
+        </p:spPr>
+        <p:txBody>
+          <a:bodyPr wrap="square" rtlCol="0">
+            <a:spAutoFit/>
+          </a:bodyPr>
+          <a:lstStyle/>
+          <a:p>
+            <a:r>
+              <a:rPr kumimoji="1" lang="en-US" altLang="zh-TW" sz="3000" dirty="0">
+                <a:solidFill>
+                  <a:schemeClr val="bg1"/>
+                </a:solidFill>
+              </a:rPr>
+              <a:t>PW</a:t>
+            </a:r>
+            <a:endParaRPr kumimoji="1" lang="zh-TW" altLang="en-US" sz="3000" dirty="0">
+              <a:solidFill>
+                <a:schemeClr val="bg1"/>
+              </a:solidFill>
+            </a:endParaRPr>
+          </a:p>
+        </p:txBody>
+      </p:sp>
+      <p:sp>
+        <p:nvSpPr>
+          <p:cNvPr id="89" name="矩形 109">
+            <a:extLst>
+              <a:ext uri="{FF2B5EF4-FFF2-40B4-BE49-F238E27FC236}">
+                <a16:creationId xmlns:a16="http://schemas.microsoft.com/office/drawing/2014/main" id="{5AF59149-8E21-4AF9-9E13-CEEC96032A8C}"/>
+              </a:ext>
+            </a:extLst>
+          </p:cNvPr>
+          <p:cNvSpPr/>
+          <p:nvPr/>
+        </p:nvSpPr>
+        <p:spPr>
+          <a:xfrm>
+            <a:off x="6276190" y="4948995"/>
+            <a:ext cx="2221767" cy="577764"/>
+          </a:xfrm>
+          <a:prstGeom prst="rect">
+            <a:avLst/>
+          </a:prstGeom>
+          <a:solidFill>
+            <a:schemeClr val="bg2">
+              <a:lumMod val="75000"/>
+            </a:schemeClr>
+          </a:solidFill>
+          <a:ln>
+            <a:solidFill>
+              <a:schemeClr val="bg1">
+                <a:lumMod val="75000"/>
+              </a:schemeClr>
+            </a:solidFill>
+          </a:ln>
+        </p:spPr>
+        <p:style>
+          <a:lnRef idx="2">
+            <a:schemeClr val="accent1">
+              <a:shade val="50000"/>
+            </a:schemeClr>
+          </a:lnRef>
+          <a:fillRef idx="1">
+            <a:schemeClr val="accent1"/>
+          </a:fillRef>
+          <a:effectRef idx="0">
+            <a:schemeClr val="accent1"/>
+          </a:effectRef>
+          <a:fontRef idx="minor">
+            <a:schemeClr val="lt1"/>
+          </a:fontRef>
+        </p:style>
+        <p:txBody>
+          <a:bodyPr rtlCol="0" anchor="ctr"/>
+          <a:lstStyle/>
+          <a:p>
+            <a:pPr algn="ctr"/>
+            <a:endParaRPr kumimoji="1" lang="zh-TW" altLang="en-US">
+              <a:solidFill>
+                <a:schemeClr val="bg2">
+                  <a:lumMod val="75000"/>
+                </a:schemeClr>
+              </a:solidFill>
+            </a:endParaRPr>
+          </a:p>
+        </p:txBody>
+      </p:sp>
+      <p:sp>
+        <p:nvSpPr>
+          <p:cNvPr id="90" name="文字方塊 55">
+            <a:extLst>
+              <a:ext uri="{FF2B5EF4-FFF2-40B4-BE49-F238E27FC236}">
+                <a16:creationId xmlns:a16="http://schemas.microsoft.com/office/drawing/2014/main" id="{BF1D03BD-D09A-4B5F-BF51-15BB63C61086}"/>
+              </a:ext>
+            </a:extLst>
+          </p:cNvPr>
+          <p:cNvSpPr txBox="1"/>
+          <p:nvPr/>
+        </p:nvSpPr>
+        <p:spPr>
+          <a:xfrm>
+            <a:off x="7039809" y="5037822"/>
+            <a:ext cx="1319000" cy="400110"/>
+          </a:xfrm>
+          <a:prstGeom prst="rect">
+            <a:avLst/>
+          </a:prstGeom>
+          <a:noFill/>
+        </p:spPr>
+        <p:txBody>
+          <a:bodyPr wrap="square" rtlCol="0">
+            <a:spAutoFit/>
+          </a:bodyPr>
+          <a:lstStyle/>
+          <a:p>
+            <a:r>
+              <a:rPr kumimoji="1" lang="en-US" altLang="zh-TW" sz="2000" dirty="0">
+                <a:solidFill>
+                  <a:schemeClr val="bg1"/>
+                </a:solidFill>
+              </a:rPr>
+              <a:t>LOG-IN</a:t>
+            </a:r>
+            <a:endParaRPr kumimoji="1" lang="zh-TW" altLang="en-US" sz="2000" dirty="0">
+              <a:solidFill>
+                <a:schemeClr val="bg1"/>
+              </a:solidFill>
+            </a:endParaRPr>
+          </a:p>
+        </p:txBody>
+      </p:sp>
+    </p:spTree>
+    <p:extLst>
+      <p:ext uri="{BB962C8B-B14F-4D97-AF65-F5344CB8AC3E}">
+        <p14:creationId xmlns:p14="http://schemas.microsoft.com/office/powerpoint/2010/main" val="101755471"/>
+      </p:ext>
+    </p:extLst>
+  </p:cSld>
+  <p:clrMapOvr>
+    <a:masterClrMapping/>
+  </p:clrMapOvr>
+</p:sld>
+</file>
+
+<file path=ppt/slides/slide5.xml><?xml version="1.0" encoding="utf-8"?>
+<p:sld xmlns:a="http://schemas.openxmlformats.org/drawingml/2006/main" xmlns:r="http://schemas.openxmlformats.org/officeDocument/2006/relationships" xmlns:p="http://schemas.openxmlformats.org/presentationml/2006/main">
+  <p:cSld>
+    <p:spTree>
+      <p:nvGrpSpPr>
+        <p:cNvPr id="1" name=""/>
+        <p:cNvGrpSpPr/>
+        <p:nvPr/>
+      </p:nvGrpSpPr>
+      <p:grpSpPr>
+        <a:xfrm>
+          <a:off x="0" y="0"/>
+          <a:ext cx="0" cy="0"/>
+          <a:chOff x="0" y="0"/>
+          <a:chExt cx="0" cy="0"/>
+        </a:xfrm>
+      </p:grpSpPr>
+      <p:sp>
+        <p:nvSpPr>
+          <p:cNvPr id="5" name="矩形 4"/>
+          <p:cNvSpPr/>
+          <p:nvPr/>
+        </p:nvSpPr>
+        <p:spPr>
+          <a:xfrm>
+            <a:off x="612721" y="666121"/>
+            <a:ext cx="1847051" cy="319990"/>
+          </a:xfrm>
+          <a:prstGeom prst="rect">
+            <a:avLst/>
+          </a:prstGeom>
+          <a:solidFill>
+            <a:schemeClr val="bg2">
+              <a:lumMod val="75000"/>
+            </a:schemeClr>
+          </a:solidFill>
+          <a:ln w="63500">
+            <a:noFill/>
+          </a:ln>
+        </p:spPr>
+        <p:style>
+          <a:lnRef idx="2">
+            <a:schemeClr val="accent1">
+              <a:shade val="50000"/>
+            </a:schemeClr>
+          </a:lnRef>
+          <a:fillRef idx="1">
+            <a:schemeClr val="accent1"/>
+          </a:fillRef>
+          <a:effectRef idx="0">
+            <a:schemeClr val="accent1"/>
+          </a:effectRef>
+          <a:fontRef idx="minor">
+            <a:schemeClr val="lt1"/>
+          </a:fontRef>
+        </p:style>
+        <p:txBody>
+          <a:bodyPr rtlCol="0" anchor="ctr"/>
+          <a:lstStyle/>
+          <a:p>
+            <a:pPr algn="ctr"/>
+            <a:endParaRPr kumimoji="1" lang="zh-TW" altLang="en-US">
+              <a:solidFill>
+                <a:schemeClr val="bg2">
+                  <a:lumMod val="75000"/>
+                </a:schemeClr>
+              </a:solidFill>
+            </a:endParaRPr>
+          </a:p>
+        </p:txBody>
+      </p:sp>
+      <p:sp>
+        <p:nvSpPr>
+          <p:cNvPr id="11" name="矩形 10"/>
+          <p:cNvSpPr/>
+          <p:nvPr/>
+        </p:nvSpPr>
+        <p:spPr>
+          <a:xfrm>
+            <a:off x="627529" y="111538"/>
+            <a:ext cx="2291000" cy="369332"/>
+          </a:xfrm>
+          <a:prstGeom prst="rect">
+            <a:avLst/>
+          </a:prstGeom>
+          <a:solidFill>
+            <a:schemeClr val="tx1">
+              <a:lumMod val="50000"/>
+              <a:lumOff val="50000"/>
+            </a:schemeClr>
+          </a:solidFill>
+          <a:ln>
+            <a:solidFill>
+              <a:schemeClr val="bg2">
+                <a:lumMod val="50000"/>
+              </a:schemeClr>
+            </a:solidFill>
+          </a:ln>
+        </p:spPr>
+        <p:style>
+          <a:lnRef idx="2">
+            <a:schemeClr val="accent1">
+              <a:shade val="50000"/>
+            </a:schemeClr>
+          </a:lnRef>
+          <a:fillRef idx="1">
+            <a:schemeClr val="accent1"/>
+          </a:fillRef>
+          <a:effectRef idx="0">
+            <a:schemeClr val="accent1"/>
+          </a:effectRef>
+          <a:fontRef idx="minor">
+            <a:schemeClr val="lt1"/>
+          </a:fontRef>
+        </p:style>
+        <p:txBody>
+          <a:bodyPr rtlCol="0" anchor="ctr"/>
+          <a:lstStyle/>
+          <a:p>
+            <a:pPr algn="ctr"/>
+            <a:endParaRPr kumimoji="1" lang="zh-TW" altLang="en-US"/>
+          </a:p>
+        </p:txBody>
+      </p:sp>
+      <p:sp>
+        <p:nvSpPr>
+          <p:cNvPr id="12" name="文字方塊 11"/>
+          <p:cNvSpPr txBox="1"/>
+          <p:nvPr/>
+        </p:nvSpPr>
+        <p:spPr>
+          <a:xfrm>
+            <a:off x="1025150" y="111825"/>
+            <a:ext cx="2434138" cy="369332"/>
+          </a:xfrm>
+          <a:prstGeom prst="rect">
+            <a:avLst/>
+          </a:prstGeom>
+          <a:noFill/>
+        </p:spPr>
+        <p:txBody>
+          <a:bodyPr wrap="square" rtlCol="0">
+            <a:spAutoFit/>
+          </a:bodyPr>
+          <a:lstStyle/>
+          <a:p>
+            <a:r>
+              <a:rPr kumimoji="1" lang="en-US" altLang="zh-TW" dirty="0">
+                <a:solidFill>
+                  <a:schemeClr val="bg1"/>
+                </a:solidFill>
+              </a:rPr>
+              <a:t>LOGO</a:t>
+            </a:r>
+            <a:endParaRPr kumimoji="1" lang="zh-TW" altLang="en-US" dirty="0">
+              <a:solidFill>
+                <a:schemeClr val="bg1"/>
+              </a:solidFill>
+            </a:endParaRPr>
+          </a:p>
+        </p:txBody>
+      </p:sp>
+      <p:sp>
+        <p:nvSpPr>
+          <p:cNvPr id="13" name="矩形 12"/>
+          <p:cNvSpPr/>
+          <p:nvPr/>
+        </p:nvSpPr>
+        <p:spPr>
+          <a:xfrm>
+            <a:off x="9156238" y="70696"/>
+            <a:ext cx="2623152" cy="428103"/>
+          </a:xfrm>
+          <a:prstGeom prst="rect">
+            <a:avLst/>
+          </a:prstGeom>
+          <a:solidFill>
+            <a:schemeClr val="bg2">
+              <a:lumMod val="50000"/>
+            </a:schemeClr>
+          </a:solidFill>
+          <a:ln w="76200">
+            <a:solidFill>
+              <a:schemeClr val="accent2">
+                <a:lumMod val="50000"/>
+              </a:schemeClr>
+            </a:solidFill>
+          </a:ln>
+        </p:spPr>
+        <p:style>
+          <a:lnRef idx="2">
+            <a:schemeClr val="accent1">
+              <a:shade val="50000"/>
+            </a:schemeClr>
+          </a:lnRef>
+          <a:fillRef idx="1">
+            <a:schemeClr val="accent1"/>
+          </a:fillRef>
+          <a:effectRef idx="0">
+            <a:schemeClr val="accent1"/>
+          </a:effectRef>
+          <a:fontRef idx="minor">
+            <a:schemeClr val="lt1"/>
+          </a:fontRef>
+        </p:style>
+        <p:txBody>
+          <a:bodyPr rtlCol="0" anchor="ctr"/>
+          <a:lstStyle/>
+          <a:p>
+            <a:pPr algn="ctr"/>
+            <a:endParaRPr kumimoji="1" lang="zh-TW" altLang="en-US" dirty="0"/>
+          </a:p>
+        </p:txBody>
+      </p:sp>
+      <p:sp>
+        <p:nvSpPr>
+          <p:cNvPr id="14" name="文字方塊 13"/>
+          <p:cNvSpPr txBox="1"/>
+          <p:nvPr/>
+        </p:nvSpPr>
+        <p:spPr>
+          <a:xfrm>
+            <a:off x="9546080" y="88625"/>
+            <a:ext cx="1516839" cy="369332"/>
+          </a:xfrm>
+          <a:prstGeom prst="rect">
+            <a:avLst/>
+          </a:prstGeom>
+          <a:noFill/>
+        </p:spPr>
+        <p:txBody>
+          <a:bodyPr wrap="square" rtlCol="0">
+            <a:spAutoFit/>
+          </a:bodyPr>
+          <a:lstStyle/>
+          <a:p>
+            <a:r>
+              <a:rPr kumimoji="1" lang="en-US" altLang="zh-TW" dirty="0">
+                <a:solidFill>
+                  <a:schemeClr val="bg1"/>
+                </a:solidFill>
+              </a:rPr>
+              <a:t>MYPAGE</a:t>
+            </a:r>
+            <a:endParaRPr kumimoji="1" lang="zh-TW" altLang="en-US" dirty="0">
+              <a:solidFill>
+                <a:schemeClr val="bg1"/>
+              </a:solidFill>
+            </a:endParaRPr>
+          </a:p>
+        </p:txBody>
+      </p:sp>
+      <p:sp>
+        <p:nvSpPr>
+          <p:cNvPr id="15" name="文字方塊 14"/>
+          <p:cNvSpPr txBox="1"/>
+          <p:nvPr/>
+        </p:nvSpPr>
+        <p:spPr>
+          <a:xfrm>
+            <a:off x="1137242" y="626598"/>
+            <a:ext cx="750526" cy="369332"/>
+          </a:xfrm>
+          <a:prstGeom prst="rect">
+            <a:avLst/>
+          </a:prstGeom>
+          <a:noFill/>
+        </p:spPr>
+        <p:txBody>
+          <a:bodyPr wrap="none" rtlCol="0">
+            <a:spAutoFit/>
+          </a:bodyPr>
+          <a:lstStyle/>
+          <a:p>
+            <a:r>
+              <a:rPr kumimoji="1" lang="en-US" altLang="zh-TW" dirty="0">
+                <a:solidFill>
+                  <a:schemeClr val="bg1"/>
+                </a:solidFill>
+              </a:rPr>
+              <a:t>Home</a:t>
+            </a:r>
+            <a:endParaRPr kumimoji="1" lang="zh-TW" altLang="en-US" dirty="0">
+              <a:solidFill>
+                <a:schemeClr val="bg1"/>
+              </a:solidFill>
+            </a:endParaRPr>
+          </a:p>
+        </p:txBody>
+      </p:sp>
+      <p:sp>
+        <p:nvSpPr>
+          <p:cNvPr id="23" name="矩形 22"/>
+          <p:cNvSpPr/>
+          <p:nvPr/>
+        </p:nvSpPr>
+        <p:spPr>
+          <a:xfrm>
+            <a:off x="2904040" y="666110"/>
+            <a:ext cx="1847051" cy="319990"/>
+          </a:xfrm>
+          <a:prstGeom prst="rect">
+            <a:avLst/>
+          </a:prstGeom>
+          <a:solidFill>
+            <a:schemeClr val="bg2">
+              <a:lumMod val="75000"/>
+            </a:schemeClr>
+          </a:solidFill>
+          <a:ln>
+            <a:solidFill>
+              <a:schemeClr val="bg1">
+                <a:lumMod val="75000"/>
+              </a:schemeClr>
+            </a:solidFill>
+          </a:ln>
+        </p:spPr>
+        <p:style>
+          <a:lnRef idx="2">
+            <a:schemeClr val="accent1">
+              <a:shade val="50000"/>
+            </a:schemeClr>
+          </a:lnRef>
+          <a:fillRef idx="1">
+            <a:schemeClr val="accent1"/>
+          </a:fillRef>
+          <a:effectRef idx="0">
+            <a:schemeClr val="accent1"/>
+          </a:effectRef>
+          <a:fontRef idx="minor">
+            <a:schemeClr val="lt1"/>
+          </a:fontRef>
+        </p:style>
+        <p:txBody>
+          <a:bodyPr rtlCol="0" anchor="ctr"/>
+          <a:lstStyle/>
+          <a:p>
+            <a:pPr algn="ctr"/>
+            <a:endParaRPr kumimoji="1" lang="zh-TW" altLang="en-US">
+              <a:solidFill>
+                <a:schemeClr val="bg2">
+                  <a:lumMod val="75000"/>
+                </a:schemeClr>
+              </a:solidFill>
+            </a:endParaRPr>
+          </a:p>
+        </p:txBody>
+      </p:sp>
+      <p:sp>
+        <p:nvSpPr>
+          <p:cNvPr id="24" name="文字方塊 23"/>
+          <p:cNvSpPr txBox="1"/>
+          <p:nvPr/>
+        </p:nvSpPr>
+        <p:spPr>
+          <a:xfrm>
+            <a:off x="3311802" y="643198"/>
+            <a:ext cx="1524200" cy="369332"/>
+          </a:xfrm>
+          <a:prstGeom prst="rect">
+            <a:avLst/>
+          </a:prstGeom>
+          <a:noFill/>
+        </p:spPr>
+        <p:txBody>
+          <a:bodyPr wrap="none" rtlCol="0">
+            <a:spAutoFit/>
+          </a:bodyPr>
+          <a:lstStyle/>
+          <a:p>
+            <a:r>
+              <a:rPr kumimoji="1" lang="en-US" altLang="zh-TW" dirty="0">
+                <a:solidFill>
+                  <a:schemeClr val="bg1"/>
+                </a:solidFill>
+              </a:rPr>
+              <a:t>SEARCH Det</a:t>
+            </a:r>
+            <a:r>
+              <a:rPr kumimoji="1" lang="en-US" altLang="zh-CN" dirty="0">
+                <a:solidFill>
+                  <a:schemeClr val="bg1"/>
+                </a:solidFill>
+              </a:rPr>
+              <a:t>ai</a:t>
+            </a:r>
+            <a:r>
+              <a:rPr kumimoji="1" lang="en-US" altLang="zh-TW" dirty="0">
+                <a:solidFill>
+                  <a:schemeClr val="bg1"/>
+                </a:solidFill>
+              </a:rPr>
+              <a:t>l</a:t>
+            </a:r>
+            <a:endParaRPr kumimoji="1" lang="zh-TW" altLang="en-US" dirty="0">
+              <a:solidFill>
+                <a:schemeClr val="bg1"/>
+              </a:solidFill>
+            </a:endParaRPr>
+          </a:p>
+        </p:txBody>
+      </p:sp>
+      <p:sp>
+        <p:nvSpPr>
+          <p:cNvPr id="25" name="矩形 24"/>
+          <p:cNvSpPr/>
+          <p:nvPr/>
+        </p:nvSpPr>
+        <p:spPr>
+          <a:xfrm>
+            <a:off x="5192758" y="657587"/>
+            <a:ext cx="1847051" cy="319990"/>
+          </a:xfrm>
+          <a:prstGeom prst="rect">
+            <a:avLst/>
+          </a:prstGeom>
+          <a:solidFill>
+            <a:schemeClr val="bg2">
+              <a:lumMod val="75000"/>
+            </a:schemeClr>
+          </a:solidFill>
+          <a:ln>
+            <a:solidFill>
+              <a:schemeClr val="bg1">
+                <a:lumMod val="75000"/>
+              </a:schemeClr>
+            </a:solidFill>
+          </a:ln>
+        </p:spPr>
+        <p:style>
+          <a:lnRef idx="2">
+            <a:schemeClr val="accent1">
+              <a:shade val="50000"/>
+            </a:schemeClr>
+          </a:lnRef>
+          <a:fillRef idx="1">
+            <a:schemeClr val="accent1"/>
+          </a:fillRef>
+          <a:effectRef idx="0">
+            <a:schemeClr val="accent1"/>
+          </a:effectRef>
+          <a:fontRef idx="minor">
+            <a:schemeClr val="lt1"/>
+          </a:fontRef>
+        </p:style>
+        <p:txBody>
+          <a:bodyPr rtlCol="0" anchor="ctr"/>
+          <a:lstStyle/>
+          <a:p>
+            <a:pPr algn="ctr"/>
+            <a:endParaRPr kumimoji="1" lang="zh-TW" altLang="en-US">
+              <a:solidFill>
+                <a:schemeClr val="bg2">
+                  <a:lumMod val="75000"/>
+                </a:schemeClr>
+              </a:solidFill>
+            </a:endParaRPr>
+          </a:p>
+        </p:txBody>
+      </p:sp>
+      <p:sp>
+        <p:nvSpPr>
+          <p:cNvPr id="26" name="文字方塊 25"/>
+          <p:cNvSpPr txBox="1"/>
+          <p:nvPr/>
+        </p:nvSpPr>
+        <p:spPr>
+          <a:xfrm>
+            <a:off x="5473144" y="635955"/>
+            <a:ext cx="1076449" cy="369332"/>
+          </a:xfrm>
+          <a:prstGeom prst="rect">
+            <a:avLst/>
+          </a:prstGeom>
+          <a:noFill/>
+        </p:spPr>
+        <p:txBody>
+          <a:bodyPr wrap="none" rtlCol="0">
+            <a:spAutoFit/>
+          </a:bodyPr>
+          <a:lstStyle/>
+          <a:p>
+            <a:r>
+              <a:rPr kumimoji="1" lang="en-US" altLang="zh-TW" dirty="0">
+                <a:solidFill>
+                  <a:schemeClr val="bg1"/>
+                </a:solidFill>
+              </a:rPr>
+              <a:t>REGISTER</a:t>
+            </a:r>
+            <a:endParaRPr kumimoji="1" lang="zh-TW" altLang="en-US" dirty="0">
+              <a:solidFill>
+                <a:schemeClr val="bg1"/>
+              </a:solidFill>
+            </a:endParaRPr>
+          </a:p>
+        </p:txBody>
+      </p:sp>
+      <p:sp>
+        <p:nvSpPr>
+          <p:cNvPr id="27" name="矩形 26"/>
+          <p:cNvSpPr/>
+          <p:nvPr/>
+        </p:nvSpPr>
+        <p:spPr>
+          <a:xfrm>
+            <a:off x="7699029" y="657587"/>
+            <a:ext cx="1847051" cy="319990"/>
+          </a:xfrm>
+          <a:prstGeom prst="rect">
+            <a:avLst/>
+          </a:prstGeom>
+          <a:solidFill>
+            <a:schemeClr val="bg2">
+              <a:lumMod val="75000"/>
+            </a:schemeClr>
+          </a:solidFill>
+          <a:ln>
+            <a:solidFill>
+              <a:schemeClr val="bg1">
+                <a:lumMod val="75000"/>
+              </a:schemeClr>
+            </a:solidFill>
+          </a:ln>
+        </p:spPr>
+        <p:style>
+          <a:lnRef idx="2">
+            <a:schemeClr val="accent1">
+              <a:shade val="50000"/>
+            </a:schemeClr>
+          </a:lnRef>
+          <a:fillRef idx="1">
+            <a:schemeClr val="accent1"/>
+          </a:fillRef>
+          <a:effectRef idx="0">
+            <a:schemeClr val="accent1"/>
+          </a:effectRef>
+          <a:fontRef idx="minor">
+            <a:schemeClr val="lt1"/>
+          </a:fontRef>
+        </p:style>
+        <p:txBody>
+          <a:bodyPr rtlCol="0" anchor="ctr"/>
+          <a:lstStyle/>
+          <a:p>
+            <a:pPr algn="ctr"/>
+            <a:endParaRPr kumimoji="1" lang="zh-TW" altLang="en-US" b="1">
+              <a:solidFill>
+                <a:schemeClr val="bg2">
+                  <a:lumMod val="75000"/>
+                </a:schemeClr>
+              </a:solidFill>
+            </a:endParaRPr>
+          </a:p>
+        </p:txBody>
+      </p:sp>
+      <p:sp>
+        <p:nvSpPr>
+          <p:cNvPr id="28" name="文字方塊 27"/>
+          <p:cNvSpPr txBox="1"/>
+          <p:nvPr/>
+        </p:nvSpPr>
+        <p:spPr>
+          <a:xfrm>
+            <a:off x="7858573" y="634675"/>
+            <a:ext cx="1497974" cy="369332"/>
+          </a:xfrm>
+          <a:prstGeom prst="rect">
+            <a:avLst/>
+          </a:prstGeom>
+          <a:noFill/>
+        </p:spPr>
+        <p:txBody>
+          <a:bodyPr wrap="none" rtlCol="0">
+            <a:spAutoFit/>
+          </a:bodyPr>
+          <a:lstStyle/>
+          <a:p>
+            <a:r>
+              <a:rPr kumimoji="1" lang="en-US" altLang="zh-TW" b="1" dirty="0">
+                <a:solidFill>
+                  <a:schemeClr val="bg1"/>
+                </a:solidFill>
+              </a:rPr>
+              <a:t>Navigation #4</a:t>
+            </a:r>
+            <a:endParaRPr kumimoji="1" lang="zh-TW" altLang="en-US" b="1" dirty="0">
+              <a:solidFill>
+                <a:schemeClr val="bg1"/>
+              </a:solidFill>
+            </a:endParaRPr>
+          </a:p>
+        </p:txBody>
+      </p:sp>
+      <p:sp>
+        <p:nvSpPr>
+          <p:cNvPr id="29" name="矩形 28"/>
+          <p:cNvSpPr/>
+          <p:nvPr/>
+        </p:nvSpPr>
+        <p:spPr>
+          <a:xfrm>
+            <a:off x="9932339" y="643198"/>
+            <a:ext cx="1847051" cy="319990"/>
+          </a:xfrm>
+          <a:prstGeom prst="rect">
+            <a:avLst/>
+          </a:prstGeom>
+          <a:solidFill>
+            <a:schemeClr val="bg2">
+              <a:lumMod val="75000"/>
+            </a:schemeClr>
+          </a:solidFill>
+          <a:ln>
+            <a:solidFill>
+              <a:schemeClr val="bg1">
+                <a:lumMod val="75000"/>
+              </a:schemeClr>
+            </a:solidFill>
+          </a:ln>
+        </p:spPr>
+        <p:style>
+          <a:lnRef idx="2">
+            <a:schemeClr val="accent1">
+              <a:shade val="50000"/>
+            </a:schemeClr>
+          </a:lnRef>
+          <a:fillRef idx="1">
+            <a:schemeClr val="accent1"/>
+          </a:fillRef>
+          <a:effectRef idx="0">
+            <a:schemeClr val="accent1"/>
+          </a:effectRef>
+          <a:fontRef idx="minor">
+            <a:schemeClr val="lt1"/>
+          </a:fontRef>
+        </p:style>
+        <p:txBody>
+          <a:bodyPr rtlCol="0" anchor="ctr"/>
+          <a:lstStyle/>
+          <a:p>
+            <a:pPr algn="ctr"/>
+            <a:endParaRPr kumimoji="1" lang="zh-TW" altLang="en-US" b="1">
+              <a:solidFill>
+                <a:schemeClr val="bg2">
+                  <a:lumMod val="75000"/>
+                </a:schemeClr>
+              </a:solidFill>
+            </a:endParaRPr>
+          </a:p>
+        </p:txBody>
+      </p:sp>
+      <p:sp>
+        <p:nvSpPr>
+          <p:cNvPr id="30" name="文字方塊 29"/>
+          <p:cNvSpPr txBox="1"/>
+          <p:nvPr/>
+        </p:nvSpPr>
+        <p:spPr>
+          <a:xfrm>
+            <a:off x="10091883" y="620286"/>
+            <a:ext cx="1497974" cy="369332"/>
+          </a:xfrm>
+          <a:prstGeom prst="rect">
+            <a:avLst/>
+          </a:prstGeom>
+          <a:noFill/>
+        </p:spPr>
+        <p:txBody>
+          <a:bodyPr wrap="none" rtlCol="0">
+            <a:spAutoFit/>
+          </a:bodyPr>
+          <a:lstStyle/>
+          <a:p>
+            <a:r>
+              <a:rPr kumimoji="1" lang="en-US" altLang="zh-TW" b="1" dirty="0">
+                <a:solidFill>
+                  <a:schemeClr val="bg1"/>
+                </a:solidFill>
+              </a:rPr>
+              <a:t>Navigation #5</a:t>
+            </a:r>
+            <a:endParaRPr kumimoji="1" lang="zh-TW" altLang="en-US" b="1" dirty="0">
+              <a:solidFill>
+                <a:schemeClr val="bg1"/>
+              </a:solidFill>
+            </a:endParaRPr>
+          </a:p>
+        </p:txBody>
+      </p:sp>
+      <p:sp>
+        <p:nvSpPr>
+          <p:cNvPr id="31" name="矩形 30"/>
+          <p:cNvSpPr/>
+          <p:nvPr/>
+        </p:nvSpPr>
+        <p:spPr>
+          <a:xfrm>
+            <a:off x="635708" y="1197791"/>
+            <a:ext cx="11143681" cy="2334307"/>
+          </a:xfrm>
+          <a:prstGeom prst="rect">
+            <a:avLst/>
+          </a:prstGeom>
+          <a:solidFill>
+            <a:schemeClr val="tx1">
+              <a:lumMod val="65000"/>
+              <a:lumOff val="35000"/>
+            </a:schemeClr>
+          </a:solidFill>
+        </p:spPr>
+        <p:style>
+          <a:lnRef idx="2">
+            <a:schemeClr val="accent1">
+              <a:shade val="50000"/>
+            </a:schemeClr>
+          </a:lnRef>
+          <a:fillRef idx="1">
+            <a:schemeClr val="accent1"/>
+          </a:fillRef>
+          <a:effectRef idx="0">
+            <a:schemeClr val="accent1"/>
+          </a:effectRef>
+          <a:fontRef idx="minor">
+            <a:schemeClr val="lt1"/>
+          </a:fontRef>
+        </p:style>
+        <p:txBody>
+          <a:bodyPr rtlCol="0" anchor="ctr"/>
+          <a:lstStyle/>
+          <a:p>
+            <a:pPr algn="ctr"/>
+            <a:r>
+              <a:rPr kumimoji="1" lang="en-US" altLang="zh-CN" sz="9600" dirty="0">
+                <a:solidFill>
+                  <a:schemeClr val="bg1"/>
+                </a:solidFill>
+              </a:rPr>
+              <a:t>Slide</a:t>
+            </a:r>
+            <a:endParaRPr kumimoji="1" lang="zh-TW" altLang="en-US" sz="9600" dirty="0">
+              <a:solidFill>
+                <a:schemeClr val="bg1"/>
+              </a:solidFill>
+            </a:endParaRPr>
+          </a:p>
+          <a:p>
+            <a:pPr algn="ctr"/>
+            <a:endParaRPr kumimoji="1" lang="zh-TW" altLang="en-US" dirty="0"/>
+          </a:p>
+        </p:txBody>
+      </p:sp>
+      <p:sp>
+        <p:nvSpPr>
+          <p:cNvPr id="33" name="矩形 32"/>
+          <p:cNvSpPr/>
+          <p:nvPr/>
+        </p:nvSpPr>
+        <p:spPr>
+          <a:xfrm>
+            <a:off x="649239" y="2976287"/>
+            <a:ext cx="3026292" cy="529359"/>
+          </a:xfrm>
+          <a:prstGeom prst="rect">
+            <a:avLst/>
+          </a:prstGeom>
+          <a:solidFill>
+            <a:schemeClr val="bg2">
+              <a:lumMod val="75000"/>
+            </a:schemeClr>
+          </a:solidFill>
+          <a:ln>
+            <a:solidFill>
+              <a:schemeClr val="bg1">
+                <a:lumMod val="75000"/>
+              </a:schemeClr>
+            </a:solidFill>
+          </a:ln>
+        </p:spPr>
+        <p:style>
+          <a:lnRef idx="2">
+            <a:schemeClr val="accent1">
+              <a:shade val="50000"/>
+            </a:schemeClr>
+          </a:lnRef>
+          <a:fillRef idx="1">
+            <a:schemeClr val="accent1"/>
+          </a:fillRef>
+          <a:effectRef idx="0">
+            <a:schemeClr val="accent1"/>
+          </a:effectRef>
+          <a:fontRef idx="minor">
+            <a:schemeClr val="lt1"/>
+          </a:fontRef>
+        </p:style>
+        <p:txBody>
+          <a:bodyPr rtlCol="0" anchor="ctr"/>
+          <a:lstStyle/>
+          <a:p>
+            <a:pPr algn="ctr"/>
+            <a:endParaRPr kumimoji="1" lang="zh-TW" altLang="en-US">
+              <a:solidFill>
+                <a:schemeClr val="bg2">
+                  <a:lumMod val="75000"/>
+                </a:schemeClr>
+              </a:solidFill>
+            </a:endParaRPr>
+          </a:p>
+        </p:txBody>
+      </p:sp>
+      <p:sp>
+        <p:nvSpPr>
+          <p:cNvPr id="34" name="文字方塊 33"/>
+          <p:cNvSpPr txBox="1"/>
+          <p:nvPr/>
+        </p:nvSpPr>
+        <p:spPr>
+          <a:xfrm>
+            <a:off x="1196415" y="3010678"/>
+            <a:ext cx="2408439" cy="461665"/>
+          </a:xfrm>
+          <a:prstGeom prst="rect">
+            <a:avLst/>
+          </a:prstGeom>
+          <a:noFill/>
+        </p:spPr>
+        <p:txBody>
+          <a:bodyPr wrap="square" rtlCol="0">
+            <a:spAutoFit/>
+          </a:bodyPr>
+          <a:lstStyle/>
+          <a:p>
+            <a:r>
+              <a:rPr kumimoji="1" lang="en-US" altLang="zh-TW" sz="2400" dirty="0">
+                <a:solidFill>
+                  <a:schemeClr val="bg1"/>
+                </a:solidFill>
+              </a:rPr>
+              <a:t>Slide text</a:t>
+            </a:r>
+            <a:endParaRPr kumimoji="1" lang="zh-TW" altLang="en-US" sz="2400" dirty="0">
+              <a:solidFill>
+                <a:schemeClr val="bg1"/>
+              </a:solidFill>
+            </a:endParaRPr>
+          </a:p>
+        </p:txBody>
+      </p:sp>
+      <p:sp>
+        <p:nvSpPr>
+          <p:cNvPr id="36" name="矩形 35"/>
+          <p:cNvSpPr/>
+          <p:nvPr/>
+        </p:nvSpPr>
+        <p:spPr>
+          <a:xfrm>
+            <a:off x="620382" y="3784608"/>
+            <a:ext cx="2033173" cy="1913012"/>
+          </a:xfrm>
+          <a:prstGeom prst="rect">
+            <a:avLst/>
+          </a:prstGeom>
+          <a:solidFill>
+            <a:schemeClr val="bg2">
+              <a:lumMod val="50000"/>
+            </a:schemeClr>
+          </a:solidFill>
+          <a:ln>
+            <a:solidFill>
+              <a:schemeClr val="bg1">
+                <a:lumMod val="75000"/>
+              </a:schemeClr>
+            </a:solidFill>
+          </a:ln>
+        </p:spPr>
+        <p:style>
+          <a:lnRef idx="2">
+            <a:schemeClr val="accent1">
+              <a:shade val="50000"/>
+            </a:schemeClr>
+          </a:lnRef>
+          <a:fillRef idx="1">
+            <a:schemeClr val="accent1"/>
+          </a:fillRef>
+          <a:effectRef idx="0">
+            <a:schemeClr val="accent1"/>
+          </a:effectRef>
+          <a:fontRef idx="minor">
+            <a:schemeClr val="lt1"/>
+          </a:fontRef>
+        </p:style>
+        <p:txBody>
+          <a:bodyPr rtlCol="0" anchor="ctr"/>
+          <a:lstStyle/>
+          <a:p>
+            <a:pPr algn="ctr"/>
+            <a:endParaRPr kumimoji="1" lang="zh-TW" altLang="en-US">
+              <a:solidFill>
+                <a:schemeClr val="bg2">
+                  <a:lumMod val="75000"/>
+                </a:schemeClr>
+              </a:solidFill>
+            </a:endParaRPr>
+          </a:p>
+        </p:txBody>
+      </p:sp>
+      <p:sp>
+        <p:nvSpPr>
+          <p:cNvPr id="37" name="文字方塊 36"/>
+          <p:cNvSpPr txBox="1"/>
+          <p:nvPr/>
+        </p:nvSpPr>
+        <p:spPr>
+          <a:xfrm>
+            <a:off x="679583" y="4510281"/>
+            <a:ext cx="2065094" cy="461665"/>
+          </a:xfrm>
+          <a:prstGeom prst="rect">
+            <a:avLst/>
+          </a:prstGeom>
+          <a:noFill/>
+        </p:spPr>
+        <p:txBody>
+          <a:bodyPr wrap="square" rtlCol="0">
+            <a:spAutoFit/>
+          </a:bodyPr>
+          <a:lstStyle/>
+          <a:p>
+            <a:r>
+              <a:rPr kumimoji="1" lang="en-US" altLang="zh-TW" sz="2400" dirty="0">
+                <a:solidFill>
+                  <a:schemeClr val="bg1"/>
+                </a:solidFill>
+              </a:rPr>
+              <a:t>ITEM IMAGE</a:t>
+            </a:r>
+            <a:r>
+              <a:rPr kumimoji="1" lang="zh-CN" altLang="en-US" sz="2400" dirty="0">
+                <a:solidFill>
+                  <a:schemeClr val="bg1"/>
+                </a:solidFill>
+              </a:rPr>
+              <a:t> </a:t>
+            </a:r>
+            <a:r>
+              <a:rPr kumimoji="1" lang="en-US" altLang="zh-CN" sz="2400" dirty="0">
+                <a:solidFill>
+                  <a:schemeClr val="bg1"/>
+                </a:solidFill>
+              </a:rPr>
+              <a:t>1</a:t>
+            </a:r>
+            <a:endParaRPr kumimoji="1" lang="zh-TW" altLang="en-US" sz="2400" dirty="0">
+              <a:solidFill>
+                <a:schemeClr val="bg1"/>
+              </a:solidFill>
+            </a:endParaRPr>
+          </a:p>
+        </p:txBody>
+      </p:sp>
+      <p:sp>
+        <p:nvSpPr>
+          <p:cNvPr id="38" name="矩形 37"/>
+          <p:cNvSpPr/>
+          <p:nvPr/>
+        </p:nvSpPr>
+        <p:spPr>
+          <a:xfrm>
+            <a:off x="627341" y="5842105"/>
+            <a:ext cx="2026213" cy="529359"/>
+          </a:xfrm>
+          <a:prstGeom prst="rect">
+            <a:avLst/>
+          </a:prstGeom>
+          <a:solidFill>
+            <a:schemeClr val="bg2">
+              <a:lumMod val="75000"/>
+            </a:schemeClr>
+          </a:solidFill>
+          <a:ln>
+            <a:solidFill>
+              <a:schemeClr val="bg1">
+                <a:lumMod val="75000"/>
+              </a:schemeClr>
+            </a:solidFill>
+          </a:ln>
+        </p:spPr>
+        <p:style>
+          <a:lnRef idx="2">
+            <a:schemeClr val="accent1">
+              <a:shade val="50000"/>
+            </a:schemeClr>
+          </a:lnRef>
+          <a:fillRef idx="1">
+            <a:schemeClr val="accent1"/>
+          </a:fillRef>
+          <a:effectRef idx="0">
+            <a:schemeClr val="accent1"/>
+          </a:effectRef>
+          <a:fontRef idx="minor">
+            <a:schemeClr val="lt1"/>
+          </a:fontRef>
+        </p:style>
+        <p:txBody>
+          <a:bodyPr rtlCol="0" anchor="ctr"/>
+          <a:lstStyle/>
+          <a:p>
+            <a:pPr algn="ctr"/>
+            <a:endParaRPr kumimoji="1" lang="zh-TW" altLang="en-US">
+              <a:solidFill>
+                <a:schemeClr val="bg2">
+                  <a:lumMod val="75000"/>
+                </a:schemeClr>
+              </a:solidFill>
+            </a:endParaRPr>
+          </a:p>
+        </p:txBody>
+      </p:sp>
+      <p:sp>
+        <p:nvSpPr>
+          <p:cNvPr id="39" name="文字方塊 38"/>
+          <p:cNvSpPr txBox="1"/>
+          <p:nvPr/>
+        </p:nvSpPr>
+        <p:spPr>
+          <a:xfrm>
+            <a:off x="1231745" y="5883972"/>
+            <a:ext cx="1479037" cy="461665"/>
+          </a:xfrm>
+          <a:prstGeom prst="rect">
+            <a:avLst/>
+          </a:prstGeom>
+          <a:noFill/>
+        </p:spPr>
+        <p:txBody>
+          <a:bodyPr wrap="square" rtlCol="0">
+            <a:spAutoFit/>
+          </a:bodyPr>
+          <a:lstStyle/>
+          <a:p>
+            <a:r>
+              <a:rPr kumimoji="1" lang="en-US" altLang="zh-TW" sz="2400" dirty="0">
+                <a:solidFill>
+                  <a:schemeClr val="bg1"/>
+                </a:solidFill>
+              </a:rPr>
+              <a:t>TEXT</a:t>
+            </a:r>
+            <a:endParaRPr kumimoji="1" lang="zh-TW" altLang="en-US" sz="2400" dirty="0">
+              <a:solidFill>
+                <a:schemeClr val="bg1"/>
+              </a:solidFill>
+            </a:endParaRPr>
+          </a:p>
+        </p:txBody>
+      </p:sp>
+      <p:sp>
+        <p:nvSpPr>
+          <p:cNvPr id="40" name="矩形 39"/>
+          <p:cNvSpPr/>
+          <p:nvPr/>
+        </p:nvSpPr>
+        <p:spPr>
+          <a:xfrm>
+            <a:off x="2881029" y="3784608"/>
+            <a:ext cx="2033173" cy="1913012"/>
+          </a:xfrm>
+          <a:prstGeom prst="rect">
+            <a:avLst/>
+          </a:prstGeom>
+          <a:solidFill>
+            <a:schemeClr val="bg2">
+              <a:lumMod val="50000"/>
+            </a:schemeClr>
+          </a:solidFill>
+          <a:ln>
+            <a:solidFill>
+              <a:schemeClr val="bg1">
+                <a:lumMod val="75000"/>
+              </a:schemeClr>
+            </a:solidFill>
+          </a:ln>
+        </p:spPr>
+        <p:style>
+          <a:lnRef idx="2">
+            <a:schemeClr val="accent1">
+              <a:shade val="50000"/>
+            </a:schemeClr>
+          </a:lnRef>
+          <a:fillRef idx="1">
+            <a:schemeClr val="accent1"/>
+          </a:fillRef>
+          <a:effectRef idx="0">
+            <a:schemeClr val="accent1"/>
+          </a:effectRef>
+          <a:fontRef idx="minor">
+            <a:schemeClr val="lt1"/>
+          </a:fontRef>
+        </p:style>
+        <p:txBody>
+          <a:bodyPr rtlCol="0" anchor="ctr"/>
+          <a:lstStyle/>
+          <a:p>
+            <a:pPr algn="ctr"/>
+            <a:endParaRPr kumimoji="1" lang="zh-TW" altLang="en-US">
+              <a:solidFill>
+                <a:schemeClr val="bg2">
+                  <a:lumMod val="75000"/>
+                </a:schemeClr>
+              </a:solidFill>
+            </a:endParaRPr>
+          </a:p>
+        </p:txBody>
+      </p:sp>
+      <p:sp>
+        <p:nvSpPr>
+          <p:cNvPr id="44" name="矩形 43"/>
+          <p:cNvSpPr/>
+          <p:nvPr/>
+        </p:nvSpPr>
+        <p:spPr>
+          <a:xfrm>
+            <a:off x="5195672" y="3784608"/>
+            <a:ext cx="2033173" cy="1913012"/>
+          </a:xfrm>
+          <a:prstGeom prst="rect">
+            <a:avLst/>
+          </a:prstGeom>
+          <a:solidFill>
+            <a:schemeClr val="bg2">
+              <a:lumMod val="50000"/>
+            </a:schemeClr>
+          </a:solidFill>
+          <a:ln>
+            <a:solidFill>
+              <a:schemeClr val="bg1">
+                <a:lumMod val="75000"/>
+              </a:schemeClr>
+            </a:solidFill>
+          </a:ln>
+        </p:spPr>
+        <p:style>
+          <a:lnRef idx="2">
+            <a:schemeClr val="accent1">
+              <a:shade val="50000"/>
+            </a:schemeClr>
+          </a:lnRef>
+          <a:fillRef idx="1">
+            <a:schemeClr val="accent1"/>
+          </a:fillRef>
+          <a:effectRef idx="0">
+            <a:schemeClr val="accent1"/>
+          </a:effectRef>
+          <a:fontRef idx="minor">
+            <a:schemeClr val="lt1"/>
+          </a:fontRef>
+        </p:style>
+        <p:txBody>
+          <a:bodyPr rtlCol="0" anchor="ctr"/>
+          <a:lstStyle/>
+          <a:p>
+            <a:pPr algn="ctr"/>
+            <a:endParaRPr kumimoji="1" lang="zh-TW" altLang="en-US">
+              <a:solidFill>
+                <a:schemeClr val="bg2">
+                  <a:lumMod val="75000"/>
+                </a:schemeClr>
+              </a:solidFill>
+            </a:endParaRPr>
+          </a:p>
+        </p:txBody>
+      </p:sp>
+      <p:sp>
+        <p:nvSpPr>
+          <p:cNvPr id="48" name="矩形 47"/>
+          <p:cNvSpPr/>
+          <p:nvPr/>
+        </p:nvSpPr>
+        <p:spPr>
+          <a:xfrm>
+            <a:off x="7534976" y="3784608"/>
+            <a:ext cx="2033173" cy="1913012"/>
+          </a:xfrm>
+          <a:prstGeom prst="rect">
+            <a:avLst/>
+          </a:prstGeom>
+          <a:solidFill>
+            <a:schemeClr val="bg2">
+              <a:lumMod val="50000"/>
+            </a:schemeClr>
+          </a:solidFill>
+          <a:ln>
+            <a:solidFill>
+              <a:schemeClr val="bg1">
+                <a:lumMod val="75000"/>
+              </a:schemeClr>
+            </a:solidFill>
+          </a:ln>
+        </p:spPr>
+        <p:style>
+          <a:lnRef idx="2">
+            <a:schemeClr val="accent1">
+              <a:shade val="50000"/>
+            </a:schemeClr>
+          </a:lnRef>
+          <a:fillRef idx="1">
+            <a:schemeClr val="accent1"/>
+          </a:fillRef>
+          <a:effectRef idx="0">
+            <a:schemeClr val="accent1"/>
+          </a:effectRef>
+          <a:fontRef idx="minor">
+            <a:schemeClr val="lt1"/>
+          </a:fontRef>
+        </p:style>
+        <p:txBody>
+          <a:bodyPr rtlCol="0" anchor="ctr"/>
+          <a:lstStyle/>
+          <a:p>
+            <a:pPr algn="ctr"/>
+            <a:endParaRPr kumimoji="1" lang="zh-TW" altLang="en-US">
+              <a:solidFill>
+                <a:schemeClr val="bg2">
+                  <a:lumMod val="75000"/>
+                </a:schemeClr>
+              </a:solidFill>
+            </a:endParaRPr>
+          </a:p>
+        </p:txBody>
+      </p:sp>
+      <p:sp>
+        <p:nvSpPr>
+          <p:cNvPr id="52" name="矩形 51"/>
+          <p:cNvSpPr/>
+          <p:nvPr/>
+        </p:nvSpPr>
+        <p:spPr>
+          <a:xfrm>
+            <a:off x="9827698" y="3784608"/>
+            <a:ext cx="2033173" cy="1913012"/>
+          </a:xfrm>
+          <a:prstGeom prst="rect">
+            <a:avLst/>
+          </a:prstGeom>
+          <a:solidFill>
+            <a:schemeClr val="bg2">
+              <a:lumMod val="50000"/>
+            </a:schemeClr>
+          </a:solidFill>
+          <a:ln>
+            <a:solidFill>
+              <a:schemeClr val="bg1">
+                <a:lumMod val="75000"/>
+              </a:schemeClr>
+            </a:solidFill>
+          </a:ln>
+        </p:spPr>
+        <p:style>
+          <a:lnRef idx="2">
+            <a:schemeClr val="accent1">
+              <a:shade val="50000"/>
+            </a:schemeClr>
+          </a:lnRef>
+          <a:fillRef idx="1">
+            <a:schemeClr val="accent1"/>
+          </a:fillRef>
+          <a:effectRef idx="0">
+            <a:schemeClr val="accent1"/>
+          </a:effectRef>
+          <a:fontRef idx="minor">
+            <a:schemeClr val="lt1"/>
+          </a:fontRef>
+        </p:style>
+        <p:txBody>
+          <a:bodyPr rtlCol="0" anchor="ctr"/>
+          <a:lstStyle/>
+          <a:p>
+            <a:pPr algn="ctr"/>
+            <a:endParaRPr kumimoji="1" lang="zh-TW" altLang="en-US">
+              <a:solidFill>
+                <a:schemeClr val="bg2">
+                  <a:lumMod val="75000"/>
+                </a:schemeClr>
+              </a:solidFill>
+            </a:endParaRPr>
+          </a:p>
+        </p:txBody>
+      </p:sp>
+      <p:sp>
+        <p:nvSpPr>
+          <p:cNvPr id="56" name="矩形 55"/>
+          <p:cNvSpPr/>
+          <p:nvPr/>
+        </p:nvSpPr>
+        <p:spPr>
+          <a:xfrm>
+            <a:off x="2904042" y="5855580"/>
+            <a:ext cx="2026213" cy="529359"/>
+          </a:xfrm>
+          <a:prstGeom prst="rect">
+            <a:avLst/>
+          </a:prstGeom>
+          <a:solidFill>
+            <a:schemeClr val="bg2">
+              <a:lumMod val="75000"/>
+            </a:schemeClr>
+          </a:solidFill>
+          <a:ln>
+            <a:solidFill>
+              <a:schemeClr val="bg1">
+                <a:lumMod val="75000"/>
+              </a:schemeClr>
+            </a:solidFill>
+          </a:ln>
+        </p:spPr>
+        <p:style>
+          <a:lnRef idx="2">
+            <a:schemeClr val="accent1">
+              <a:shade val="50000"/>
+            </a:schemeClr>
+          </a:lnRef>
+          <a:fillRef idx="1">
+            <a:schemeClr val="accent1"/>
+          </a:fillRef>
+          <a:effectRef idx="0">
+            <a:schemeClr val="accent1"/>
+          </a:effectRef>
+          <a:fontRef idx="minor">
+            <a:schemeClr val="lt1"/>
+          </a:fontRef>
+        </p:style>
+        <p:txBody>
+          <a:bodyPr rtlCol="0" anchor="ctr"/>
+          <a:lstStyle/>
+          <a:p>
+            <a:pPr algn="ctr"/>
+            <a:endParaRPr kumimoji="1" lang="zh-TW" altLang="en-US">
+              <a:solidFill>
+                <a:schemeClr val="bg2">
+                  <a:lumMod val="75000"/>
+                </a:schemeClr>
+              </a:solidFill>
+            </a:endParaRPr>
+          </a:p>
+        </p:txBody>
+      </p:sp>
+      <p:sp>
+        <p:nvSpPr>
+          <p:cNvPr id="57" name="文字方塊 56"/>
+          <p:cNvSpPr txBox="1"/>
+          <p:nvPr/>
+        </p:nvSpPr>
+        <p:spPr>
+          <a:xfrm>
+            <a:off x="3508446" y="5897447"/>
+            <a:ext cx="1479037" cy="461665"/>
+          </a:xfrm>
+          <a:prstGeom prst="rect">
+            <a:avLst/>
+          </a:prstGeom>
+          <a:noFill/>
+        </p:spPr>
+        <p:txBody>
+          <a:bodyPr wrap="square" rtlCol="0">
+            <a:spAutoFit/>
+          </a:bodyPr>
+          <a:lstStyle/>
+          <a:p>
+            <a:r>
+              <a:rPr kumimoji="1" lang="en-US" altLang="zh-TW" sz="2400" dirty="0">
+                <a:solidFill>
+                  <a:schemeClr val="bg1"/>
+                </a:solidFill>
+              </a:rPr>
+              <a:t>TEXT</a:t>
+            </a:r>
+            <a:endParaRPr kumimoji="1" lang="zh-TW" altLang="en-US" sz="2400" dirty="0">
+              <a:solidFill>
+                <a:schemeClr val="bg1"/>
+              </a:solidFill>
+            </a:endParaRPr>
+          </a:p>
+        </p:txBody>
+      </p:sp>
+      <p:sp>
+        <p:nvSpPr>
+          <p:cNvPr id="58" name="矩形 57"/>
+          <p:cNvSpPr/>
+          <p:nvPr/>
+        </p:nvSpPr>
+        <p:spPr>
+          <a:xfrm>
+            <a:off x="5218665" y="5861797"/>
+            <a:ext cx="2026213" cy="529359"/>
+          </a:xfrm>
+          <a:prstGeom prst="rect">
+            <a:avLst/>
+          </a:prstGeom>
+          <a:solidFill>
+            <a:schemeClr val="bg2">
+              <a:lumMod val="75000"/>
+            </a:schemeClr>
+          </a:solidFill>
+          <a:ln>
+            <a:solidFill>
+              <a:schemeClr val="bg1">
+                <a:lumMod val="75000"/>
+              </a:schemeClr>
+            </a:solidFill>
+          </a:ln>
+        </p:spPr>
+        <p:style>
+          <a:lnRef idx="2">
+            <a:schemeClr val="accent1">
+              <a:shade val="50000"/>
+            </a:schemeClr>
+          </a:lnRef>
+          <a:fillRef idx="1">
+            <a:schemeClr val="accent1"/>
+          </a:fillRef>
+          <a:effectRef idx="0">
+            <a:schemeClr val="accent1"/>
+          </a:effectRef>
+          <a:fontRef idx="minor">
+            <a:schemeClr val="lt1"/>
+          </a:fontRef>
+        </p:style>
+        <p:txBody>
+          <a:bodyPr rtlCol="0" anchor="ctr"/>
+          <a:lstStyle/>
+          <a:p>
+            <a:pPr algn="ctr"/>
+            <a:endParaRPr kumimoji="1" lang="zh-TW" altLang="en-US">
+              <a:solidFill>
+                <a:schemeClr val="bg2">
+                  <a:lumMod val="75000"/>
+                </a:schemeClr>
+              </a:solidFill>
+            </a:endParaRPr>
+          </a:p>
+        </p:txBody>
+      </p:sp>
+      <p:sp>
+        <p:nvSpPr>
+          <p:cNvPr id="59" name="文字方塊 58"/>
+          <p:cNvSpPr txBox="1"/>
+          <p:nvPr/>
+        </p:nvSpPr>
+        <p:spPr>
+          <a:xfrm>
+            <a:off x="5823069" y="5903664"/>
+            <a:ext cx="1479037" cy="461665"/>
+          </a:xfrm>
+          <a:prstGeom prst="rect">
+            <a:avLst/>
+          </a:prstGeom>
+          <a:noFill/>
+        </p:spPr>
+        <p:txBody>
+          <a:bodyPr wrap="square" rtlCol="0">
+            <a:spAutoFit/>
+          </a:bodyPr>
+          <a:lstStyle/>
+          <a:p>
+            <a:r>
+              <a:rPr kumimoji="1" lang="en-US" altLang="zh-TW" sz="2400" dirty="0">
+                <a:solidFill>
+                  <a:schemeClr val="bg1"/>
+                </a:solidFill>
+              </a:rPr>
+              <a:t>TEXT</a:t>
+            </a:r>
+            <a:endParaRPr kumimoji="1" lang="zh-TW" altLang="en-US" sz="2400" dirty="0">
+              <a:solidFill>
+                <a:schemeClr val="bg1"/>
+              </a:solidFill>
+            </a:endParaRPr>
+          </a:p>
+        </p:txBody>
+      </p:sp>
+      <p:sp>
+        <p:nvSpPr>
+          <p:cNvPr id="60" name="矩形 59"/>
+          <p:cNvSpPr/>
+          <p:nvPr/>
+        </p:nvSpPr>
+        <p:spPr>
+          <a:xfrm>
+            <a:off x="7541788" y="5855580"/>
+            <a:ext cx="2026213" cy="529359"/>
+          </a:xfrm>
+          <a:prstGeom prst="rect">
+            <a:avLst/>
+          </a:prstGeom>
+          <a:solidFill>
+            <a:schemeClr val="bg2">
+              <a:lumMod val="75000"/>
+            </a:schemeClr>
+          </a:solidFill>
+          <a:ln>
+            <a:solidFill>
+              <a:schemeClr val="bg1">
+                <a:lumMod val="75000"/>
+              </a:schemeClr>
+            </a:solidFill>
+          </a:ln>
+        </p:spPr>
+        <p:style>
+          <a:lnRef idx="2">
+            <a:schemeClr val="accent1">
+              <a:shade val="50000"/>
+            </a:schemeClr>
+          </a:lnRef>
+          <a:fillRef idx="1">
+            <a:schemeClr val="accent1"/>
+          </a:fillRef>
+          <a:effectRef idx="0">
+            <a:schemeClr val="accent1"/>
+          </a:effectRef>
+          <a:fontRef idx="minor">
+            <a:schemeClr val="lt1"/>
+          </a:fontRef>
+        </p:style>
+        <p:txBody>
+          <a:bodyPr rtlCol="0" anchor="ctr"/>
+          <a:lstStyle/>
+          <a:p>
+            <a:pPr algn="ctr"/>
+            <a:endParaRPr kumimoji="1" lang="zh-TW" altLang="en-US">
+              <a:solidFill>
+                <a:schemeClr val="bg2">
+                  <a:lumMod val="75000"/>
+                </a:schemeClr>
+              </a:solidFill>
+            </a:endParaRPr>
+          </a:p>
+        </p:txBody>
+      </p:sp>
+      <p:sp>
+        <p:nvSpPr>
+          <p:cNvPr id="61" name="文字方塊 60"/>
+          <p:cNvSpPr txBox="1"/>
+          <p:nvPr/>
+        </p:nvSpPr>
+        <p:spPr>
+          <a:xfrm>
+            <a:off x="8146192" y="5897447"/>
+            <a:ext cx="1479037" cy="461665"/>
+          </a:xfrm>
+          <a:prstGeom prst="rect">
+            <a:avLst/>
+          </a:prstGeom>
+          <a:noFill/>
+        </p:spPr>
+        <p:txBody>
+          <a:bodyPr wrap="square" rtlCol="0">
+            <a:spAutoFit/>
+          </a:bodyPr>
+          <a:lstStyle/>
+          <a:p>
+            <a:r>
+              <a:rPr kumimoji="1" lang="en-US" altLang="zh-TW" sz="2400" dirty="0">
+                <a:solidFill>
+                  <a:schemeClr val="bg1"/>
+                </a:solidFill>
+              </a:rPr>
+              <a:t>TEXT</a:t>
+            </a:r>
+            <a:endParaRPr kumimoji="1" lang="zh-TW" altLang="en-US" sz="2400" dirty="0">
+              <a:solidFill>
+                <a:schemeClr val="bg1"/>
+              </a:solidFill>
+            </a:endParaRPr>
+          </a:p>
+        </p:txBody>
+      </p:sp>
+      <p:sp>
+        <p:nvSpPr>
+          <p:cNvPr id="62" name="矩形 61"/>
+          <p:cNvSpPr/>
+          <p:nvPr/>
+        </p:nvSpPr>
+        <p:spPr>
+          <a:xfrm>
+            <a:off x="9860842" y="5849986"/>
+            <a:ext cx="2026213" cy="529359"/>
+          </a:xfrm>
+          <a:prstGeom prst="rect">
+            <a:avLst/>
+          </a:prstGeom>
+          <a:solidFill>
+            <a:schemeClr val="bg2">
+              <a:lumMod val="75000"/>
+            </a:schemeClr>
+          </a:solidFill>
+          <a:ln>
+            <a:solidFill>
+              <a:schemeClr val="bg1">
+                <a:lumMod val="75000"/>
+              </a:schemeClr>
+            </a:solidFill>
+          </a:ln>
+        </p:spPr>
+        <p:style>
+          <a:lnRef idx="2">
+            <a:schemeClr val="accent1">
+              <a:shade val="50000"/>
+            </a:schemeClr>
+          </a:lnRef>
+          <a:fillRef idx="1">
+            <a:schemeClr val="accent1"/>
+          </a:fillRef>
+          <a:effectRef idx="0">
+            <a:schemeClr val="accent1"/>
+          </a:effectRef>
+          <a:fontRef idx="minor">
+            <a:schemeClr val="lt1"/>
+          </a:fontRef>
+        </p:style>
+        <p:txBody>
+          <a:bodyPr rtlCol="0" anchor="ctr"/>
+          <a:lstStyle/>
+          <a:p>
+            <a:pPr algn="ctr"/>
+            <a:endParaRPr kumimoji="1" lang="zh-TW" altLang="en-US">
+              <a:solidFill>
+                <a:schemeClr val="bg2">
+                  <a:lumMod val="75000"/>
+                </a:schemeClr>
+              </a:solidFill>
+            </a:endParaRPr>
+          </a:p>
+        </p:txBody>
+      </p:sp>
+      <p:sp>
+        <p:nvSpPr>
+          <p:cNvPr id="63" name="文字方塊 62"/>
+          <p:cNvSpPr txBox="1"/>
+          <p:nvPr/>
+        </p:nvSpPr>
+        <p:spPr>
+          <a:xfrm>
+            <a:off x="10465246" y="5891853"/>
+            <a:ext cx="1479037" cy="461665"/>
+          </a:xfrm>
+          <a:prstGeom prst="rect">
+            <a:avLst/>
+          </a:prstGeom>
+          <a:noFill/>
+        </p:spPr>
+        <p:txBody>
+          <a:bodyPr wrap="square" rtlCol="0">
+            <a:spAutoFit/>
+          </a:bodyPr>
+          <a:lstStyle/>
+          <a:p>
+            <a:r>
+              <a:rPr kumimoji="1" lang="en-US" altLang="zh-TW" sz="2400" dirty="0">
+                <a:solidFill>
+                  <a:schemeClr val="bg1"/>
+                </a:solidFill>
+              </a:rPr>
+              <a:t>TEXT</a:t>
+            </a:r>
+            <a:endParaRPr kumimoji="1" lang="zh-TW" altLang="en-US" sz="2400" dirty="0">
+              <a:solidFill>
+                <a:schemeClr val="bg1"/>
+              </a:solidFill>
+            </a:endParaRPr>
+          </a:p>
+        </p:txBody>
+      </p:sp>
+      <p:sp>
+        <p:nvSpPr>
+          <p:cNvPr id="68" name="文字方塊 67"/>
+          <p:cNvSpPr txBox="1"/>
+          <p:nvPr/>
+        </p:nvSpPr>
+        <p:spPr>
+          <a:xfrm>
+            <a:off x="3022491" y="4510280"/>
+            <a:ext cx="2065094" cy="461665"/>
+          </a:xfrm>
+          <a:prstGeom prst="rect">
+            <a:avLst/>
+          </a:prstGeom>
+          <a:noFill/>
+        </p:spPr>
+        <p:txBody>
+          <a:bodyPr wrap="square" rtlCol="0">
+            <a:spAutoFit/>
+          </a:bodyPr>
+          <a:lstStyle/>
+          <a:p>
+            <a:r>
+              <a:rPr kumimoji="1" lang="en-US" altLang="zh-TW" sz="2400" dirty="0">
+                <a:solidFill>
+                  <a:schemeClr val="bg1"/>
+                </a:solidFill>
+              </a:rPr>
+              <a:t>ITEM IMAGE</a:t>
+            </a:r>
+            <a:r>
+              <a:rPr kumimoji="1" lang="zh-CN" altLang="en-US" sz="2400" dirty="0">
+                <a:solidFill>
+                  <a:schemeClr val="bg1"/>
+                </a:solidFill>
+              </a:rPr>
+              <a:t> </a:t>
+            </a:r>
+            <a:r>
+              <a:rPr kumimoji="1" lang="en-US" altLang="zh-CN" sz="2400" dirty="0">
+                <a:solidFill>
+                  <a:schemeClr val="bg1"/>
+                </a:solidFill>
+              </a:rPr>
+              <a:t>2</a:t>
+            </a:r>
+            <a:endParaRPr kumimoji="1" lang="zh-TW" altLang="en-US" sz="2400" dirty="0">
+              <a:solidFill>
+                <a:schemeClr val="bg1"/>
+              </a:solidFill>
+            </a:endParaRPr>
+          </a:p>
+        </p:txBody>
+      </p:sp>
+      <p:sp>
+        <p:nvSpPr>
+          <p:cNvPr id="69" name="文字方塊 68"/>
+          <p:cNvSpPr txBox="1"/>
+          <p:nvPr/>
+        </p:nvSpPr>
+        <p:spPr>
+          <a:xfrm>
+            <a:off x="5315726" y="4510280"/>
+            <a:ext cx="2065094" cy="461665"/>
+          </a:xfrm>
+          <a:prstGeom prst="rect">
+            <a:avLst/>
+          </a:prstGeom>
+          <a:noFill/>
+        </p:spPr>
+        <p:txBody>
+          <a:bodyPr wrap="square" rtlCol="0">
+            <a:spAutoFit/>
+          </a:bodyPr>
+          <a:lstStyle/>
+          <a:p>
+            <a:r>
+              <a:rPr kumimoji="1" lang="en-US" altLang="zh-TW" sz="2400" dirty="0">
+                <a:solidFill>
+                  <a:schemeClr val="bg1"/>
+                </a:solidFill>
+              </a:rPr>
+              <a:t>ITEM IMAGE</a:t>
+            </a:r>
+            <a:r>
+              <a:rPr kumimoji="1" lang="zh-CN" altLang="en-US" sz="2400" dirty="0">
+                <a:solidFill>
+                  <a:schemeClr val="bg1"/>
+                </a:solidFill>
+              </a:rPr>
+              <a:t> </a:t>
+            </a:r>
+            <a:r>
+              <a:rPr kumimoji="1" lang="en-US" altLang="zh-CN" sz="2400" dirty="0">
+                <a:solidFill>
+                  <a:schemeClr val="bg1"/>
+                </a:solidFill>
+              </a:rPr>
+              <a:t>3</a:t>
+            </a:r>
+            <a:endParaRPr kumimoji="1" lang="zh-TW" altLang="en-US" sz="2400" dirty="0">
+              <a:solidFill>
+                <a:schemeClr val="bg1"/>
+              </a:solidFill>
+            </a:endParaRPr>
+          </a:p>
+        </p:txBody>
+      </p:sp>
+      <p:sp>
+        <p:nvSpPr>
+          <p:cNvPr id="70" name="文字方塊 69"/>
+          <p:cNvSpPr txBox="1"/>
+          <p:nvPr/>
+        </p:nvSpPr>
+        <p:spPr>
+          <a:xfrm>
+            <a:off x="7590007" y="4510279"/>
+            <a:ext cx="2065094" cy="461665"/>
+          </a:xfrm>
+          <a:prstGeom prst="rect">
+            <a:avLst/>
+          </a:prstGeom>
+          <a:noFill/>
+        </p:spPr>
+        <p:txBody>
+          <a:bodyPr wrap="square" rtlCol="0">
+            <a:spAutoFit/>
+          </a:bodyPr>
+          <a:lstStyle/>
+          <a:p>
+            <a:r>
+              <a:rPr kumimoji="1" lang="en-US" altLang="zh-TW" sz="2400" dirty="0">
+                <a:solidFill>
+                  <a:schemeClr val="bg1"/>
+                </a:solidFill>
+              </a:rPr>
+              <a:t>ITEM IMAGE</a:t>
+            </a:r>
+            <a:r>
+              <a:rPr kumimoji="1" lang="zh-CN" altLang="en-US" sz="2400" dirty="0">
+                <a:solidFill>
+                  <a:schemeClr val="bg1"/>
+                </a:solidFill>
+              </a:rPr>
+              <a:t> </a:t>
+            </a:r>
+            <a:r>
+              <a:rPr kumimoji="1" lang="en-US" altLang="zh-CN" sz="2400" dirty="0">
+                <a:solidFill>
+                  <a:schemeClr val="bg1"/>
+                </a:solidFill>
+              </a:rPr>
+              <a:t>4</a:t>
+            </a:r>
+            <a:endParaRPr kumimoji="1" lang="zh-TW" altLang="en-US" sz="2400" dirty="0">
+              <a:solidFill>
+                <a:schemeClr val="bg1"/>
+              </a:solidFill>
+            </a:endParaRPr>
+          </a:p>
+        </p:txBody>
+      </p:sp>
+      <p:sp>
+        <p:nvSpPr>
+          <p:cNvPr id="71" name="文字方塊 70"/>
+          <p:cNvSpPr txBox="1"/>
+          <p:nvPr/>
+        </p:nvSpPr>
+        <p:spPr>
+          <a:xfrm>
+            <a:off x="9968374" y="4510278"/>
+            <a:ext cx="2065094" cy="461665"/>
+          </a:xfrm>
+          <a:prstGeom prst="rect">
+            <a:avLst/>
+          </a:prstGeom>
+          <a:noFill/>
+        </p:spPr>
+        <p:txBody>
+          <a:bodyPr wrap="square" rtlCol="0">
+            <a:spAutoFit/>
+          </a:bodyPr>
+          <a:lstStyle/>
+          <a:p>
+            <a:r>
+              <a:rPr kumimoji="1" lang="en-US" altLang="zh-TW" sz="2400" dirty="0">
+                <a:solidFill>
+                  <a:schemeClr val="bg1"/>
+                </a:solidFill>
+              </a:rPr>
+              <a:t>ITEM IMAGE</a:t>
+            </a:r>
+            <a:r>
+              <a:rPr kumimoji="1" lang="zh-CN" altLang="en-US" sz="2400" dirty="0">
+                <a:solidFill>
+                  <a:schemeClr val="bg1"/>
+                </a:solidFill>
+              </a:rPr>
+              <a:t> </a:t>
+            </a:r>
+            <a:r>
+              <a:rPr kumimoji="1" lang="en-US" altLang="zh-CN" sz="2400" dirty="0">
+                <a:solidFill>
+                  <a:schemeClr val="bg1"/>
+                </a:solidFill>
+              </a:rPr>
+              <a:t>5</a:t>
+            </a:r>
+            <a:endParaRPr kumimoji="1" lang="zh-TW" altLang="en-US" sz="2400" dirty="0">
+              <a:solidFill>
+                <a:schemeClr val="bg1"/>
+              </a:solidFill>
+            </a:endParaRPr>
+          </a:p>
+        </p:txBody>
+      </p:sp>
+      <p:sp>
+        <p:nvSpPr>
+          <p:cNvPr id="73" name="矩形 72"/>
+          <p:cNvSpPr/>
+          <p:nvPr/>
+        </p:nvSpPr>
+        <p:spPr>
+          <a:xfrm>
+            <a:off x="612721" y="6536592"/>
+            <a:ext cx="4123750" cy="195712"/>
+          </a:xfrm>
+          <a:prstGeom prst="rect">
+            <a:avLst/>
+          </a:prstGeom>
+          <a:solidFill>
+            <a:schemeClr val="bg2">
+              <a:lumMod val="75000"/>
+            </a:schemeClr>
+          </a:solidFill>
+          <a:ln>
+            <a:solidFill>
+              <a:schemeClr val="bg1">
+                <a:lumMod val="75000"/>
+              </a:schemeClr>
+            </a:solidFill>
+          </a:ln>
+        </p:spPr>
+        <p:style>
+          <a:lnRef idx="2">
+            <a:schemeClr val="accent1">
+              <a:shade val="50000"/>
+            </a:schemeClr>
+          </a:lnRef>
+          <a:fillRef idx="1">
+            <a:schemeClr val="accent1"/>
+          </a:fillRef>
+          <a:effectRef idx="0">
+            <a:schemeClr val="accent1"/>
+          </a:effectRef>
+          <a:fontRef idx="minor">
+            <a:schemeClr val="lt1"/>
+          </a:fontRef>
+        </p:style>
+        <p:txBody>
+          <a:bodyPr rtlCol="0" anchor="ctr"/>
+          <a:lstStyle/>
+          <a:p>
+            <a:pPr algn="ctr"/>
+            <a:endParaRPr kumimoji="1" lang="zh-TW" altLang="en-US">
+              <a:solidFill>
+                <a:schemeClr val="bg2">
+                  <a:lumMod val="75000"/>
+                </a:schemeClr>
+              </a:solidFill>
+            </a:endParaRPr>
+          </a:p>
+        </p:txBody>
+      </p:sp>
+      <p:sp>
+        <p:nvSpPr>
+          <p:cNvPr id="75" name="矩形 74"/>
+          <p:cNvSpPr/>
+          <p:nvPr/>
+        </p:nvSpPr>
+        <p:spPr>
+          <a:xfrm>
+            <a:off x="5032488" y="6542842"/>
+            <a:ext cx="319814" cy="189462"/>
+          </a:xfrm>
+          <a:prstGeom prst="rect">
+            <a:avLst/>
+          </a:prstGeom>
+          <a:solidFill>
+            <a:schemeClr val="bg2">
+              <a:lumMod val="75000"/>
+            </a:schemeClr>
+          </a:solidFill>
+          <a:ln>
+            <a:solidFill>
+              <a:schemeClr val="bg1">
+                <a:lumMod val="75000"/>
+              </a:schemeClr>
+            </a:solidFill>
+          </a:ln>
+        </p:spPr>
+        <p:style>
+          <a:lnRef idx="2">
+            <a:schemeClr val="accent1">
+              <a:shade val="50000"/>
+            </a:schemeClr>
+          </a:lnRef>
+          <a:fillRef idx="1">
+            <a:schemeClr val="accent1"/>
+          </a:fillRef>
+          <a:effectRef idx="0">
+            <a:schemeClr val="accent1"/>
+          </a:effectRef>
+          <a:fontRef idx="minor">
+            <a:schemeClr val="lt1"/>
+          </a:fontRef>
+        </p:style>
+        <p:txBody>
+          <a:bodyPr rtlCol="0" anchor="ctr"/>
+          <a:lstStyle/>
+          <a:p>
+            <a:pPr algn="ctr"/>
+            <a:endParaRPr kumimoji="1" lang="zh-TW" altLang="en-US">
+              <a:solidFill>
+                <a:schemeClr val="bg2">
+                  <a:lumMod val="75000"/>
+                </a:schemeClr>
+              </a:solidFill>
+            </a:endParaRPr>
+          </a:p>
+        </p:txBody>
+      </p:sp>
+      <p:sp>
+        <p:nvSpPr>
+          <p:cNvPr id="76" name="矩形 75"/>
+          <p:cNvSpPr/>
+          <p:nvPr/>
+        </p:nvSpPr>
+        <p:spPr>
+          <a:xfrm>
+            <a:off x="5488412" y="6537404"/>
+            <a:ext cx="319814" cy="189462"/>
+          </a:xfrm>
+          <a:prstGeom prst="rect">
+            <a:avLst/>
+          </a:prstGeom>
+          <a:solidFill>
+            <a:schemeClr val="bg2">
+              <a:lumMod val="75000"/>
+            </a:schemeClr>
+          </a:solidFill>
+          <a:ln>
+            <a:solidFill>
+              <a:schemeClr val="bg1">
+                <a:lumMod val="75000"/>
+              </a:schemeClr>
+            </a:solidFill>
+          </a:ln>
+        </p:spPr>
+        <p:style>
+          <a:lnRef idx="2">
+            <a:schemeClr val="accent1">
+              <a:shade val="50000"/>
+            </a:schemeClr>
+          </a:lnRef>
+          <a:fillRef idx="1">
+            <a:schemeClr val="accent1"/>
+          </a:fillRef>
+          <a:effectRef idx="0">
+            <a:schemeClr val="accent1"/>
+          </a:effectRef>
+          <a:fontRef idx="minor">
+            <a:schemeClr val="lt1"/>
+          </a:fontRef>
+        </p:style>
+        <p:txBody>
+          <a:bodyPr rtlCol="0" anchor="ctr"/>
+          <a:lstStyle/>
+          <a:p>
+            <a:pPr algn="ctr"/>
+            <a:endParaRPr kumimoji="1" lang="zh-TW" altLang="en-US">
+              <a:solidFill>
+                <a:schemeClr val="bg2">
+                  <a:lumMod val="75000"/>
+                </a:schemeClr>
+              </a:solidFill>
+            </a:endParaRPr>
+          </a:p>
+        </p:txBody>
+      </p:sp>
+      <p:sp>
+        <p:nvSpPr>
+          <p:cNvPr id="77" name="矩形 76"/>
+          <p:cNvSpPr/>
+          <p:nvPr/>
+        </p:nvSpPr>
+        <p:spPr>
+          <a:xfrm>
+            <a:off x="5956376" y="6542842"/>
+            <a:ext cx="319814" cy="189462"/>
+          </a:xfrm>
+          <a:prstGeom prst="rect">
+            <a:avLst/>
+          </a:prstGeom>
+          <a:solidFill>
+            <a:schemeClr val="bg2">
+              <a:lumMod val="75000"/>
+            </a:schemeClr>
+          </a:solidFill>
+          <a:ln>
+            <a:solidFill>
+              <a:schemeClr val="bg1">
+                <a:lumMod val="75000"/>
+              </a:schemeClr>
+            </a:solidFill>
+          </a:ln>
+        </p:spPr>
+        <p:style>
+          <a:lnRef idx="2">
+            <a:schemeClr val="accent1">
+              <a:shade val="50000"/>
+            </a:schemeClr>
+          </a:lnRef>
+          <a:fillRef idx="1">
+            <a:schemeClr val="accent1"/>
+          </a:fillRef>
+          <a:effectRef idx="0">
+            <a:schemeClr val="accent1"/>
+          </a:effectRef>
+          <a:fontRef idx="minor">
+            <a:schemeClr val="lt1"/>
+          </a:fontRef>
+        </p:style>
+        <p:txBody>
+          <a:bodyPr rtlCol="0" anchor="ctr"/>
+          <a:lstStyle/>
+          <a:p>
+            <a:pPr algn="ctr"/>
+            <a:endParaRPr kumimoji="1" lang="zh-TW" altLang="en-US">
+              <a:solidFill>
+                <a:schemeClr val="bg2">
+                  <a:lumMod val="75000"/>
+                </a:schemeClr>
+              </a:solidFill>
+            </a:endParaRPr>
+          </a:p>
+        </p:txBody>
+      </p:sp>
+      <p:sp>
+        <p:nvSpPr>
+          <p:cNvPr id="45" name="矩形 10"/>
+          <p:cNvSpPr/>
+          <p:nvPr/>
+        </p:nvSpPr>
+        <p:spPr>
+          <a:xfrm>
+            <a:off x="3840069" y="100081"/>
+            <a:ext cx="4409391" cy="369332"/>
+          </a:xfrm>
+          <a:prstGeom prst="rect">
+            <a:avLst/>
+          </a:prstGeom>
+          <a:solidFill>
+            <a:schemeClr val="tx1">
+              <a:lumMod val="50000"/>
+              <a:lumOff val="50000"/>
+            </a:schemeClr>
+          </a:solidFill>
+          <a:ln>
+            <a:solidFill>
+              <a:schemeClr val="bg2">
+                <a:lumMod val="50000"/>
+              </a:schemeClr>
+            </a:solidFill>
+          </a:ln>
+        </p:spPr>
+        <p:style>
+          <a:lnRef idx="2">
+            <a:schemeClr val="accent1">
+              <a:shade val="50000"/>
+            </a:schemeClr>
+          </a:lnRef>
+          <a:fillRef idx="1">
+            <a:schemeClr val="accent1"/>
+          </a:fillRef>
+          <a:effectRef idx="0">
+            <a:schemeClr val="accent1"/>
+          </a:effectRef>
+          <a:fontRef idx="minor">
+            <a:schemeClr val="lt1"/>
+          </a:fontRef>
+        </p:style>
+        <p:txBody>
+          <a:bodyPr rtlCol="0" anchor="ctr"/>
+          <a:lstStyle/>
+          <a:p>
+            <a:pPr algn="ctr"/>
+            <a:endParaRPr kumimoji="1" lang="zh-TW" altLang="en-US"/>
+          </a:p>
+        </p:txBody>
+      </p:sp>
+      <p:sp>
+        <p:nvSpPr>
+          <p:cNvPr id="46" name="文字方塊 11"/>
+          <p:cNvSpPr txBox="1"/>
+          <p:nvPr/>
+        </p:nvSpPr>
+        <p:spPr>
+          <a:xfrm>
+            <a:off x="5635184" y="129995"/>
+            <a:ext cx="2434138" cy="369332"/>
+          </a:xfrm>
+          <a:prstGeom prst="rect">
+            <a:avLst/>
+          </a:prstGeom>
+          <a:noFill/>
+        </p:spPr>
+        <p:txBody>
+          <a:bodyPr wrap="square" rtlCol="0">
+            <a:spAutoFit/>
+          </a:bodyPr>
+          <a:lstStyle/>
+          <a:p>
+            <a:r>
+              <a:rPr kumimoji="1" lang="en-US" altLang="zh-TW" dirty="0">
+                <a:solidFill>
+                  <a:schemeClr val="bg1"/>
+                </a:solidFill>
+              </a:rPr>
+              <a:t>SEARCH</a:t>
+            </a:r>
+            <a:endParaRPr kumimoji="1" lang="zh-TW" altLang="en-US" dirty="0">
+              <a:solidFill>
+                <a:schemeClr val="bg1"/>
+              </a:solidFill>
+            </a:endParaRPr>
+          </a:p>
+        </p:txBody>
+      </p:sp>
+    </p:spTree>
+    <p:extLst>
+      <p:ext uri="{BB962C8B-B14F-4D97-AF65-F5344CB8AC3E}">
+        <p14:creationId xmlns:p14="http://schemas.microsoft.com/office/powerpoint/2010/main" val="3963243065"/>
+      </p:ext>
+    </p:extLst>
+  </p:cSld>
+  <p:clrMapOvr>
+    <a:masterClrMapping/>
+  </p:clrMapOvr>
+</p:sld>
+</file>
+
+<file path=ppt/slides/slide6.xml><?xml version="1.0" encoding="utf-8"?>
+<p:sld xmlns:a="http://schemas.openxmlformats.org/drawingml/2006/main" xmlns:r="http://schemas.openxmlformats.org/officeDocument/2006/relationships" xmlns:p="http://schemas.openxmlformats.org/presentationml/2006/main">
+  <p:cSld>
+    <p:spTree>
+      <p:nvGrpSpPr>
+        <p:cNvPr id="1" name=""/>
+        <p:cNvGrpSpPr/>
+        <p:nvPr/>
+      </p:nvGrpSpPr>
+      <p:grpSpPr>
+        <a:xfrm>
+          <a:off x="0" y="0"/>
+          <a:ext cx="0" cy="0"/>
+          <a:chOff x="0" y="0"/>
+          <a:chExt cx="0" cy="0"/>
+        </a:xfrm>
+      </p:grpSpPr>
+      <p:sp>
+        <p:nvSpPr>
+          <p:cNvPr id="5" name="矩形 4"/>
+          <p:cNvSpPr/>
+          <p:nvPr/>
+        </p:nvSpPr>
+        <p:spPr>
+          <a:xfrm>
+            <a:off x="612721" y="666121"/>
+            <a:ext cx="1847051" cy="319990"/>
+          </a:xfrm>
+          <a:prstGeom prst="rect">
+            <a:avLst/>
+          </a:prstGeom>
+          <a:solidFill>
+            <a:schemeClr val="bg2">
+              <a:lumMod val="75000"/>
+            </a:schemeClr>
+          </a:solidFill>
+          <a:ln w="63500">
+            <a:noFill/>
+          </a:ln>
+        </p:spPr>
+        <p:style>
+          <a:lnRef idx="2">
+            <a:schemeClr val="accent1">
+              <a:shade val="50000"/>
+            </a:schemeClr>
+          </a:lnRef>
+          <a:fillRef idx="1">
+            <a:schemeClr val="accent1"/>
+          </a:fillRef>
+          <a:effectRef idx="0">
+            <a:schemeClr val="accent1"/>
+          </a:effectRef>
+          <a:fontRef idx="minor">
+            <a:schemeClr val="lt1"/>
+          </a:fontRef>
+        </p:style>
+        <p:txBody>
+          <a:bodyPr rtlCol="0" anchor="ctr"/>
+          <a:lstStyle/>
+          <a:p>
+            <a:pPr algn="ctr"/>
+            <a:endParaRPr kumimoji="1" lang="zh-TW" altLang="en-US">
+              <a:solidFill>
+                <a:schemeClr val="bg2">
+                  <a:lumMod val="75000"/>
+                </a:schemeClr>
+              </a:solidFill>
+            </a:endParaRPr>
+          </a:p>
+        </p:txBody>
+      </p:sp>
+      <p:sp>
+        <p:nvSpPr>
+          <p:cNvPr id="11" name="矩形 10"/>
+          <p:cNvSpPr/>
+          <p:nvPr/>
+        </p:nvSpPr>
+        <p:spPr>
+          <a:xfrm>
+            <a:off x="627529" y="111538"/>
+            <a:ext cx="2291000" cy="369332"/>
+          </a:xfrm>
+          <a:prstGeom prst="rect">
+            <a:avLst/>
+          </a:prstGeom>
+          <a:solidFill>
+            <a:schemeClr val="tx1">
+              <a:lumMod val="50000"/>
+              <a:lumOff val="50000"/>
+            </a:schemeClr>
+          </a:solidFill>
+          <a:ln>
+            <a:solidFill>
+              <a:schemeClr val="bg2">
+                <a:lumMod val="50000"/>
+              </a:schemeClr>
+            </a:solidFill>
+          </a:ln>
+        </p:spPr>
+        <p:style>
+          <a:lnRef idx="2">
+            <a:schemeClr val="accent1">
+              <a:shade val="50000"/>
+            </a:schemeClr>
+          </a:lnRef>
+          <a:fillRef idx="1">
+            <a:schemeClr val="accent1"/>
+          </a:fillRef>
+          <a:effectRef idx="0">
+            <a:schemeClr val="accent1"/>
+          </a:effectRef>
+          <a:fontRef idx="minor">
+            <a:schemeClr val="lt1"/>
+          </a:fontRef>
+        </p:style>
+        <p:txBody>
+          <a:bodyPr rtlCol="0" anchor="ctr"/>
+          <a:lstStyle/>
+          <a:p>
+            <a:pPr algn="ctr"/>
+            <a:endParaRPr kumimoji="1" lang="zh-TW" altLang="en-US"/>
+          </a:p>
+        </p:txBody>
+      </p:sp>
+      <p:sp>
+        <p:nvSpPr>
+          <p:cNvPr id="12" name="文字方塊 11"/>
+          <p:cNvSpPr txBox="1"/>
+          <p:nvPr/>
+        </p:nvSpPr>
+        <p:spPr>
+          <a:xfrm>
+            <a:off x="1025150" y="111825"/>
+            <a:ext cx="2434138" cy="369332"/>
+          </a:xfrm>
+          <a:prstGeom prst="rect">
+            <a:avLst/>
+          </a:prstGeom>
+          <a:noFill/>
+        </p:spPr>
+        <p:txBody>
+          <a:bodyPr wrap="square" rtlCol="0">
+            <a:spAutoFit/>
+          </a:bodyPr>
+          <a:lstStyle/>
+          <a:p>
+            <a:r>
+              <a:rPr kumimoji="1" lang="en-US" altLang="zh-TW" dirty="0">
+                <a:solidFill>
+                  <a:schemeClr val="bg1"/>
+                </a:solidFill>
+              </a:rPr>
+              <a:t>LOGO</a:t>
+            </a:r>
+            <a:endParaRPr kumimoji="1" lang="zh-TW" altLang="en-US" dirty="0">
+              <a:solidFill>
+                <a:schemeClr val="bg1"/>
+              </a:solidFill>
+            </a:endParaRPr>
+          </a:p>
+        </p:txBody>
+      </p:sp>
+      <p:sp>
+        <p:nvSpPr>
+          <p:cNvPr id="13" name="矩形 12"/>
+          <p:cNvSpPr/>
+          <p:nvPr/>
+        </p:nvSpPr>
+        <p:spPr>
+          <a:xfrm>
+            <a:off x="9156238" y="70696"/>
+            <a:ext cx="2623152" cy="428103"/>
+          </a:xfrm>
+          <a:prstGeom prst="rect">
+            <a:avLst/>
+          </a:prstGeom>
+          <a:solidFill>
+            <a:schemeClr val="bg2">
+              <a:lumMod val="50000"/>
+            </a:schemeClr>
+          </a:solidFill>
+          <a:ln w="76200">
+            <a:solidFill>
+              <a:schemeClr val="accent2">
+                <a:lumMod val="50000"/>
+              </a:schemeClr>
+            </a:solidFill>
+          </a:ln>
+        </p:spPr>
+        <p:style>
+          <a:lnRef idx="2">
+            <a:schemeClr val="accent1">
+              <a:shade val="50000"/>
+            </a:schemeClr>
+          </a:lnRef>
+          <a:fillRef idx="1">
+            <a:schemeClr val="accent1"/>
+          </a:fillRef>
+          <a:effectRef idx="0">
+            <a:schemeClr val="accent1"/>
+          </a:effectRef>
+          <a:fontRef idx="minor">
+            <a:schemeClr val="lt1"/>
+          </a:fontRef>
+        </p:style>
+        <p:txBody>
+          <a:bodyPr rtlCol="0" anchor="ctr"/>
+          <a:lstStyle/>
+          <a:p>
+            <a:pPr algn="ctr"/>
+            <a:endParaRPr kumimoji="1" lang="zh-TW" altLang="en-US"/>
+          </a:p>
+        </p:txBody>
+      </p:sp>
+      <p:sp>
+        <p:nvSpPr>
+          <p:cNvPr id="14" name="文字方塊 13"/>
+          <p:cNvSpPr txBox="1"/>
+          <p:nvPr/>
+        </p:nvSpPr>
+        <p:spPr>
+          <a:xfrm>
+            <a:off x="10077778" y="88625"/>
+            <a:ext cx="985141" cy="369332"/>
+          </a:xfrm>
+          <a:prstGeom prst="rect">
+            <a:avLst/>
+          </a:prstGeom>
+          <a:noFill/>
+        </p:spPr>
+        <p:txBody>
+          <a:bodyPr wrap="none" rtlCol="0">
+            <a:spAutoFit/>
+          </a:bodyPr>
+          <a:lstStyle/>
+          <a:p>
+            <a:r>
+              <a:rPr kumimoji="1" lang="en-US" altLang="zh-TW" dirty="0">
+                <a:solidFill>
+                  <a:schemeClr val="bg1"/>
+                </a:solidFill>
+              </a:rPr>
+              <a:t>MYPAGE</a:t>
+            </a:r>
+            <a:endParaRPr kumimoji="1" lang="zh-TW" altLang="en-US" dirty="0">
+              <a:solidFill>
+                <a:schemeClr val="bg1"/>
+              </a:solidFill>
+            </a:endParaRPr>
+          </a:p>
+        </p:txBody>
+      </p:sp>
+      <p:sp>
+        <p:nvSpPr>
+          <p:cNvPr id="15" name="文字方塊 14"/>
+          <p:cNvSpPr txBox="1"/>
+          <p:nvPr/>
+        </p:nvSpPr>
+        <p:spPr>
+          <a:xfrm>
+            <a:off x="1137242" y="626598"/>
+            <a:ext cx="750526" cy="369332"/>
+          </a:xfrm>
+          <a:prstGeom prst="rect">
+            <a:avLst/>
+          </a:prstGeom>
+          <a:noFill/>
+        </p:spPr>
+        <p:txBody>
+          <a:bodyPr wrap="none" rtlCol="0">
+            <a:spAutoFit/>
+          </a:bodyPr>
+          <a:lstStyle/>
+          <a:p>
+            <a:r>
+              <a:rPr kumimoji="1" lang="en-US" altLang="zh-TW" dirty="0">
+                <a:solidFill>
+                  <a:schemeClr val="bg1"/>
+                </a:solidFill>
+              </a:rPr>
+              <a:t>Home</a:t>
+            </a:r>
+            <a:endParaRPr kumimoji="1" lang="zh-TW" altLang="en-US" dirty="0">
+              <a:solidFill>
+                <a:schemeClr val="bg1"/>
+              </a:solidFill>
+            </a:endParaRPr>
+          </a:p>
+        </p:txBody>
+      </p:sp>
+      <p:sp>
+        <p:nvSpPr>
+          <p:cNvPr id="23" name="矩形 22"/>
+          <p:cNvSpPr/>
+          <p:nvPr/>
+        </p:nvSpPr>
+        <p:spPr>
+          <a:xfrm>
+            <a:off x="2904040" y="666110"/>
+            <a:ext cx="1847051" cy="319990"/>
+          </a:xfrm>
+          <a:prstGeom prst="rect">
+            <a:avLst/>
+          </a:prstGeom>
+          <a:solidFill>
+            <a:schemeClr val="bg2">
+              <a:lumMod val="75000"/>
+            </a:schemeClr>
+          </a:solidFill>
+          <a:ln>
+            <a:solidFill>
+              <a:schemeClr val="bg1">
+                <a:lumMod val="75000"/>
+              </a:schemeClr>
+            </a:solidFill>
+          </a:ln>
+        </p:spPr>
+        <p:style>
+          <a:lnRef idx="2">
+            <a:schemeClr val="accent1">
+              <a:shade val="50000"/>
+            </a:schemeClr>
+          </a:lnRef>
+          <a:fillRef idx="1">
+            <a:schemeClr val="accent1"/>
+          </a:fillRef>
+          <a:effectRef idx="0">
+            <a:schemeClr val="accent1"/>
+          </a:effectRef>
+          <a:fontRef idx="minor">
+            <a:schemeClr val="lt1"/>
+          </a:fontRef>
+        </p:style>
+        <p:txBody>
+          <a:bodyPr rtlCol="0" anchor="ctr"/>
+          <a:lstStyle/>
+          <a:p>
+            <a:pPr algn="ctr"/>
+            <a:endParaRPr kumimoji="1" lang="zh-TW" altLang="en-US">
+              <a:solidFill>
+                <a:schemeClr val="bg2">
+                  <a:lumMod val="75000"/>
+                </a:schemeClr>
+              </a:solidFill>
+            </a:endParaRPr>
+          </a:p>
+        </p:txBody>
+      </p:sp>
+      <p:sp>
+        <p:nvSpPr>
+          <p:cNvPr id="24" name="文字方塊 23"/>
+          <p:cNvSpPr txBox="1"/>
+          <p:nvPr/>
+        </p:nvSpPr>
+        <p:spPr>
+          <a:xfrm>
+            <a:off x="3311802" y="643198"/>
+            <a:ext cx="1524200" cy="369332"/>
+          </a:xfrm>
+          <a:prstGeom prst="rect">
+            <a:avLst/>
+          </a:prstGeom>
+          <a:noFill/>
+        </p:spPr>
+        <p:txBody>
+          <a:bodyPr wrap="none" rtlCol="0">
+            <a:spAutoFit/>
+          </a:bodyPr>
+          <a:lstStyle/>
+          <a:p>
+            <a:r>
+              <a:rPr kumimoji="1" lang="en-US" altLang="zh-TW" dirty="0">
+                <a:solidFill>
+                  <a:schemeClr val="bg1"/>
+                </a:solidFill>
+              </a:rPr>
+              <a:t>SEARCH Det</a:t>
+            </a:r>
+            <a:r>
+              <a:rPr kumimoji="1" lang="en-US" altLang="zh-CN" dirty="0">
+                <a:solidFill>
+                  <a:schemeClr val="bg1"/>
+                </a:solidFill>
+              </a:rPr>
+              <a:t>ai</a:t>
+            </a:r>
+            <a:r>
+              <a:rPr kumimoji="1" lang="en-US" altLang="zh-TW" dirty="0">
+                <a:solidFill>
+                  <a:schemeClr val="bg1"/>
+                </a:solidFill>
+              </a:rPr>
+              <a:t>l</a:t>
+            </a:r>
+            <a:endParaRPr kumimoji="1" lang="zh-TW" altLang="en-US" dirty="0">
+              <a:solidFill>
+                <a:schemeClr val="bg1"/>
+              </a:solidFill>
+            </a:endParaRPr>
+          </a:p>
+        </p:txBody>
+      </p:sp>
+      <p:sp>
+        <p:nvSpPr>
+          <p:cNvPr id="25" name="矩形 24"/>
+          <p:cNvSpPr/>
+          <p:nvPr/>
+        </p:nvSpPr>
+        <p:spPr>
+          <a:xfrm>
+            <a:off x="5192758" y="657587"/>
+            <a:ext cx="1847051" cy="319990"/>
+          </a:xfrm>
+          <a:prstGeom prst="rect">
+            <a:avLst/>
+          </a:prstGeom>
+          <a:solidFill>
+            <a:schemeClr val="bg2">
+              <a:lumMod val="75000"/>
+            </a:schemeClr>
+          </a:solidFill>
+          <a:ln>
+            <a:solidFill>
+              <a:schemeClr val="bg1">
+                <a:lumMod val="75000"/>
+              </a:schemeClr>
+            </a:solidFill>
+          </a:ln>
+        </p:spPr>
+        <p:style>
+          <a:lnRef idx="2">
+            <a:schemeClr val="accent1">
+              <a:shade val="50000"/>
+            </a:schemeClr>
+          </a:lnRef>
+          <a:fillRef idx="1">
+            <a:schemeClr val="accent1"/>
+          </a:fillRef>
+          <a:effectRef idx="0">
+            <a:schemeClr val="accent1"/>
+          </a:effectRef>
+          <a:fontRef idx="minor">
+            <a:schemeClr val="lt1"/>
+          </a:fontRef>
+        </p:style>
+        <p:txBody>
+          <a:bodyPr rtlCol="0" anchor="ctr"/>
+          <a:lstStyle/>
+          <a:p>
+            <a:pPr algn="ctr"/>
+            <a:endParaRPr kumimoji="1" lang="zh-TW" altLang="en-US">
+              <a:solidFill>
+                <a:schemeClr val="bg2">
+                  <a:lumMod val="75000"/>
+                </a:schemeClr>
+              </a:solidFill>
+            </a:endParaRPr>
+          </a:p>
+        </p:txBody>
+      </p:sp>
+      <p:sp>
+        <p:nvSpPr>
+          <p:cNvPr id="26" name="文字方塊 25"/>
+          <p:cNvSpPr txBox="1"/>
+          <p:nvPr/>
+        </p:nvSpPr>
+        <p:spPr>
+          <a:xfrm>
+            <a:off x="5473144" y="635955"/>
+            <a:ext cx="1076449" cy="369332"/>
+          </a:xfrm>
+          <a:prstGeom prst="rect">
+            <a:avLst/>
+          </a:prstGeom>
+          <a:noFill/>
+        </p:spPr>
+        <p:txBody>
+          <a:bodyPr wrap="none" rtlCol="0">
+            <a:spAutoFit/>
+          </a:bodyPr>
+          <a:lstStyle/>
+          <a:p>
+            <a:r>
+              <a:rPr kumimoji="1" lang="en-US" altLang="zh-TW" dirty="0">
+                <a:solidFill>
+                  <a:schemeClr val="bg1"/>
+                </a:solidFill>
+              </a:rPr>
+              <a:t>REGISTER</a:t>
+            </a:r>
+            <a:endParaRPr kumimoji="1" lang="zh-TW" altLang="en-US" dirty="0">
+              <a:solidFill>
+                <a:schemeClr val="bg1"/>
+              </a:solidFill>
+            </a:endParaRPr>
+          </a:p>
+        </p:txBody>
+      </p:sp>
+      <p:sp>
+        <p:nvSpPr>
+          <p:cNvPr id="27" name="矩形 26"/>
+          <p:cNvSpPr/>
+          <p:nvPr/>
+        </p:nvSpPr>
+        <p:spPr>
+          <a:xfrm>
+            <a:off x="7699029" y="657587"/>
+            <a:ext cx="1847051" cy="319990"/>
+          </a:xfrm>
+          <a:prstGeom prst="rect">
+            <a:avLst/>
+          </a:prstGeom>
+          <a:solidFill>
+            <a:schemeClr val="bg2">
+              <a:lumMod val="75000"/>
+            </a:schemeClr>
+          </a:solidFill>
+          <a:ln>
+            <a:solidFill>
+              <a:schemeClr val="bg1">
+                <a:lumMod val="75000"/>
+              </a:schemeClr>
+            </a:solidFill>
+          </a:ln>
+        </p:spPr>
+        <p:style>
+          <a:lnRef idx="2">
+            <a:schemeClr val="accent1">
+              <a:shade val="50000"/>
+            </a:schemeClr>
+          </a:lnRef>
+          <a:fillRef idx="1">
+            <a:schemeClr val="accent1"/>
+          </a:fillRef>
+          <a:effectRef idx="0">
+            <a:schemeClr val="accent1"/>
+          </a:effectRef>
+          <a:fontRef idx="minor">
+            <a:schemeClr val="lt1"/>
+          </a:fontRef>
+        </p:style>
+        <p:txBody>
+          <a:bodyPr rtlCol="0" anchor="ctr"/>
+          <a:lstStyle/>
+          <a:p>
+            <a:pPr algn="ctr"/>
+            <a:endParaRPr kumimoji="1" lang="zh-TW" altLang="en-US" b="1">
+              <a:solidFill>
+                <a:schemeClr val="bg2">
+                  <a:lumMod val="75000"/>
+                </a:schemeClr>
+              </a:solidFill>
+            </a:endParaRPr>
+          </a:p>
+        </p:txBody>
+      </p:sp>
+      <p:sp>
+        <p:nvSpPr>
+          <p:cNvPr id="28" name="文字方塊 27"/>
+          <p:cNvSpPr txBox="1"/>
+          <p:nvPr/>
+        </p:nvSpPr>
+        <p:spPr>
+          <a:xfrm>
+            <a:off x="7858573" y="634675"/>
+            <a:ext cx="1497974" cy="369332"/>
+          </a:xfrm>
+          <a:prstGeom prst="rect">
+            <a:avLst/>
+          </a:prstGeom>
+          <a:noFill/>
+        </p:spPr>
+        <p:txBody>
+          <a:bodyPr wrap="none" rtlCol="0">
+            <a:spAutoFit/>
+          </a:bodyPr>
+          <a:lstStyle/>
+          <a:p>
+            <a:r>
+              <a:rPr kumimoji="1" lang="en-US" altLang="zh-TW" b="1" dirty="0">
+                <a:solidFill>
+                  <a:schemeClr val="bg1"/>
+                </a:solidFill>
+              </a:rPr>
+              <a:t>Navigation #4</a:t>
+            </a:r>
+            <a:endParaRPr kumimoji="1" lang="zh-TW" altLang="en-US" b="1" dirty="0">
+              <a:solidFill>
+                <a:schemeClr val="bg1"/>
+              </a:solidFill>
+            </a:endParaRPr>
+          </a:p>
+        </p:txBody>
+      </p:sp>
+      <p:sp>
+        <p:nvSpPr>
+          <p:cNvPr id="29" name="矩形 28"/>
+          <p:cNvSpPr/>
+          <p:nvPr/>
+        </p:nvSpPr>
+        <p:spPr>
+          <a:xfrm>
+            <a:off x="9932339" y="643198"/>
+            <a:ext cx="1847051" cy="319990"/>
+          </a:xfrm>
+          <a:prstGeom prst="rect">
+            <a:avLst/>
+          </a:prstGeom>
+          <a:solidFill>
+            <a:schemeClr val="bg2">
+              <a:lumMod val="75000"/>
+            </a:schemeClr>
+          </a:solidFill>
+          <a:ln>
+            <a:solidFill>
+              <a:schemeClr val="bg1">
+                <a:lumMod val="75000"/>
+              </a:schemeClr>
+            </a:solidFill>
+          </a:ln>
+        </p:spPr>
+        <p:style>
+          <a:lnRef idx="2">
+            <a:schemeClr val="accent1">
+              <a:shade val="50000"/>
+            </a:schemeClr>
+          </a:lnRef>
+          <a:fillRef idx="1">
+            <a:schemeClr val="accent1"/>
+          </a:fillRef>
+          <a:effectRef idx="0">
+            <a:schemeClr val="accent1"/>
+          </a:effectRef>
+          <a:fontRef idx="minor">
+            <a:schemeClr val="lt1"/>
+          </a:fontRef>
+        </p:style>
+        <p:txBody>
+          <a:bodyPr rtlCol="0" anchor="ctr"/>
+          <a:lstStyle/>
+          <a:p>
+            <a:pPr algn="ctr"/>
+            <a:endParaRPr kumimoji="1" lang="zh-TW" altLang="en-US" b="1">
+              <a:solidFill>
+                <a:schemeClr val="bg2">
+                  <a:lumMod val="75000"/>
+                </a:schemeClr>
+              </a:solidFill>
+            </a:endParaRPr>
+          </a:p>
+        </p:txBody>
+      </p:sp>
+      <p:sp>
+        <p:nvSpPr>
+          <p:cNvPr id="30" name="文字方塊 29"/>
+          <p:cNvSpPr txBox="1"/>
+          <p:nvPr/>
+        </p:nvSpPr>
+        <p:spPr>
+          <a:xfrm>
+            <a:off x="10091883" y="620286"/>
+            <a:ext cx="1497974" cy="369332"/>
+          </a:xfrm>
+          <a:prstGeom prst="rect">
+            <a:avLst/>
+          </a:prstGeom>
+          <a:noFill/>
+        </p:spPr>
+        <p:txBody>
+          <a:bodyPr wrap="none" rtlCol="0">
+            <a:spAutoFit/>
+          </a:bodyPr>
+          <a:lstStyle/>
+          <a:p>
+            <a:r>
+              <a:rPr kumimoji="1" lang="en-US" altLang="zh-TW" b="1" dirty="0">
+                <a:solidFill>
+                  <a:schemeClr val="bg1"/>
+                </a:solidFill>
+              </a:rPr>
+              <a:t>Navigation #5</a:t>
+            </a:r>
+            <a:endParaRPr kumimoji="1" lang="zh-TW" altLang="en-US" b="1" dirty="0">
+              <a:solidFill>
+                <a:schemeClr val="bg1"/>
+              </a:solidFill>
+            </a:endParaRPr>
+          </a:p>
+        </p:txBody>
+      </p:sp>
+      <p:sp>
+        <p:nvSpPr>
+          <p:cNvPr id="31" name="矩形 30"/>
+          <p:cNvSpPr/>
+          <p:nvPr/>
+        </p:nvSpPr>
+        <p:spPr>
+          <a:xfrm>
+            <a:off x="635708" y="1197791"/>
+            <a:ext cx="11143681" cy="2334307"/>
+          </a:xfrm>
+          <a:prstGeom prst="rect">
+            <a:avLst/>
+          </a:prstGeom>
+          <a:solidFill>
+            <a:schemeClr val="tx1">
+              <a:lumMod val="65000"/>
+              <a:lumOff val="35000"/>
+            </a:schemeClr>
+          </a:solidFill>
+        </p:spPr>
+        <p:style>
+          <a:lnRef idx="2">
+            <a:schemeClr val="accent1">
+              <a:shade val="50000"/>
+            </a:schemeClr>
+          </a:lnRef>
+          <a:fillRef idx="1">
+            <a:schemeClr val="accent1"/>
+          </a:fillRef>
+          <a:effectRef idx="0">
+            <a:schemeClr val="accent1"/>
+          </a:effectRef>
+          <a:fontRef idx="minor">
+            <a:schemeClr val="lt1"/>
+          </a:fontRef>
+        </p:style>
+        <p:txBody>
+          <a:bodyPr rtlCol="0" anchor="ctr"/>
+          <a:lstStyle/>
+          <a:p>
+            <a:pPr algn="ctr"/>
+            <a:r>
+              <a:rPr kumimoji="1" lang="en-US" altLang="zh-CN" sz="9600" dirty="0">
+                <a:solidFill>
+                  <a:schemeClr val="bg1"/>
+                </a:solidFill>
+              </a:rPr>
+              <a:t>Slide</a:t>
+            </a:r>
+            <a:endParaRPr kumimoji="1" lang="zh-TW" altLang="en-US" sz="9600" dirty="0">
+              <a:solidFill>
+                <a:schemeClr val="bg1"/>
+              </a:solidFill>
+            </a:endParaRPr>
+          </a:p>
+          <a:p>
+            <a:pPr algn="ctr"/>
+            <a:endParaRPr kumimoji="1" lang="zh-TW" altLang="en-US" dirty="0"/>
+          </a:p>
+        </p:txBody>
+      </p:sp>
+      <p:sp>
+        <p:nvSpPr>
+          <p:cNvPr id="33" name="矩形 32"/>
+          <p:cNvSpPr/>
+          <p:nvPr/>
+        </p:nvSpPr>
+        <p:spPr>
+          <a:xfrm>
+            <a:off x="649239" y="2976287"/>
+            <a:ext cx="3026292" cy="529359"/>
+          </a:xfrm>
+          <a:prstGeom prst="rect">
+            <a:avLst/>
+          </a:prstGeom>
+          <a:solidFill>
+            <a:schemeClr val="bg2">
+              <a:lumMod val="75000"/>
+            </a:schemeClr>
+          </a:solidFill>
+          <a:ln>
+            <a:solidFill>
+              <a:schemeClr val="bg1">
+                <a:lumMod val="75000"/>
+              </a:schemeClr>
+            </a:solidFill>
+          </a:ln>
+        </p:spPr>
+        <p:style>
+          <a:lnRef idx="2">
+            <a:schemeClr val="accent1">
+              <a:shade val="50000"/>
+            </a:schemeClr>
+          </a:lnRef>
+          <a:fillRef idx="1">
+            <a:schemeClr val="accent1"/>
+          </a:fillRef>
+          <a:effectRef idx="0">
+            <a:schemeClr val="accent1"/>
+          </a:effectRef>
+          <a:fontRef idx="minor">
+            <a:schemeClr val="lt1"/>
+          </a:fontRef>
+        </p:style>
+        <p:txBody>
+          <a:bodyPr rtlCol="0" anchor="ctr"/>
+          <a:lstStyle/>
+          <a:p>
+            <a:pPr algn="ctr"/>
+            <a:endParaRPr kumimoji="1" lang="zh-TW" altLang="en-US">
+              <a:solidFill>
+                <a:schemeClr val="bg2">
+                  <a:lumMod val="75000"/>
+                </a:schemeClr>
+              </a:solidFill>
+            </a:endParaRPr>
+          </a:p>
+        </p:txBody>
+      </p:sp>
+      <p:sp>
+        <p:nvSpPr>
+          <p:cNvPr id="34" name="文字方塊 33"/>
+          <p:cNvSpPr txBox="1"/>
+          <p:nvPr/>
+        </p:nvSpPr>
+        <p:spPr>
+          <a:xfrm>
+            <a:off x="1196415" y="3010678"/>
+            <a:ext cx="2408439" cy="461665"/>
+          </a:xfrm>
+          <a:prstGeom prst="rect">
+            <a:avLst/>
+          </a:prstGeom>
+          <a:noFill/>
+        </p:spPr>
+        <p:txBody>
+          <a:bodyPr wrap="square" rtlCol="0">
+            <a:spAutoFit/>
+          </a:bodyPr>
+          <a:lstStyle/>
+          <a:p>
+            <a:r>
+              <a:rPr kumimoji="1" lang="en-US" altLang="zh-TW" sz="2400" dirty="0">
+                <a:solidFill>
+                  <a:schemeClr val="bg1"/>
+                </a:solidFill>
+              </a:rPr>
+              <a:t>Slide text</a:t>
+            </a:r>
+            <a:endParaRPr kumimoji="1" lang="zh-TW" altLang="en-US" sz="2400" dirty="0">
+              <a:solidFill>
+                <a:schemeClr val="bg1"/>
+              </a:solidFill>
+            </a:endParaRPr>
+          </a:p>
+        </p:txBody>
+      </p:sp>
+      <p:sp>
+        <p:nvSpPr>
+          <p:cNvPr id="48" name="矩形 47"/>
+          <p:cNvSpPr/>
+          <p:nvPr/>
+        </p:nvSpPr>
+        <p:spPr>
+          <a:xfrm>
+            <a:off x="7534976" y="3784608"/>
+            <a:ext cx="2033173" cy="1913012"/>
+          </a:xfrm>
+          <a:prstGeom prst="rect">
+            <a:avLst/>
+          </a:prstGeom>
+          <a:solidFill>
+            <a:schemeClr val="bg2">
+              <a:lumMod val="50000"/>
+            </a:schemeClr>
+          </a:solidFill>
+          <a:ln>
+            <a:solidFill>
+              <a:schemeClr val="bg1">
+                <a:lumMod val="75000"/>
+              </a:schemeClr>
+            </a:solidFill>
+          </a:ln>
+        </p:spPr>
+        <p:style>
+          <a:lnRef idx="2">
+            <a:schemeClr val="accent1">
+              <a:shade val="50000"/>
+            </a:schemeClr>
+          </a:lnRef>
+          <a:fillRef idx="1">
+            <a:schemeClr val="accent1"/>
+          </a:fillRef>
+          <a:effectRef idx="0">
+            <a:schemeClr val="accent1"/>
+          </a:effectRef>
+          <a:fontRef idx="minor">
+            <a:schemeClr val="lt1"/>
+          </a:fontRef>
+        </p:style>
+        <p:txBody>
+          <a:bodyPr rtlCol="0" anchor="ctr"/>
+          <a:lstStyle/>
+          <a:p>
+            <a:pPr algn="ctr"/>
+            <a:endParaRPr kumimoji="1" lang="zh-TW" altLang="en-US">
+              <a:solidFill>
+                <a:schemeClr val="bg2">
+                  <a:lumMod val="75000"/>
+                </a:schemeClr>
+              </a:solidFill>
+            </a:endParaRPr>
+          </a:p>
+        </p:txBody>
+      </p:sp>
+      <p:sp>
+        <p:nvSpPr>
+          <p:cNvPr id="52" name="矩形 51"/>
+          <p:cNvSpPr/>
+          <p:nvPr/>
+        </p:nvSpPr>
+        <p:spPr>
+          <a:xfrm>
+            <a:off x="9827698" y="3784608"/>
+            <a:ext cx="2033173" cy="1913012"/>
+          </a:xfrm>
+          <a:prstGeom prst="rect">
+            <a:avLst/>
+          </a:prstGeom>
+          <a:solidFill>
+            <a:schemeClr val="bg2">
+              <a:lumMod val="50000"/>
+            </a:schemeClr>
+          </a:solidFill>
+          <a:ln>
+            <a:solidFill>
+              <a:schemeClr val="bg1">
+                <a:lumMod val="75000"/>
+              </a:schemeClr>
+            </a:solidFill>
+          </a:ln>
+        </p:spPr>
+        <p:style>
+          <a:lnRef idx="2">
+            <a:schemeClr val="accent1">
+              <a:shade val="50000"/>
+            </a:schemeClr>
+          </a:lnRef>
+          <a:fillRef idx="1">
+            <a:schemeClr val="accent1"/>
+          </a:fillRef>
+          <a:effectRef idx="0">
+            <a:schemeClr val="accent1"/>
+          </a:effectRef>
+          <a:fontRef idx="minor">
+            <a:schemeClr val="lt1"/>
+          </a:fontRef>
+        </p:style>
+        <p:txBody>
+          <a:bodyPr rtlCol="0" anchor="ctr"/>
+          <a:lstStyle/>
+          <a:p>
+            <a:pPr algn="ctr"/>
+            <a:endParaRPr kumimoji="1" lang="zh-TW" altLang="en-US">
+              <a:solidFill>
+                <a:schemeClr val="bg2">
+                  <a:lumMod val="75000"/>
+                </a:schemeClr>
+              </a:solidFill>
+            </a:endParaRPr>
+          </a:p>
+        </p:txBody>
+      </p:sp>
+      <p:sp>
+        <p:nvSpPr>
+          <p:cNvPr id="60" name="矩形 59"/>
+          <p:cNvSpPr/>
+          <p:nvPr/>
+        </p:nvSpPr>
+        <p:spPr>
+          <a:xfrm>
+            <a:off x="7541788" y="5855580"/>
+            <a:ext cx="2026213" cy="529359"/>
+          </a:xfrm>
+          <a:prstGeom prst="rect">
+            <a:avLst/>
+          </a:prstGeom>
+          <a:solidFill>
+            <a:schemeClr val="bg2">
+              <a:lumMod val="75000"/>
+            </a:schemeClr>
+          </a:solidFill>
+          <a:ln>
+            <a:solidFill>
+              <a:schemeClr val="bg1">
+                <a:lumMod val="75000"/>
+              </a:schemeClr>
+            </a:solidFill>
+          </a:ln>
+        </p:spPr>
+        <p:style>
+          <a:lnRef idx="2">
+            <a:schemeClr val="accent1">
+              <a:shade val="50000"/>
+            </a:schemeClr>
+          </a:lnRef>
+          <a:fillRef idx="1">
+            <a:schemeClr val="accent1"/>
+          </a:fillRef>
+          <a:effectRef idx="0">
+            <a:schemeClr val="accent1"/>
+          </a:effectRef>
+          <a:fontRef idx="minor">
+            <a:schemeClr val="lt1"/>
+          </a:fontRef>
+        </p:style>
+        <p:txBody>
+          <a:bodyPr rtlCol="0" anchor="ctr"/>
+          <a:lstStyle/>
+          <a:p>
+            <a:pPr algn="ctr"/>
+            <a:endParaRPr kumimoji="1" lang="zh-TW" altLang="en-US">
+              <a:solidFill>
+                <a:schemeClr val="bg2">
+                  <a:lumMod val="75000"/>
+                </a:schemeClr>
+              </a:solidFill>
+            </a:endParaRPr>
+          </a:p>
+        </p:txBody>
+      </p:sp>
+      <p:sp>
+        <p:nvSpPr>
+          <p:cNvPr id="61" name="文字方塊 60"/>
+          <p:cNvSpPr txBox="1"/>
+          <p:nvPr/>
+        </p:nvSpPr>
+        <p:spPr>
+          <a:xfrm>
+            <a:off x="8146192" y="5897447"/>
+            <a:ext cx="1479037" cy="461665"/>
+          </a:xfrm>
+          <a:prstGeom prst="rect">
+            <a:avLst/>
+          </a:prstGeom>
+          <a:noFill/>
+        </p:spPr>
+        <p:txBody>
+          <a:bodyPr wrap="square" rtlCol="0">
+            <a:spAutoFit/>
+          </a:bodyPr>
+          <a:lstStyle/>
+          <a:p>
+            <a:r>
+              <a:rPr kumimoji="1" lang="en-US" altLang="zh-TW" sz="2400" dirty="0">
+                <a:solidFill>
+                  <a:schemeClr val="bg1"/>
+                </a:solidFill>
+              </a:rPr>
+              <a:t>TEXT</a:t>
+            </a:r>
+            <a:endParaRPr kumimoji="1" lang="zh-TW" altLang="en-US" sz="2400" dirty="0">
+              <a:solidFill>
+                <a:schemeClr val="bg1"/>
+              </a:solidFill>
+            </a:endParaRPr>
+          </a:p>
+        </p:txBody>
+      </p:sp>
+      <p:sp>
+        <p:nvSpPr>
+          <p:cNvPr id="62" name="矩形 61"/>
+          <p:cNvSpPr/>
+          <p:nvPr/>
+        </p:nvSpPr>
+        <p:spPr>
+          <a:xfrm>
+            <a:off x="9860842" y="5849986"/>
+            <a:ext cx="2026213" cy="529359"/>
+          </a:xfrm>
+          <a:prstGeom prst="rect">
+            <a:avLst/>
+          </a:prstGeom>
+          <a:solidFill>
+            <a:schemeClr val="bg2">
+              <a:lumMod val="75000"/>
+            </a:schemeClr>
+          </a:solidFill>
+          <a:ln>
+            <a:solidFill>
+              <a:schemeClr val="bg1">
+                <a:lumMod val="75000"/>
+              </a:schemeClr>
+            </a:solidFill>
+          </a:ln>
+        </p:spPr>
+        <p:style>
+          <a:lnRef idx="2">
+            <a:schemeClr val="accent1">
+              <a:shade val="50000"/>
+            </a:schemeClr>
+          </a:lnRef>
+          <a:fillRef idx="1">
+            <a:schemeClr val="accent1"/>
+          </a:fillRef>
+          <a:effectRef idx="0">
+            <a:schemeClr val="accent1"/>
+          </a:effectRef>
+          <a:fontRef idx="minor">
+            <a:schemeClr val="lt1"/>
+          </a:fontRef>
+        </p:style>
+        <p:txBody>
+          <a:bodyPr rtlCol="0" anchor="ctr"/>
+          <a:lstStyle/>
+          <a:p>
+            <a:pPr algn="ctr"/>
+            <a:endParaRPr kumimoji="1" lang="zh-TW" altLang="en-US">
+              <a:solidFill>
+                <a:schemeClr val="bg2">
+                  <a:lumMod val="75000"/>
+                </a:schemeClr>
+              </a:solidFill>
+            </a:endParaRPr>
+          </a:p>
+        </p:txBody>
+      </p:sp>
+      <p:sp>
+        <p:nvSpPr>
+          <p:cNvPr id="63" name="文字方塊 62"/>
+          <p:cNvSpPr txBox="1"/>
+          <p:nvPr/>
+        </p:nvSpPr>
+        <p:spPr>
+          <a:xfrm>
+            <a:off x="10465246" y="5891853"/>
+            <a:ext cx="1479037" cy="461665"/>
+          </a:xfrm>
+          <a:prstGeom prst="rect">
+            <a:avLst/>
+          </a:prstGeom>
+          <a:noFill/>
+        </p:spPr>
+        <p:txBody>
+          <a:bodyPr wrap="square" rtlCol="0">
+            <a:spAutoFit/>
+          </a:bodyPr>
+          <a:lstStyle/>
+          <a:p>
+            <a:r>
+              <a:rPr kumimoji="1" lang="en-US" altLang="zh-TW" sz="2400" dirty="0">
+                <a:solidFill>
+                  <a:schemeClr val="bg1"/>
+                </a:solidFill>
+              </a:rPr>
+              <a:t>TEXT</a:t>
+            </a:r>
+            <a:endParaRPr kumimoji="1" lang="zh-TW" altLang="en-US" sz="2400" dirty="0">
+              <a:solidFill>
+                <a:schemeClr val="bg1"/>
+              </a:solidFill>
+            </a:endParaRPr>
+          </a:p>
+        </p:txBody>
+      </p:sp>
+      <p:sp>
+        <p:nvSpPr>
+          <p:cNvPr id="70" name="文字方塊 69"/>
+          <p:cNvSpPr txBox="1"/>
+          <p:nvPr/>
+        </p:nvSpPr>
+        <p:spPr>
+          <a:xfrm>
+            <a:off x="7590007" y="4510279"/>
+            <a:ext cx="2065094" cy="1200329"/>
+          </a:xfrm>
+          <a:prstGeom prst="rect">
+            <a:avLst/>
+          </a:prstGeom>
+          <a:noFill/>
+        </p:spPr>
+        <p:txBody>
+          <a:bodyPr wrap="square" rtlCol="0">
+            <a:spAutoFit/>
+          </a:bodyPr>
+          <a:lstStyle/>
+          <a:p>
+            <a:r>
+              <a:rPr kumimoji="1" lang="en-US" altLang="zh-TW" sz="2400" dirty="0">
+                <a:solidFill>
+                  <a:schemeClr val="bg1"/>
+                </a:solidFill>
+              </a:rPr>
+              <a:t>RECOMMEND</a:t>
+            </a:r>
+          </a:p>
+          <a:p>
+            <a:r>
+              <a:rPr kumimoji="1" lang="en-US" altLang="zh-TW" sz="2400" dirty="0">
+                <a:solidFill>
+                  <a:schemeClr val="bg1"/>
+                </a:solidFill>
+              </a:rPr>
+              <a:t>1</a:t>
+            </a:r>
+          </a:p>
+          <a:p>
+            <a:r>
+              <a:rPr kumimoji="1" lang="en-US" altLang="zh-TW" sz="2400" dirty="0">
+                <a:solidFill>
+                  <a:schemeClr val="accent6">
+                    <a:lumMod val="60000"/>
+                    <a:lumOff val="40000"/>
+                  </a:schemeClr>
+                </a:solidFill>
+              </a:rPr>
+              <a:t>(</a:t>
+            </a:r>
+            <a:r>
+              <a:rPr kumimoji="1" lang="en-US" altLang="zh-TW" sz="2400" dirty="0" err="1">
+                <a:solidFill>
+                  <a:schemeClr val="accent6">
+                    <a:lumMod val="60000"/>
+                    <a:lumOff val="40000"/>
+                  </a:schemeClr>
+                </a:solidFill>
+              </a:rPr>
+              <a:t>DropBox</a:t>
+            </a:r>
+            <a:r>
+              <a:rPr kumimoji="1" lang="en-US" altLang="zh-TW" sz="2400" dirty="0">
+                <a:solidFill>
+                  <a:schemeClr val="accent6">
+                    <a:lumMod val="60000"/>
+                    <a:lumOff val="40000"/>
+                  </a:schemeClr>
+                </a:solidFill>
+              </a:rPr>
+              <a:t>)</a:t>
+            </a:r>
+            <a:endParaRPr kumimoji="1" lang="zh-TW" altLang="en-US" sz="2400" dirty="0">
+              <a:solidFill>
+                <a:schemeClr val="bg1"/>
+              </a:solidFill>
+            </a:endParaRPr>
+          </a:p>
+        </p:txBody>
+      </p:sp>
+      <p:sp>
+        <p:nvSpPr>
+          <p:cNvPr id="73" name="矩形 72"/>
+          <p:cNvSpPr/>
+          <p:nvPr/>
+        </p:nvSpPr>
+        <p:spPr>
+          <a:xfrm>
+            <a:off x="612721" y="6536592"/>
+            <a:ext cx="4123750" cy="195712"/>
+          </a:xfrm>
+          <a:prstGeom prst="rect">
+            <a:avLst/>
+          </a:prstGeom>
+          <a:solidFill>
+            <a:schemeClr val="bg2">
+              <a:lumMod val="75000"/>
+            </a:schemeClr>
+          </a:solidFill>
+          <a:ln>
+            <a:solidFill>
+              <a:schemeClr val="bg1">
+                <a:lumMod val="75000"/>
+              </a:schemeClr>
+            </a:solidFill>
+          </a:ln>
+        </p:spPr>
+        <p:style>
+          <a:lnRef idx="2">
+            <a:schemeClr val="accent1">
+              <a:shade val="50000"/>
+            </a:schemeClr>
+          </a:lnRef>
+          <a:fillRef idx="1">
+            <a:schemeClr val="accent1"/>
+          </a:fillRef>
+          <a:effectRef idx="0">
+            <a:schemeClr val="accent1"/>
+          </a:effectRef>
+          <a:fontRef idx="minor">
+            <a:schemeClr val="lt1"/>
+          </a:fontRef>
+        </p:style>
+        <p:txBody>
+          <a:bodyPr rtlCol="0" anchor="ctr"/>
+          <a:lstStyle/>
+          <a:p>
+            <a:pPr algn="ctr"/>
+            <a:endParaRPr kumimoji="1" lang="zh-TW" altLang="en-US">
+              <a:solidFill>
+                <a:schemeClr val="bg2">
+                  <a:lumMod val="75000"/>
+                </a:schemeClr>
+              </a:solidFill>
+            </a:endParaRPr>
+          </a:p>
+        </p:txBody>
+      </p:sp>
+      <p:sp>
+        <p:nvSpPr>
+          <p:cNvPr id="75" name="矩形 74"/>
+          <p:cNvSpPr/>
+          <p:nvPr/>
+        </p:nvSpPr>
+        <p:spPr>
+          <a:xfrm>
+            <a:off x="5032488" y="6542842"/>
+            <a:ext cx="319814" cy="189462"/>
+          </a:xfrm>
+          <a:prstGeom prst="rect">
+            <a:avLst/>
+          </a:prstGeom>
+          <a:solidFill>
+            <a:schemeClr val="bg2">
+              <a:lumMod val="75000"/>
+            </a:schemeClr>
+          </a:solidFill>
+          <a:ln>
+            <a:solidFill>
+              <a:schemeClr val="bg1">
+                <a:lumMod val="75000"/>
+              </a:schemeClr>
+            </a:solidFill>
+          </a:ln>
+        </p:spPr>
+        <p:style>
+          <a:lnRef idx="2">
+            <a:schemeClr val="accent1">
+              <a:shade val="50000"/>
+            </a:schemeClr>
+          </a:lnRef>
+          <a:fillRef idx="1">
+            <a:schemeClr val="accent1"/>
+          </a:fillRef>
+          <a:effectRef idx="0">
+            <a:schemeClr val="accent1"/>
+          </a:effectRef>
+          <a:fontRef idx="minor">
+            <a:schemeClr val="lt1"/>
+          </a:fontRef>
+        </p:style>
+        <p:txBody>
+          <a:bodyPr rtlCol="0" anchor="ctr"/>
+          <a:lstStyle/>
+          <a:p>
+            <a:pPr algn="ctr"/>
+            <a:endParaRPr kumimoji="1" lang="zh-TW" altLang="en-US">
+              <a:solidFill>
+                <a:schemeClr val="bg2">
+                  <a:lumMod val="75000"/>
+                </a:schemeClr>
+              </a:solidFill>
+            </a:endParaRPr>
+          </a:p>
+        </p:txBody>
+      </p:sp>
+      <p:sp>
+        <p:nvSpPr>
+          <p:cNvPr id="76" name="矩形 75"/>
+          <p:cNvSpPr/>
+          <p:nvPr/>
+        </p:nvSpPr>
+        <p:spPr>
+          <a:xfrm>
+            <a:off x="5488412" y="6537404"/>
+            <a:ext cx="319814" cy="189462"/>
+          </a:xfrm>
+          <a:prstGeom prst="rect">
+            <a:avLst/>
+          </a:prstGeom>
+          <a:solidFill>
+            <a:schemeClr val="bg2">
+              <a:lumMod val="75000"/>
+            </a:schemeClr>
+          </a:solidFill>
+          <a:ln>
+            <a:solidFill>
+              <a:schemeClr val="bg1">
+                <a:lumMod val="75000"/>
+              </a:schemeClr>
+            </a:solidFill>
+          </a:ln>
+        </p:spPr>
+        <p:style>
+          <a:lnRef idx="2">
+            <a:schemeClr val="accent1">
+              <a:shade val="50000"/>
+            </a:schemeClr>
+          </a:lnRef>
+          <a:fillRef idx="1">
+            <a:schemeClr val="accent1"/>
+          </a:fillRef>
+          <a:effectRef idx="0">
+            <a:schemeClr val="accent1"/>
+          </a:effectRef>
+          <a:fontRef idx="minor">
+            <a:schemeClr val="lt1"/>
+          </a:fontRef>
+        </p:style>
+        <p:txBody>
+          <a:bodyPr rtlCol="0" anchor="ctr"/>
+          <a:lstStyle/>
+          <a:p>
+            <a:pPr algn="ctr"/>
+            <a:endParaRPr kumimoji="1" lang="zh-TW" altLang="en-US">
+              <a:solidFill>
+                <a:schemeClr val="bg2">
+                  <a:lumMod val="75000"/>
+                </a:schemeClr>
+              </a:solidFill>
+            </a:endParaRPr>
+          </a:p>
+        </p:txBody>
+      </p:sp>
+      <p:sp>
+        <p:nvSpPr>
+          <p:cNvPr id="77" name="矩形 76"/>
+          <p:cNvSpPr/>
+          <p:nvPr/>
+        </p:nvSpPr>
+        <p:spPr>
+          <a:xfrm>
+            <a:off x="5956376" y="6542842"/>
+            <a:ext cx="319814" cy="189462"/>
+          </a:xfrm>
+          <a:prstGeom prst="rect">
+            <a:avLst/>
+          </a:prstGeom>
+          <a:solidFill>
+            <a:schemeClr val="bg2">
+              <a:lumMod val="75000"/>
+            </a:schemeClr>
+          </a:solidFill>
+          <a:ln>
+            <a:solidFill>
+              <a:schemeClr val="bg1">
+                <a:lumMod val="75000"/>
+              </a:schemeClr>
+            </a:solidFill>
+          </a:ln>
+        </p:spPr>
+        <p:style>
+          <a:lnRef idx="2">
+            <a:schemeClr val="accent1">
+              <a:shade val="50000"/>
+            </a:schemeClr>
+          </a:lnRef>
+          <a:fillRef idx="1">
+            <a:schemeClr val="accent1"/>
+          </a:fillRef>
+          <a:effectRef idx="0">
+            <a:schemeClr val="accent1"/>
+          </a:effectRef>
+          <a:fontRef idx="minor">
+            <a:schemeClr val="lt1"/>
+          </a:fontRef>
+        </p:style>
+        <p:txBody>
+          <a:bodyPr rtlCol="0" anchor="ctr"/>
+          <a:lstStyle/>
+          <a:p>
+            <a:pPr algn="ctr"/>
+            <a:endParaRPr kumimoji="1" lang="zh-TW" altLang="en-US">
+              <a:solidFill>
+                <a:schemeClr val="bg2">
+                  <a:lumMod val="75000"/>
+                </a:schemeClr>
+              </a:solidFill>
+            </a:endParaRPr>
+          </a:p>
+        </p:txBody>
+      </p:sp>
+      <p:sp>
+        <p:nvSpPr>
+          <p:cNvPr id="45" name="矩形 10"/>
+          <p:cNvSpPr/>
+          <p:nvPr/>
+        </p:nvSpPr>
+        <p:spPr>
+          <a:xfrm>
+            <a:off x="3840069" y="100081"/>
+            <a:ext cx="4409391" cy="369332"/>
+          </a:xfrm>
+          <a:prstGeom prst="rect">
+            <a:avLst/>
+          </a:prstGeom>
+          <a:solidFill>
+            <a:schemeClr val="tx1">
+              <a:lumMod val="50000"/>
+              <a:lumOff val="50000"/>
+            </a:schemeClr>
+          </a:solidFill>
+          <a:ln>
+            <a:solidFill>
+              <a:schemeClr val="bg2">
+                <a:lumMod val="50000"/>
+              </a:schemeClr>
+            </a:solidFill>
+          </a:ln>
+        </p:spPr>
+        <p:style>
+          <a:lnRef idx="2">
+            <a:schemeClr val="accent1">
+              <a:shade val="50000"/>
+            </a:schemeClr>
+          </a:lnRef>
+          <a:fillRef idx="1">
+            <a:schemeClr val="accent1"/>
+          </a:fillRef>
+          <a:effectRef idx="0">
+            <a:schemeClr val="accent1"/>
+          </a:effectRef>
+          <a:fontRef idx="minor">
+            <a:schemeClr val="lt1"/>
+          </a:fontRef>
+        </p:style>
+        <p:txBody>
+          <a:bodyPr rtlCol="0" anchor="ctr"/>
+          <a:lstStyle/>
+          <a:p>
+            <a:pPr algn="ctr"/>
+            <a:endParaRPr kumimoji="1" lang="zh-TW" altLang="en-US"/>
+          </a:p>
+        </p:txBody>
+      </p:sp>
+      <p:sp>
+        <p:nvSpPr>
+          <p:cNvPr id="46" name="文字方塊 11"/>
+          <p:cNvSpPr txBox="1"/>
+          <p:nvPr/>
+        </p:nvSpPr>
+        <p:spPr>
+          <a:xfrm>
+            <a:off x="5635184" y="129995"/>
+            <a:ext cx="2434138" cy="369332"/>
+          </a:xfrm>
+          <a:prstGeom prst="rect">
+            <a:avLst/>
+          </a:prstGeom>
+          <a:noFill/>
+        </p:spPr>
+        <p:txBody>
+          <a:bodyPr wrap="square" rtlCol="0">
+            <a:spAutoFit/>
+          </a:bodyPr>
+          <a:lstStyle/>
+          <a:p>
+            <a:r>
+              <a:rPr kumimoji="1" lang="en-US" altLang="zh-TW" dirty="0">
+                <a:solidFill>
+                  <a:schemeClr val="bg1"/>
+                </a:solidFill>
+              </a:rPr>
+              <a:t>SEARCH</a:t>
+            </a:r>
+            <a:endParaRPr kumimoji="1" lang="zh-TW" altLang="en-US" dirty="0">
+              <a:solidFill>
+                <a:schemeClr val="bg1"/>
+              </a:solidFill>
+            </a:endParaRPr>
+          </a:p>
+        </p:txBody>
+      </p:sp>
+      <p:sp>
+        <p:nvSpPr>
+          <p:cNvPr id="47" name="文字方塊 69">
+            <a:extLst>
+              <a:ext uri="{FF2B5EF4-FFF2-40B4-BE49-F238E27FC236}">
+                <a16:creationId xmlns:a16="http://schemas.microsoft.com/office/drawing/2014/main" id="{FFCEF8EE-C6B2-4364-B83A-1D4DE6C31991}"/>
+              </a:ext>
+            </a:extLst>
+          </p:cNvPr>
+          <p:cNvSpPr txBox="1"/>
+          <p:nvPr/>
+        </p:nvSpPr>
+        <p:spPr>
+          <a:xfrm>
+            <a:off x="9821265" y="4464038"/>
+            <a:ext cx="2065094" cy="830997"/>
+          </a:xfrm>
+          <a:prstGeom prst="rect">
+            <a:avLst/>
+          </a:prstGeom>
+          <a:noFill/>
+        </p:spPr>
+        <p:txBody>
+          <a:bodyPr wrap="square" rtlCol="0">
+            <a:spAutoFit/>
+          </a:bodyPr>
+          <a:lstStyle/>
+          <a:p>
+            <a:r>
+              <a:rPr kumimoji="1" lang="en-US" altLang="zh-TW" sz="2400" dirty="0">
+                <a:solidFill>
+                  <a:schemeClr val="bg1"/>
+                </a:solidFill>
+              </a:rPr>
+              <a:t>RECOMMEND</a:t>
+            </a:r>
+          </a:p>
+          <a:p>
+            <a:r>
+              <a:rPr kumimoji="1" lang="en-US" altLang="zh-TW" sz="2400" dirty="0">
+                <a:solidFill>
+                  <a:schemeClr val="bg1"/>
+                </a:solidFill>
+              </a:rPr>
+              <a:t>2</a:t>
+            </a:r>
+            <a:endParaRPr kumimoji="1" lang="zh-TW" altLang="en-US" sz="2400" dirty="0">
+              <a:solidFill>
+                <a:schemeClr val="bg1"/>
+              </a:solidFill>
+            </a:endParaRPr>
+          </a:p>
+        </p:txBody>
+      </p:sp>
+      <p:sp>
+        <p:nvSpPr>
+          <p:cNvPr id="49" name="矩形 47">
+            <a:extLst>
+              <a:ext uri="{FF2B5EF4-FFF2-40B4-BE49-F238E27FC236}">
+                <a16:creationId xmlns:a16="http://schemas.microsoft.com/office/drawing/2014/main" id="{BB409005-7498-411A-BA7B-517AA63E3629}"/>
+              </a:ext>
+            </a:extLst>
+          </p:cNvPr>
+          <p:cNvSpPr/>
+          <p:nvPr/>
+        </p:nvSpPr>
+        <p:spPr>
+          <a:xfrm>
+            <a:off x="612721" y="3757035"/>
+            <a:ext cx="6427088" cy="2719802"/>
+          </a:xfrm>
+          <a:prstGeom prst="rect">
+            <a:avLst/>
+          </a:prstGeom>
+          <a:solidFill>
+            <a:schemeClr val="bg2">
+              <a:lumMod val="50000"/>
+            </a:schemeClr>
+          </a:solidFill>
+          <a:ln>
+            <a:solidFill>
+              <a:schemeClr val="bg1">
+                <a:lumMod val="75000"/>
+              </a:schemeClr>
+            </a:solidFill>
+          </a:ln>
+        </p:spPr>
+        <p:style>
+          <a:lnRef idx="2">
+            <a:schemeClr val="accent1">
+              <a:shade val="50000"/>
+            </a:schemeClr>
+          </a:lnRef>
+          <a:fillRef idx="1">
+            <a:schemeClr val="accent1"/>
+          </a:fillRef>
+          <a:effectRef idx="0">
+            <a:schemeClr val="accent1"/>
+          </a:effectRef>
+          <a:fontRef idx="minor">
+            <a:schemeClr val="lt1"/>
+          </a:fontRef>
+        </p:style>
+        <p:txBody>
+          <a:bodyPr rtlCol="0" anchor="ctr"/>
+          <a:lstStyle/>
+          <a:p>
+            <a:pPr algn="ctr"/>
+            <a:endParaRPr kumimoji="1" lang="zh-TW" altLang="en-US">
+              <a:solidFill>
+                <a:schemeClr val="bg2">
+                  <a:lumMod val="75000"/>
+                </a:schemeClr>
+              </a:solidFill>
+            </a:endParaRPr>
+          </a:p>
+        </p:txBody>
+      </p:sp>
+      <p:sp>
+        <p:nvSpPr>
+          <p:cNvPr id="50" name="矩形 59">
+            <a:extLst>
+              <a:ext uri="{FF2B5EF4-FFF2-40B4-BE49-F238E27FC236}">
+                <a16:creationId xmlns:a16="http://schemas.microsoft.com/office/drawing/2014/main" id="{73FA2C2C-3447-4B06-B703-094FDFFBB5E0}"/>
+              </a:ext>
+            </a:extLst>
+          </p:cNvPr>
+          <p:cNvSpPr/>
+          <p:nvPr/>
+        </p:nvSpPr>
+        <p:spPr>
+          <a:xfrm>
+            <a:off x="4622077" y="5432940"/>
+            <a:ext cx="2026213" cy="529359"/>
+          </a:xfrm>
+          <a:prstGeom prst="rect">
+            <a:avLst/>
+          </a:prstGeom>
+          <a:solidFill>
+            <a:schemeClr val="bg2">
+              <a:lumMod val="75000"/>
+            </a:schemeClr>
+          </a:solidFill>
+          <a:ln>
+            <a:solidFill>
+              <a:schemeClr val="bg1">
+                <a:lumMod val="75000"/>
+              </a:schemeClr>
+            </a:solidFill>
+          </a:ln>
+        </p:spPr>
+        <p:style>
+          <a:lnRef idx="2">
+            <a:schemeClr val="accent1">
+              <a:shade val="50000"/>
+            </a:schemeClr>
+          </a:lnRef>
+          <a:fillRef idx="1">
+            <a:schemeClr val="accent1"/>
+          </a:fillRef>
+          <a:effectRef idx="0">
+            <a:schemeClr val="accent1"/>
+          </a:effectRef>
+          <a:fontRef idx="minor">
+            <a:schemeClr val="lt1"/>
+          </a:fontRef>
+        </p:style>
+        <p:txBody>
+          <a:bodyPr rtlCol="0" anchor="ctr"/>
+          <a:lstStyle/>
+          <a:p>
+            <a:pPr algn="ctr"/>
+            <a:endParaRPr kumimoji="1" lang="zh-TW" altLang="en-US" dirty="0">
+              <a:solidFill>
+                <a:schemeClr val="bg2">
+                  <a:lumMod val="75000"/>
+                </a:schemeClr>
+              </a:solidFill>
+            </a:endParaRPr>
+          </a:p>
+        </p:txBody>
+      </p:sp>
+      <p:sp>
+        <p:nvSpPr>
+          <p:cNvPr id="53" name="矩形 59">
+            <a:extLst>
+              <a:ext uri="{FF2B5EF4-FFF2-40B4-BE49-F238E27FC236}">
+                <a16:creationId xmlns:a16="http://schemas.microsoft.com/office/drawing/2014/main" id="{8896FF89-6B37-40F6-B4CF-676B4786B42D}"/>
+              </a:ext>
+            </a:extLst>
+          </p:cNvPr>
+          <p:cNvSpPr/>
+          <p:nvPr/>
+        </p:nvSpPr>
+        <p:spPr>
+          <a:xfrm>
+            <a:off x="1018985" y="4199358"/>
+            <a:ext cx="2026213" cy="1992521"/>
+          </a:xfrm>
+          <a:prstGeom prst="rect">
+            <a:avLst/>
+          </a:prstGeom>
+          <a:solidFill>
+            <a:schemeClr val="bg2">
+              <a:lumMod val="75000"/>
+            </a:schemeClr>
+          </a:solidFill>
+          <a:ln>
+            <a:solidFill>
+              <a:schemeClr val="bg1">
+                <a:lumMod val="75000"/>
+              </a:schemeClr>
+            </a:solidFill>
+          </a:ln>
+        </p:spPr>
+        <p:style>
+          <a:lnRef idx="2">
+            <a:schemeClr val="accent1">
+              <a:shade val="50000"/>
+            </a:schemeClr>
+          </a:lnRef>
+          <a:fillRef idx="1">
+            <a:schemeClr val="accent1"/>
+          </a:fillRef>
+          <a:effectRef idx="0">
+            <a:schemeClr val="accent1"/>
+          </a:effectRef>
+          <a:fontRef idx="minor">
+            <a:schemeClr val="lt1"/>
+          </a:fontRef>
+        </p:style>
+        <p:txBody>
+          <a:bodyPr rtlCol="0" anchor="ctr"/>
+          <a:lstStyle/>
+          <a:p>
+            <a:pPr algn="ctr"/>
+            <a:endParaRPr kumimoji="1" lang="zh-TW" altLang="en-US" dirty="0">
+              <a:solidFill>
+                <a:schemeClr val="bg2">
+                  <a:lumMod val="75000"/>
+                </a:schemeClr>
+              </a:solidFill>
+            </a:endParaRPr>
+          </a:p>
+        </p:txBody>
+      </p:sp>
+      <p:sp>
+        <p:nvSpPr>
+          <p:cNvPr id="54" name="文字方塊 60">
+            <a:extLst>
+              <a:ext uri="{FF2B5EF4-FFF2-40B4-BE49-F238E27FC236}">
+                <a16:creationId xmlns:a16="http://schemas.microsoft.com/office/drawing/2014/main" id="{A735F1A6-88D4-44F9-9527-C3FF81E8080E}"/>
+              </a:ext>
+            </a:extLst>
+          </p:cNvPr>
+          <p:cNvSpPr txBox="1"/>
+          <p:nvPr/>
+        </p:nvSpPr>
+        <p:spPr>
+          <a:xfrm>
+            <a:off x="1422866" y="4325537"/>
+            <a:ext cx="1479037" cy="276999"/>
+          </a:xfrm>
+          <a:prstGeom prst="rect">
+            <a:avLst/>
+          </a:prstGeom>
+          <a:noFill/>
+        </p:spPr>
+        <p:txBody>
+          <a:bodyPr wrap="square" rtlCol="0">
+            <a:spAutoFit/>
+          </a:bodyPr>
+          <a:lstStyle/>
+          <a:p>
+            <a:r>
+              <a:rPr kumimoji="1" lang="en-US" altLang="zh-TW" sz="1200" dirty="0">
+                <a:solidFill>
+                  <a:schemeClr val="bg1"/>
+                </a:solidFill>
+              </a:rPr>
+              <a:t>WELCOME MESSAGE</a:t>
+            </a:r>
+            <a:endParaRPr kumimoji="1" lang="zh-TW" altLang="en-US" sz="1200" dirty="0">
+              <a:solidFill>
+                <a:schemeClr val="bg1"/>
+              </a:solidFill>
+            </a:endParaRPr>
+          </a:p>
+        </p:txBody>
+      </p:sp>
+      <p:sp>
+        <p:nvSpPr>
+          <p:cNvPr id="55" name="矩形 59">
+            <a:extLst>
+              <a:ext uri="{FF2B5EF4-FFF2-40B4-BE49-F238E27FC236}">
+                <a16:creationId xmlns:a16="http://schemas.microsoft.com/office/drawing/2014/main" id="{A4833942-63D1-4809-A5B4-4FB8DC6F7C7F}"/>
+              </a:ext>
+            </a:extLst>
+          </p:cNvPr>
+          <p:cNvSpPr/>
+          <p:nvPr/>
+        </p:nvSpPr>
+        <p:spPr>
+          <a:xfrm>
+            <a:off x="4585680" y="4728138"/>
+            <a:ext cx="2026213" cy="529359"/>
+          </a:xfrm>
+          <a:prstGeom prst="rect">
+            <a:avLst/>
+          </a:prstGeom>
+          <a:solidFill>
+            <a:schemeClr val="bg2">
+              <a:lumMod val="75000"/>
+            </a:schemeClr>
+          </a:solidFill>
+          <a:ln>
+            <a:solidFill>
+              <a:schemeClr val="bg1">
+                <a:lumMod val="75000"/>
+              </a:schemeClr>
+            </a:solidFill>
+          </a:ln>
+        </p:spPr>
+        <p:style>
+          <a:lnRef idx="2">
+            <a:schemeClr val="accent1">
+              <a:shade val="50000"/>
+            </a:schemeClr>
+          </a:lnRef>
+          <a:fillRef idx="1">
+            <a:schemeClr val="accent1"/>
+          </a:fillRef>
+          <a:effectRef idx="0">
+            <a:schemeClr val="accent1"/>
+          </a:effectRef>
+          <a:fontRef idx="minor">
+            <a:schemeClr val="lt1"/>
+          </a:fontRef>
+        </p:style>
+        <p:txBody>
+          <a:bodyPr rtlCol="0" anchor="ctr"/>
+          <a:lstStyle/>
+          <a:p>
+            <a:pPr algn="ctr"/>
+            <a:endParaRPr kumimoji="1" lang="zh-TW" altLang="en-US" dirty="0">
+              <a:solidFill>
+                <a:schemeClr val="bg2">
+                  <a:lumMod val="75000"/>
+                </a:schemeClr>
+              </a:solidFill>
+            </a:endParaRPr>
+          </a:p>
+        </p:txBody>
+      </p:sp>
+      <p:sp>
+        <p:nvSpPr>
+          <p:cNvPr id="64" name="文字方塊 60">
+            <a:extLst>
+              <a:ext uri="{FF2B5EF4-FFF2-40B4-BE49-F238E27FC236}">
+                <a16:creationId xmlns:a16="http://schemas.microsoft.com/office/drawing/2014/main" id="{4CC0AA48-A8BA-4068-B60D-A91B645089C9}"/>
+              </a:ext>
+            </a:extLst>
+          </p:cNvPr>
+          <p:cNvSpPr txBox="1"/>
+          <p:nvPr/>
+        </p:nvSpPr>
+        <p:spPr>
+          <a:xfrm>
+            <a:off x="5100212" y="5732203"/>
+            <a:ext cx="1479037" cy="276999"/>
+          </a:xfrm>
+          <a:prstGeom prst="rect">
+            <a:avLst/>
+          </a:prstGeom>
+          <a:noFill/>
+        </p:spPr>
+        <p:txBody>
+          <a:bodyPr wrap="square" rtlCol="0">
+            <a:spAutoFit/>
+          </a:bodyPr>
+          <a:lstStyle/>
+          <a:p>
+            <a:r>
+              <a:rPr kumimoji="1" lang="en-US" altLang="zh-TW" sz="1200" dirty="0">
+                <a:solidFill>
+                  <a:schemeClr val="bg1"/>
+                </a:solidFill>
+              </a:rPr>
+              <a:t>ORDER DETAILX</a:t>
+            </a:r>
+            <a:endParaRPr kumimoji="1" lang="zh-TW" altLang="en-US" sz="1200" dirty="0">
+              <a:solidFill>
+                <a:schemeClr val="bg1"/>
+              </a:solidFill>
+            </a:endParaRPr>
+          </a:p>
+        </p:txBody>
+      </p:sp>
+      <p:sp>
+        <p:nvSpPr>
+          <p:cNvPr id="65" name="文字方塊 60">
+            <a:extLst>
+              <a:ext uri="{FF2B5EF4-FFF2-40B4-BE49-F238E27FC236}">
+                <a16:creationId xmlns:a16="http://schemas.microsoft.com/office/drawing/2014/main" id="{865AF38B-40B5-48C0-A90A-A230E6546B47}"/>
+              </a:ext>
+            </a:extLst>
+          </p:cNvPr>
+          <p:cNvSpPr txBox="1"/>
+          <p:nvPr/>
+        </p:nvSpPr>
+        <p:spPr>
+          <a:xfrm>
+            <a:off x="4923455" y="4922993"/>
+            <a:ext cx="1479037" cy="276999"/>
+          </a:xfrm>
+          <a:prstGeom prst="rect">
+            <a:avLst/>
+          </a:prstGeom>
+          <a:noFill/>
+        </p:spPr>
+        <p:txBody>
+          <a:bodyPr wrap="square" rtlCol="0">
+            <a:spAutoFit/>
+          </a:bodyPr>
+          <a:lstStyle/>
+          <a:p>
+            <a:r>
+              <a:rPr kumimoji="1" lang="en-US" altLang="zh-TW" sz="1200" dirty="0">
+                <a:solidFill>
+                  <a:schemeClr val="bg1"/>
+                </a:solidFill>
+              </a:rPr>
+              <a:t>CART</a:t>
+            </a:r>
+            <a:endParaRPr kumimoji="1" lang="zh-TW" altLang="en-US" sz="1200" dirty="0">
+              <a:solidFill>
+                <a:schemeClr val="bg1"/>
+              </a:solidFill>
+            </a:endParaRPr>
+          </a:p>
+        </p:txBody>
+      </p:sp>
+    </p:spTree>
+    <p:extLst>
+      <p:ext uri="{BB962C8B-B14F-4D97-AF65-F5344CB8AC3E}">
+        <p14:creationId xmlns:p14="http://schemas.microsoft.com/office/powerpoint/2010/main" val="2073469290"/>
       </p:ext>
     </p:extLst>
   </p:cSld>
